--- a/Вирусология/Вирусный геном.pptx
+++ b/Вирусология/Вирусный геном.pptx
@@ -36,15 +36,16 @@
     <p:sldMasterId id="2147483710" r:id="rId33"/>
     <p:sldMasterId id="2147483712" r:id="rId34"/>
     <p:sldMasterId id="2147483714" r:id="rId35"/>
+    <p:sldMasterId id="2147483716" r:id="rId36"/>
   </p:sldMasterIdLst>
   <p:sldIdLst>
-    <p:sldId id="256" r:id="rId36"/>
-    <p:sldId id="257" r:id="rId37"/>
-    <p:sldId id="258" r:id="rId38"/>
-    <p:sldId id="259" r:id="rId39"/>
-    <p:sldId id="260" r:id="rId40"/>
-    <p:sldId id="261" r:id="rId41"/>
-    <p:sldId id="262" r:id="rId42"/>
+    <p:sldId id="256" r:id="rId37"/>
+    <p:sldId id="257" r:id="rId38"/>
+    <p:sldId id="258" r:id="rId39"/>
+    <p:sldId id="259" r:id="rId40"/>
+    <p:sldId id="260" r:id="rId41"/>
+    <p:sldId id="261" r:id="rId42"/>
+    <p:sldId id="262" r:id="rId43"/>
   </p:sldIdLst>
   <p:sldSz cx="12192000" cy="6858000"/>
   <p:notesSz cx="7559675" cy="10691813"/>
@@ -81,7 +82,7 @@
         <p:spPr>
           <a:xfrm>
             <a:off x="838080" y="365040"/>
-            <a:ext cx="10513080" cy="1323000"/>
+            <a:ext cx="10512720" cy="1322640"/>
           </a:xfrm>
           <a:prstGeom prst="rect">
             <a:avLst/>
@@ -143,7 +144,7 @@
         <p:txBody>
           <a:bodyPr/>
           <a:p>
-            <a:fld id="{E99A76F1-C7F8-4D2A-896A-BD9D784A748C}" type="slidenum">
+            <a:fld id="{00EEC53B-FF77-4107-9B89-23B1E0A66C30}" type="slidenum">
               <a:t>&lt;#&gt;</a:t>
             </a:fld>
           </a:p>
@@ -205,7 +206,7 @@
         <p:spPr>
           <a:xfrm>
             <a:off x="838080" y="365040"/>
-            <a:ext cx="10513080" cy="1323000"/>
+            <a:ext cx="10512720" cy="1322640"/>
           </a:xfrm>
           <a:prstGeom prst="rect">
             <a:avLst/>
@@ -267,7 +268,7 @@
         <p:txBody>
           <a:bodyPr/>
           <a:p>
-            <a:fld id="{29B6F381-C352-442A-A625-2556168FD65C}" type="slidenum">
+            <a:fld id="{B93C961D-EA4A-4102-B249-D18800A3BE44}" type="slidenum">
               <a:t>&lt;#&gt;</a:t>
             </a:fld>
           </a:p>
@@ -329,7 +330,7 @@
         <p:spPr>
           <a:xfrm>
             <a:off x="838080" y="365040"/>
-            <a:ext cx="10513080" cy="1323000"/>
+            <a:ext cx="10512720" cy="1322640"/>
           </a:xfrm>
           <a:prstGeom prst="rect">
             <a:avLst/>
@@ -391,7 +392,7 @@
         <p:txBody>
           <a:bodyPr/>
           <a:p>
-            <a:fld id="{7EC4DFDB-9AF2-49F8-9AF3-292BDCC90D3A}" type="slidenum">
+            <a:fld id="{08C5A0A6-8D29-4C1E-88F9-1BD226EDFE3A}" type="slidenum">
               <a:t>&lt;#&gt;</a:t>
             </a:fld>
           </a:p>
@@ -453,7 +454,7 @@
         <p:spPr>
           <a:xfrm>
             <a:off x="838080" y="365040"/>
-            <a:ext cx="10513080" cy="1323000"/>
+            <a:ext cx="10512720" cy="1322640"/>
           </a:xfrm>
           <a:prstGeom prst="rect">
             <a:avLst/>
@@ -515,7 +516,7 @@
         <p:txBody>
           <a:bodyPr/>
           <a:p>
-            <a:fld id="{0E070375-6360-4706-B5EE-EC8FFD0D8744}" type="slidenum">
+            <a:fld id="{160CEFD6-81E0-4B8B-AFAB-15C2D5F4F86A}" type="slidenum">
               <a:t>&lt;#&gt;</a:t>
             </a:fld>
           </a:p>
@@ -577,7 +578,7 @@
         <p:spPr>
           <a:xfrm>
             <a:off x="838080" y="365040"/>
-            <a:ext cx="10513080" cy="1323000"/>
+            <a:ext cx="10512720" cy="1322640"/>
           </a:xfrm>
           <a:prstGeom prst="rect">
             <a:avLst/>
@@ -639,7 +640,7 @@
         <p:txBody>
           <a:bodyPr/>
           <a:p>
-            <a:fld id="{8C78B07D-FCBB-4AF8-B71C-AB7534638F3B}" type="slidenum">
+            <a:fld id="{E545ABBE-3B05-4E5D-A2B3-26CC70782FD1}" type="slidenum">
               <a:t>&lt;#&gt;</a:t>
             </a:fld>
           </a:p>
@@ -701,7 +702,7 @@
         <p:spPr>
           <a:xfrm>
             <a:off x="838080" y="365040"/>
-            <a:ext cx="10513080" cy="1323000"/>
+            <a:ext cx="10512720" cy="1322640"/>
           </a:xfrm>
           <a:prstGeom prst="rect">
             <a:avLst/>
@@ -763,7 +764,7 @@
         <p:txBody>
           <a:bodyPr/>
           <a:p>
-            <a:fld id="{CA8CC37A-BD13-4B16-B27D-D2ABF463CC5B}" type="slidenum">
+            <a:fld id="{B6C12C53-7A19-48B0-AC24-DD84B27A53B7}" type="slidenum">
               <a:t>&lt;#&gt;</a:t>
             </a:fld>
           </a:p>
@@ -825,7 +826,7 @@
         <p:spPr>
           <a:xfrm>
             <a:off x="838080" y="365040"/>
-            <a:ext cx="10513080" cy="1323000"/>
+            <a:ext cx="10512720" cy="1322640"/>
           </a:xfrm>
           <a:prstGeom prst="rect">
             <a:avLst/>
@@ -887,7 +888,7 @@
         <p:txBody>
           <a:bodyPr/>
           <a:p>
-            <a:fld id="{188FD995-49DC-4F6D-9439-38614ABEBD1A}" type="slidenum">
+            <a:fld id="{3838EA65-9DB9-44FE-83C8-51F99538EF9F}" type="slidenum">
               <a:t>&lt;#&gt;</a:t>
             </a:fld>
           </a:p>
@@ -949,7 +950,7 @@
         <p:spPr>
           <a:xfrm>
             <a:off x="838080" y="365040"/>
-            <a:ext cx="10513080" cy="1323000"/>
+            <a:ext cx="10512720" cy="1322640"/>
           </a:xfrm>
           <a:prstGeom prst="rect">
             <a:avLst/>
@@ -1011,7 +1012,7 @@
         <p:txBody>
           <a:bodyPr/>
           <a:p>
-            <a:fld id="{385275B5-07A8-47B0-89D2-DD9382C8DA71}" type="slidenum">
+            <a:fld id="{A78BD119-02D8-4CC5-A709-C1E854D3C45E}" type="slidenum">
               <a:t>&lt;#&gt;</a:t>
             </a:fld>
           </a:p>
@@ -1073,7 +1074,7 @@
         <p:spPr>
           <a:xfrm>
             <a:off x="838080" y="365040"/>
-            <a:ext cx="10513080" cy="1323000"/>
+            <a:ext cx="10512720" cy="1322640"/>
           </a:xfrm>
           <a:prstGeom prst="rect">
             <a:avLst/>
@@ -1135,7 +1136,7 @@
         <p:txBody>
           <a:bodyPr/>
           <a:p>
-            <a:fld id="{C82BBD75-020F-47BA-96F7-BF6B0DCC19E9}" type="slidenum">
+            <a:fld id="{E0E7893C-86A3-4E1A-AE4A-A0401F583D50}" type="slidenum">
               <a:t>&lt;#&gt;</a:t>
             </a:fld>
           </a:p>
@@ -1197,7 +1198,7 @@
         <p:spPr>
           <a:xfrm>
             <a:off x="838080" y="365040"/>
-            <a:ext cx="10513080" cy="1323000"/>
+            <a:ext cx="10512720" cy="1322640"/>
           </a:xfrm>
           <a:prstGeom prst="rect">
             <a:avLst/>
@@ -1259,7 +1260,7 @@
         <p:txBody>
           <a:bodyPr/>
           <a:p>
-            <a:fld id="{02E33CAB-1893-46CE-B24E-D3D4E80E37BF}" type="slidenum">
+            <a:fld id="{947624EA-A7F6-4D7B-BA71-DA199806F4B3}" type="slidenum">
               <a:t>&lt;#&gt;</a:t>
             </a:fld>
           </a:p>
@@ -1321,7 +1322,7 @@
         <p:spPr>
           <a:xfrm>
             <a:off x="838080" y="365040"/>
-            <a:ext cx="10513080" cy="1323000"/>
+            <a:ext cx="10512720" cy="1322640"/>
           </a:xfrm>
           <a:prstGeom prst="rect">
             <a:avLst/>
@@ -1383,7 +1384,7 @@
         <p:txBody>
           <a:bodyPr/>
           <a:p>
-            <a:fld id="{C85D978C-B884-4E7C-8DA8-C9970190454D}" type="slidenum">
+            <a:fld id="{4DC4910E-0B31-47C2-BAA4-724ECAD1D0B8}" type="slidenum">
               <a:t>&lt;#&gt;</a:t>
             </a:fld>
           </a:p>
@@ -1445,7 +1446,7 @@
         <p:spPr>
           <a:xfrm>
             <a:off x="838080" y="365040"/>
-            <a:ext cx="10513080" cy="1323000"/>
+            <a:ext cx="10512720" cy="1322640"/>
           </a:xfrm>
           <a:prstGeom prst="rect">
             <a:avLst/>
@@ -1507,7 +1508,7 @@
         <p:txBody>
           <a:bodyPr/>
           <a:p>
-            <a:fld id="{D1C1F1BA-EF1D-4C65-A5C2-38DAA5A0EC0A}" type="slidenum">
+            <a:fld id="{474AC201-1A86-4278-A4E9-BFB0A1AA1EA6}" type="slidenum">
               <a:t>&lt;#&gt;</a:t>
             </a:fld>
           </a:p>
@@ -1569,7 +1570,7 @@
         <p:spPr>
           <a:xfrm>
             <a:off x="838080" y="365040"/>
-            <a:ext cx="10513080" cy="1323000"/>
+            <a:ext cx="10512720" cy="1322640"/>
           </a:xfrm>
           <a:prstGeom prst="rect">
             <a:avLst/>
@@ -1631,7 +1632,7 @@
         <p:txBody>
           <a:bodyPr/>
           <a:p>
-            <a:fld id="{20E3176E-8B72-454B-A4A9-94A786560755}" type="slidenum">
+            <a:fld id="{68A8FBCA-CD03-4D75-B6AD-76C27299ECAE}" type="slidenum">
               <a:t>&lt;#&gt;</a:t>
             </a:fld>
           </a:p>
@@ -1693,7 +1694,7 @@
         <p:spPr>
           <a:xfrm>
             <a:off x="838080" y="365040"/>
-            <a:ext cx="10513080" cy="1323000"/>
+            <a:ext cx="10512720" cy="1322640"/>
           </a:xfrm>
           <a:prstGeom prst="rect">
             <a:avLst/>
@@ -1755,7 +1756,7 @@
         <p:txBody>
           <a:bodyPr/>
           <a:p>
-            <a:fld id="{18609647-07C6-46BD-8DFD-7F70C6AAE493}" type="slidenum">
+            <a:fld id="{7A172A29-DD50-48DF-9A35-0BC005E9F371}" type="slidenum">
               <a:t>&lt;#&gt;</a:t>
             </a:fld>
           </a:p>
@@ -1817,7 +1818,7 @@
         <p:spPr>
           <a:xfrm>
             <a:off x="838080" y="365040"/>
-            <a:ext cx="10513080" cy="1323000"/>
+            <a:ext cx="10512720" cy="1322640"/>
           </a:xfrm>
           <a:prstGeom prst="rect">
             <a:avLst/>
@@ -1879,7 +1880,7 @@
         <p:txBody>
           <a:bodyPr/>
           <a:p>
-            <a:fld id="{254F66C1-32CB-4A63-A964-154310AC7F0B}" type="slidenum">
+            <a:fld id="{DDB3BEB9-5319-4D0A-86BC-848D68C50C7F}" type="slidenum">
               <a:t>&lt;#&gt;</a:t>
             </a:fld>
           </a:p>
@@ -1941,7 +1942,7 @@
         <p:spPr>
           <a:xfrm>
             <a:off x="838080" y="365040"/>
-            <a:ext cx="10513080" cy="1323000"/>
+            <a:ext cx="10512720" cy="1322640"/>
           </a:xfrm>
           <a:prstGeom prst="rect">
             <a:avLst/>
@@ -2003,7 +2004,7 @@
         <p:txBody>
           <a:bodyPr/>
           <a:p>
-            <a:fld id="{6B57979C-1238-4FFA-87C6-A4C0B5044F4B}" type="slidenum">
+            <a:fld id="{73C9A502-E6CE-4AA0-86A6-58647E8A497E}" type="slidenum">
               <a:t>&lt;#&gt;</a:t>
             </a:fld>
           </a:p>
@@ -2065,7 +2066,7 @@
         <p:spPr>
           <a:xfrm>
             <a:off x="838080" y="365040"/>
-            <a:ext cx="10513080" cy="1323000"/>
+            <a:ext cx="10512720" cy="1322640"/>
           </a:xfrm>
           <a:prstGeom prst="rect">
             <a:avLst/>
@@ -2127,7 +2128,7 @@
         <p:txBody>
           <a:bodyPr/>
           <a:p>
-            <a:fld id="{35445A2D-F210-43E8-906F-08CFCD93E593}" type="slidenum">
+            <a:fld id="{7F0D3A5C-2529-44D7-95A2-AE87B53E1218}" type="slidenum">
               <a:t>&lt;#&gt;</a:t>
             </a:fld>
           </a:p>
@@ -2189,7 +2190,7 @@
         <p:spPr>
           <a:xfrm>
             <a:off x="838080" y="365040"/>
-            <a:ext cx="10513080" cy="1323000"/>
+            <a:ext cx="10512720" cy="1322640"/>
           </a:xfrm>
           <a:prstGeom prst="rect">
             <a:avLst/>
@@ -2251,7 +2252,7 @@
         <p:txBody>
           <a:bodyPr/>
           <a:p>
-            <a:fld id="{8B78FAA7-BEB7-48D9-B498-EB83A0B54210}" type="slidenum">
+            <a:fld id="{7D3D8D55-7D4C-4C56-AAD3-340F7D929F7C}" type="slidenum">
               <a:t>&lt;#&gt;</a:t>
             </a:fld>
           </a:p>
@@ -2313,7 +2314,7 @@
         <p:spPr>
           <a:xfrm>
             <a:off x="838080" y="365040"/>
-            <a:ext cx="10513080" cy="1323000"/>
+            <a:ext cx="10512720" cy="1322640"/>
           </a:xfrm>
           <a:prstGeom prst="rect">
             <a:avLst/>
@@ -2375,7 +2376,7 @@
         <p:txBody>
           <a:bodyPr/>
           <a:p>
-            <a:fld id="{FDB31C15-109B-4838-B9C2-BA2D18CAA526}" type="slidenum">
+            <a:fld id="{66F516BE-2414-44E9-93E7-E7C8E7660DA9}" type="slidenum">
               <a:t>&lt;#&gt;</a:t>
             </a:fld>
           </a:p>
@@ -2437,7 +2438,7 @@
         <p:spPr>
           <a:xfrm>
             <a:off x="838080" y="365040"/>
-            <a:ext cx="10513080" cy="1323000"/>
+            <a:ext cx="10512720" cy="1322640"/>
           </a:xfrm>
           <a:prstGeom prst="rect">
             <a:avLst/>
@@ -2499,7 +2500,7 @@
         <p:txBody>
           <a:bodyPr/>
           <a:p>
-            <a:fld id="{3B6DBBC4-66C1-4B8E-A99C-371C4768ED17}" type="slidenum">
+            <a:fld id="{B15984F0-0B1D-45F8-923A-0E2EBC1C8CD9}" type="slidenum">
               <a:t>&lt;#&gt;</a:t>
             </a:fld>
           </a:p>
@@ -2561,7 +2562,7 @@
         <p:spPr>
           <a:xfrm>
             <a:off x="838080" y="365040"/>
-            <a:ext cx="10513080" cy="1323000"/>
+            <a:ext cx="10512720" cy="1322640"/>
           </a:xfrm>
           <a:prstGeom prst="rect">
             <a:avLst/>
@@ -2623,7 +2624,7 @@
         <p:txBody>
           <a:bodyPr/>
           <a:p>
-            <a:fld id="{5B1577FE-139B-4374-946F-5334FC4DFFDB}" type="slidenum">
+            <a:fld id="{04E6ACFB-F74A-45AA-91C9-1C9E6126697E}" type="slidenum">
               <a:t>&lt;#&gt;</a:t>
             </a:fld>
           </a:p>
@@ -2685,7 +2686,7 @@
         <p:spPr>
           <a:xfrm>
             <a:off x="838080" y="365040"/>
-            <a:ext cx="10513080" cy="1323000"/>
+            <a:ext cx="10512720" cy="1322640"/>
           </a:xfrm>
           <a:prstGeom prst="rect">
             <a:avLst/>
@@ -2747,7 +2748,7 @@
         <p:txBody>
           <a:bodyPr/>
           <a:p>
-            <a:fld id="{DA9BA2BD-3C10-4985-A842-CAB2321F7241}" type="slidenum">
+            <a:fld id="{6B219491-99C9-437F-9D8D-8CC3F2DC7C3E}" type="slidenum">
               <a:t>&lt;#&gt;</a:t>
             </a:fld>
           </a:p>
@@ -2809,7 +2810,7 @@
         <p:spPr>
           <a:xfrm>
             <a:off x="838080" y="365040"/>
-            <a:ext cx="10513080" cy="1323000"/>
+            <a:ext cx="10512720" cy="1322640"/>
           </a:xfrm>
           <a:prstGeom prst="rect">
             <a:avLst/>
@@ -2871,7 +2872,7 @@
         <p:txBody>
           <a:bodyPr/>
           <a:p>
-            <a:fld id="{0024DC7B-1170-4187-B8C1-416ED2367676}" type="slidenum">
+            <a:fld id="{69B74514-E770-4DFD-B7C8-6D128D001BC5}" type="slidenum">
               <a:t>&lt;#&gt;</a:t>
             </a:fld>
           </a:p>
@@ -2933,7 +2934,7 @@
         <p:spPr>
           <a:xfrm>
             <a:off x="838080" y="365040"/>
-            <a:ext cx="10513080" cy="1323000"/>
+            <a:ext cx="10512720" cy="1322640"/>
           </a:xfrm>
           <a:prstGeom prst="rect">
             <a:avLst/>
@@ -2995,7 +2996,7 @@
         <p:txBody>
           <a:bodyPr/>
           <a:p>
-            <a:fld id="{9D232F72-D637-4015-A255-E590D17BF741}" type="slidenum">
+            <a:fld id="{E55E16D9-566C-4FEE-AE79-8AECD9A3B367}" type="slidenum">
               <a:t>&lt;#&gt;</a:t>
             </a:fld>
           </a:p>
@@ -3057,7 +3058,7 @@
         <p:spPr>
           <a:xfrm>
             <a:off x="838080" y="365040"/>
-            <a:ext cx="10513080" cy="1323000"/>
+            <a:ext cx="10512720" cy="1322640"/>
           </a:xfrm>
           <a:prstGeom prst="rect">
             <a:avLst/>
@@ -3119,7 +3120,7 @@
         <p:txBody>
           <a:bodyPr/>
           <a:p>
-            <a:fld id="{CD5D0AE0-4FD8-409F-8C54-3579E3A2CA11}" type="slidenum">
+            <a:fld id="{6EED35B3-4169-4959-BFD5-CC5C1D97E6AB}" type="slidenum">
               <a:t>&lt;#&gt;</a:t>
             </a:fld>
           </a:p>
@@ -3181,7 +3182,7 @@
         <p:spPr>
           <a:xfrm>
             <a:off x="838080" y="365040"/>
-            <a:ext cx="10513080" cy="1323000"/>
+            <a:ext cx="10512720" cy="1322640"/>
           </a:xfrm>
           <a:prstGeom prst="rect">
             <a:avLst/>
@@ -3243,7 +3244,7 @@
         <p:txBody>
           <a:bodyPr/>
           <a:p>
-            <a:fld id="{60A7B8E1-46BF-4F9B-883C-385F7CE6F299}" type="slidenum">
+            <a:fld id="{5324DA47-1CCA-4999-BCE4-8999A9349D3D}" type="slidenum">
               <a:t>&lt;#&gt;</a:t>
             </a:fld>
           </a:p>
@@ -3305,7 +3306,7 @@
         <p:spPr>
           <a:xfrm>
             <a:off x="838080" y="365040"/>
-            <a:ext cx="10513080" cy="1323000"/>
+            <a:ext cx="10512720" cy="1322640"/>
           </a:xfrm>
           <a:prstGeom prst="rect">
             <a:avLst/>
@@ -3411,7 +3412,7 @@
         <p:txBody>
           <a:bodyPr/>
           <a:p>
-            <a:fld id="{8EF023F5-9D1D-4B2E-97B1-1AD7B8B529F6}" type="slidenum">
+            <a:fld id="{F98C5434-78AA-4D0C-8121-8F233C2A17AF}" type="slidenum">
               <a:t>&lt;#&gt;</a:t>
             </a:fld>
           </a:p>
@@ -3473,7 +3474,7 @@
         <p:spPr>
           <a:xfrm>
             <a:off x="838080" y="365040"/>
-            <a:ext cx="10513080" cy="1323000"/>
+            <a:ext cx="10512720" cy="1322640"/>
           </a:xfrm>
           <a:prstGeom prst="rect">
             <a:avLst/>
@@ -3579,7 +3580,7 @@
         <p:txBody>
           <a:bodyPr/>
           <a:p>
-            <a:fld id="{0F0CD637-6D3F-40A5-9EA7-34C1019D916E}" type="slidenum">
+            <a:fld id="{65146047-1719-475A-BC0A-5CC8BC8569F2}" type="slidenum">
               <a:t>&lt;#&gt;</a:t>
             </a:fld>
           </a:p>
@@ -3612,8 +3613,8 @@
 </file>
 
 <file path=ppt/slideLayouts/slideLayout35.xml><?xml version="1.0" encoding="utf-8"?>
-<p:sldLayout xmlns:a="http://schemas.openxmlformats.org/drawingml/2006/main" xmlns:p="http://schemas.openxmlformats.org/presentationml/2006/main" xmlns:r="http://schemas.openxmlformats.org/officeDocument/2006/relationships" xmlns:p14="http://schemas.microsoft.com/office/powerpoint/2010/main" xmlns:p15="http://schemas.microsoft.com/office/powerpoint/2012/main" xmlns:mc="http://schemas.openxmlformats.org/markup-compatibility/2006" type="titleOnly" preserve="1">
-  <p:cSld name="Default 25">
+<p:sldLayout xmlns:a="http://schemas.openxmlformats.org/drawingml/2006/main" xmlns:p="http://schemas.openxmlformats.org/presentationml/2006/main" xmlns:r="http://schemas.openxmlformats.org/officeDocument/2006/relationships" xmlns:p14="http://schemas.microsoft.com/office/powerpoint/2010/main" xmlns:p15="http://schemas.microsoft.com/office/powerpoint/2012/main" xmlns:mc="http://schemas.openxmlformats.org/markup-compatibility/2006" type="tx" preserve="1">
+  <p:cSld name="Default 26">
     <p:spTree>
       <p:nvGrpSpPr>
         <p:cNvPr id="1" name=""/>
@@ -3630,7 +3631,7 @@
       </p:grpSpPr>
       <p:sp>
         <p:nvSpPr>
-          <p:cNvPr id="176" name="PlaceHolder 1"/>
+          <p:cNvPr id="181" name="PlaceHolder 1"/>
           <p:cNvSpPr>
             <a:spLocks noGrp="1"/>
           </p:cNvSpPr>
@@ -3641,7 +3642,7 @@
         <p:spPr>
           <a:xfrm>
             <a:off x="838080" y="365040"/>
-            <a:ext cx="10513080" cy="1323000"/>
+            <a:ext cx="10512720" cy="1322640"/>
           </a:xfrm>
           <a:prstGeom prst="rect">
             <a:avLst/>
@@ -3671,12 +3672,56 @@
       </p:sp>
       <p:sp>
         <p:nvSpPr>
-          <p:cNvPr id="3" name="PlaceHolder 2"/>
-          <p:cNvSpPr>
-            <a:spLocks noGrp="1"/>
-          </p:cNvSpPr>
-          <p:nvPr>
-            <p:ph type="ftr" idx="100"/>
+          <p:cNvPr id="182" name="PlaceHolder 2"/>
+          <p:cNvSpPr>
+            <a:spLocks noGrp="1"/>
+          </p:cNvSpPr>
+          <p:nvPr>
+            <p:ph/>
+          </p:nvPr>
+        </p:nvSpPr>
+        <p:spPr>
+          <a:xfrm>
+            <a:off x="609480" y="1604520"/>
+            <a:ext cx="10972440" cy="3977280"/>
+          </a:xfrm>
+          <a:prstGeom prst="rect">
+            <a:avLst/>
+          </a:prstGeom>
+          <a:noFill/>
+          <a:ln w="0">
+            <a:noFill/>
+          </a:ln>
+        </p:spPr>
+        <p:txBody>
+          <a:bodyPr lIns="0" rIns="0" tIns="0" bIns="0" anchor="t">
+            <a:normAutofit/>
+          </a:bodyPr>
+          <a:p>
+            <a:pPr indent="0">
+              <a:spcBef>
+                <a:spcPts val="1417"/>
+              </a:spcBef>
+              <a:buNone/>
+            </a:pPr>
+            <a:endParaRPr b="0" lang="ru-RU" sz="3200" strike="noStrike" u="none">
+              <a:solidFill>
+                <a:srgbClr val="000000"/>
+              </a:solidFill>
+              <a:uFillTx/>
+              <a:latin typeface="Arial"/>
+            </a:endParaRPr>
+          </a:p>
+        </p:txBody>
+      </p:sp>
+      <p:sp>
+        <p:nvSpPr>
+          <p:cNvPr id="4" name="PlaceHolder 3"/>
+          <p:cNvSpPr>
+            <a:spLocks noGrp="1"/>
+          </p:cNvSpPr>
+          <p:nvPr>
+            <p:ph type="ftr" idx="103"/>
           </p:nvPr>
         </p:nvSpPr>
         <p:spPr/>
@@ -3691,19 +3736,19 @@
       </p:sp>
       <p:sp>
         <p:nvSpPr>
-          <p:cNvPr id="4" name="PlaceHolder 3"/>
-          <p:cNvSpPr>
-            <a:spLocks noGrp="1"/>
-          </p:cNvSpPr>
-          <p:nvPr>
-            <p:ph type="sldNum" idx="101"/>
+          <p:cNvPr id="5" name="PlaceHolder 4"/>
+          <p:cNvSpPr>
+            <a:spLocks noGrp="1"/>
+          </p:cNvSpPr>
+          <p:nvPr>
+            <p:ph type="sldNum" idx="104"/>
           </p:nvPr>
         </p:nvSpPr>
         <p:spPr/>
         <p:txBody>
           <a:bodyPr/>
           <a:p>
-            <a:fld id="{B617F7C6-B05A-4E11-B697-4673EBEF2E9F}" type="slidenum">
+            <a:fld id="{DDB22ECE-2DE6-4F1C-AF7D-A7040BA02BAC}" type="slidenum">
               <a:t>&lt;#&gt;</a:t>
             </a:fld>
           </a:p>
@@ -3711,12 +3756,136 @@
       </p:sp>
       <p:sp>
         <p:nvSpPr>
+          <p:cNvPr id="6" name="PlaceHolder 5"/>
+          <p:cNvSpPr>
+            <a:spLocks noGrp="1"/>
+          </p:cNvSpPr>
+          <p:nvPr>
+            <p:ph type="dt" idx="105"/>
+          </p:nvPr>
+        </p:nvSpPr>
+        <p:spPr/>
+        <p:txBody>
+          <a:bodyPr/>
+          <a:p>
+            <a:r>
+              <a:rPr lang="ru-RU"/>
+              <a:t/>
+            </a:r>
+          </a:p>
+        </p:txBody>
+      </p:sp>
+    </p:spTree>
+  </p:cSld>
+</p:sldLayout>
+</file>
+
+<file path=ppt/slideLayouts/slideLayout36.xml><?xml version="1.0" encoding="utf-8"?>
+<p:sldLayout xmlns:a="http://schemas.openxmlformats.org/drawingml/2006/main" xmlns:p="http://schemas.openxmlformats.org/presentationml/2006/main" xmlns:r="http://schemas.openxmlformats.org/officeDocument/2006/relationships" xmlns:p14="http://schemas.microsoft.com/office/powerpoint/2010/main" xmlns:p15="http://schemas.microsoft.com/office/powerpoint/2012/main" xmlns:mc="http://schemas.openxmlformats.org/markup-compatibility/2006" type="titleOnly" preserve="1">
+  <p:cSld name="Default 26">
+    <p:spTree>
+      <p:nvGrpSpPr>
+        <p:cNvPr id="1" name=""/>
+        <p:cNvGrpSpPr/>
+        <p:nvPr/>
+      </p:nvGrpSpPr>
+      <p:grpSpPr>
+        <a:xfrm>
+          <a:off x="0" y="0"/>
+          <a:ext cx="0" cy="0"/>
+          <a:chOff x="0" y="0"/>
+          <a:chExt cx="0" cy="0"/>
+        </a:xfrm>
+      </p:grpSpPr>
+      <p:sp>
+        <p:nvSpPr>
+          <p:cNvPr id="183" name="PlaceHolder 1"/>
+          <p:cNvSpPr>
+            <a:spLocks noGrp="1"/>
+          </p:cNvSpPr>
+          <p:nvPr>
+            <p:ph type="title"/>
+          </p:nvPr>
+        </p:nvSpPr>
+        <p:spPr>
+          <a:xfrm>
+            <a:off x="838080" y="365040"/>
+            <a:ext cx="10512720" cy="1322640"/>
+          </a:xfrm>
+          <a:prstGeom prst="rect">
+            <a:avLst/>
+          </a:prstGeom>
+          <a:noFill/>
+          <a:ln w="0">
+            <a:noFill/>
+          </a:ln>
+        </p:spPr>
+        <p:txBody>
+          <a:bodyPr lIns="0" rIns="0" tIns="0" bIns="0" anchor="ctr">
+            <a:noAutofit/>
+          </a:bodyPr>
+          <a:p>
+            <a:pPr indent="0" algn="ctr">
+              <a:buNone/>
+            </a:pPr>
+            <a:endParaRPr b="0" lang="ru-RU" sz="4400" strike="noStrike" u="none">
+              <a:solidFill>
+                <a:srgbClr val="000000"/>
+              </a:solidFill>
+              <a:uFillTx/>
+              <a:latin typeface="Arial"/>
+            </a:endParaRPr>
+          </a:p>
+        </p:txBody>
+      </p:sp>
+      <p:sp>
+        <p:nvSpPr>
+          <p:cNvPr id="3" name="PlaceHolder 2"/>
+          <p:cNvSpPr>
+            <a:spLocks noGrp="1"/>
+          </p:cNvSpPr>
+          <p:nvPr>
+            <p:ph type="ftr" idx="103"/>
+          </p:nvPr>
+        </p:nvSpPr>
+        <p:spPr/>
+        <p:txBody>
+          <a:bodyPr/>
+          <a:p>
+            <a:r>
+              <a:t>Footer</a:t>
+            </a:r>
+          </a:p>
+        </p:txBody>
+      </p:sp>
+      <p:sp>
+        <p:nvSpPr>
+          <p:cNvPr id="4" name="PlaceHolder 3"/>
+          <p:cNvSpPr>
+            <a:spLocks noGrp="1"/>
+          </p:cNvSpPr>
+          <p:nvPr>
+            <p:ph type="sldNum" idx="104"/>
+          </p:nvPr>
+        </p:nvSpPr>
+        <p:spPr/>
+        <p:txBody>
+          <a:bodyPr/>
+          <a:p>
+            <a:fld id="{14865084-4D32-4239-AF30-0A7918F7B094}" type="slidenum">
+              <a:t>&lt;#&gt;</a:t>
+            </a:fld>
+          </a:p>
+        </p:txBody>
+      </p:sp>
+      <p:sp>
+        <p:nvSpPr>
           <p:cNvPr id="5" name="PlaceHolder 4"/>
           <p:cNvSpPr>
             <a:spLocks noGrp="1"/>
           </p:cNvSpPr>
           <p:nvPr>
-            <p:ph type="dt" idx="102"/>
+            <p:ph type="dt" idx="105"/>
           </p:nvPr>
         </p:nvSpPr>
         <p:spPr/>
@@ -3765,7 +3934,7 @@
         <p:spPr>
           <a:xfrm>
             <a:off x="838080" y="365040"/>
-            <a:ext cx="10513080" cy="1323000"/>
+            <a:ext cx="10512720" cy="1322640"/>
           </a:xfrm>
           <a:prstGeom prst="rect">
             <a:avLst/>
@@ -3827,7 +3996,7 @@
         <p:txBody>
           <a:bodyPr/>
           <a:p>
-            <a:fld id="{D528AF69-8B01-442A-B586-1513CC86BDE7}" type="slidenum">
+            <a:fld id="{33FA59CB-9D8C-47B0-8AA2-BF62EAC75F57}" type="slidenum">
               <a:t>&lt;#&gt;</a:t>
             </a:fld>
           </a:p>
@@ -3889,7 +4058,7 @@
         <p:spPr>
           <a:xfrm>
             <a:off x="838080" y="365040"/>
-            <a:ext cx="10513080" cy="1323000"/>
+            <a:ext cx="10512720" cy="1322640"/>
           </a:xfrm>
           <a:prstGeom prst="rect">
             <a:avLst/>
@@ -3995,7 +4164,7 @@
         <p:txBody>
           <a:bodyPr/>
           <a:p>
-            <a:fld id="{6C0FEFAA-99F8-4153-8CA5-77B0C72CC63A}" type="slidenum">
+            <a:fld id="{BE58E5C5-7094-490A-ABB4-4594B6D4EDC4}" type="slidenum">
               <a:t>&lt;#&gt;</a:t>
             </a:fld>
           </a:p>
@@ -4057,7 +4226,7 @@
         <p:spPr>
           <a:xfrm>
             <a:off x="838080" y="365040"/>
-            <a:ext cx="10513080" cy="1323000"/>
+            <a:ext cx="10512720" cy="1322640"/>
           </a:xfrm>
           <a:prstGeom prst="rect">
             <a:avLst/>
@@ -4119,7 +4288,7 @@
         <p:txBody>
           <a:bodyPr/>
           <a:p>
-            <a:fld id="{96DD7CA6-B7A5-428D-8B38-55AB0DDB0796}" type="slidenum">
+            <a:fld id="{7E6929CE-033B-465B-A474-B5663D28AED2}" type="slidenum">
               <a:t>&lt;#&gt;</a:t>
             </a:fld>
           </a:p>
@@ -4181,7 +4350,7 @@
         <p:spPr>
           <a:xfrm>
             <a:off x="838080" y="365040"/>
-            <a:ext cx="10513080" cy="1323000"/>
+            <a:ext cx="10512720" cy="1322640"/>
           </a:xfrm>
           <a:prstGeom prst="rect">
             <a:avLst/>
@@ -4243,7 +4412,7 @@
         <p:txBody>
           <a:bodyPr/>
           <a:p>
-            <a:fld id="{AEBBAA49-67A3-4CE6-9972-1006D917D2F1}" type="slidenum">
+            <a:fld id="{79B56810-D999-4592-A07A-93372FCB3C70}" type="slidenum">
               <a:t>&lt;#&gt;</a:t>
             </a:fld>
           </a:p>
@@ -4305,7 +4474,7 @@
         <p:spPr>
           <a:xfrm>
             <a:off x="838080" y="365040"/>
-            <a:ext cx="10513080" cy="1323000"/>
+            <a:ext cx="10512720" cy="1322640"/>
           </a:xfrm>
           <a:prstGeom prst="rect">
             <a:avLst/>
@@ -4367,7 +4536,7 @@
         <p:txBody>
           <a:bodyPr/>
           <a:p>
-            <a:fld id="{4BA98675-1E39-44C1-9803-99BB755E111E}" type="slidenum">
+            <a:fld id="{1057A3DB-22FB-4BDA-A9F0-C4374DB26E30}" type="slidenum">
               <a:t>&lt;#&gt;</a:t>
             </a:fld>
           </a:p>
@@ -4429,7 +4598,7 @@
         <p:spPr>
           <a:xfrm>
             <a:off x="838080" y="365040"/>
-            <a:ext cx="10513080" cy="1323000"/>
+            <a:ext cx="10512720" cy="1322640"/>
           </a:xfrm>
           <a:prstGeom prst="rect">
             <a:avLst/>
@@ -4491,7 +4660,7 @@
         <p:txBody>
           <a:bodyPr/>
           <a:p>
-            <a:fld id="{41EA4555-B136-44DB-A83A-C900E7634869}" type="slidenum">
+            <a:fld id="{B90BFE3D-37B2-4F4C-84ED-9EB42144ACA9}" type="slidenum">
               <a:t>&lt;#&gt;</a:t>
             </a:fld>
           </a:p>
@@ -4560,7 +4729,7 @@
         <p:spPr>
           <a:xfrm>
             <a:off x="838080" y="365040"/>
-            <a:ext cx="10513080" cy="1323000"/>
+            <a:ext cx="10512720" cy="1322640"/>
           </a:xfrm>
           <a:prstGeom prst="rect">
             <a:avLst/>
@@ -4611,7 +4780,7 @@
         <p:spPr>
           <a:xfrm>
             <a:off x="4038480" y="6356520"/>
-            <a:ext cx="4112280" cy="362520"/>
+            <a:ext cx="4111920" cy="362160"/>
           </a:xfrm>
           <a:prstGeom prst="rect">
             <a:avLst/>
@@ -4690,7 +4859,7 @@
         <p:spPr>
           <a:xfrm>
             <a:off x="8610480" y="6356520"/>
-            <a:ext cx="2740680" cy="362520"/>
+            <a:ext cx="2740320" cy="362160"/>
           </a:xfrm>
           <a:prstGeom prst="rect">
             <a:avLst/>
@@ -4734,7 +4903,7 @@
                 <a:tab algn="l" pos="0"/>
               </a:tabLst>
             </a:pPr>
-            <a:fld id="{F202C989-3169-4B12-A728-75FFE96C05EF}" type="slidenum">
+            <a:fld id="{E77F1276-18E2-4B42-A89D-05307EE4BA83}" type="slidenum">
               <a:rPr b="0" lang="en-US" sz="1200" strike="noStrike" u="none">
                 <a:solidFill>
                   <a:schemeClr val="dk1">
@@ -4769,7 +4938,7 @@
         <p:spPr>
           <a:xfrm>
             <a:off x="838080" y="6356520"/>
-            <a:ext cx="2740680" cy="362520"/>
+            <a:ext cx="2740320" cy="362160"/>
           </a:xfrm>
           <a:prstGeom prst="rect">
             <a:avLst/>
@@ -4865,7 +5034,7 @@
         <p:spPr>
           <a:xfrm>
             <a:off x="838080" y="365040"/>
-            <a:ext cx="10513080" cy="1323000"/>
+            <a:ext cx="10512720" cy="1322640"/>
           </a:xfrm>
           <a:prstGeom prst="rect">
             <a:avLst/>
@@ -4916,7 +5085,7 @@
         <p:spPr>
           <a:xfrm>
             <a:off x="4038480" y="6356520"/>
-            <a:ext cx="4112280" cy="362520"/>
+            <a:ext cx="4111920" cy="362160"/>
           </a:xfrm>
           <a:prstGeom prst="rect">
             <a:avLst/>
@@ -4995,7 +5164,7 @@
         <p:spPr>
           <a:xfrm>
             <a:off x="8610480" y="6356520"/>
-            <a:ext cx="2740680" cy="362520"/>
+            <a:ext cx="2740320" cy="362160"/>
           </a:xfrm>
           <a:prstGeom prst="rect">
             <a:avLst/>
@@ -5039,7 +5208,7 @@
                 <a:tab algn="l" pos="0"/>
               </a:tabLst>
             </a:pPr>
-            <a:fld id="{24F2D338-C533-46A9-9030-30CF46337372}" type="slidenum">
+            <a:fld id="{22EDC1F5-3498-493E-A652-A4FEF465CC6E}" type="slidenum">
               <a:rPr b="0" lang="en-US" sz="1200" strike="noStrike" u="none">
                 <a:solidFill>
                   <a:schemeClr val="dk1">
@@ -5074,7 +5243,7 @@
         <p:spPr>
           <a:xfrm>
             <a:off x="838080" y="6356520"/>
-            <a:ext cx="2740680" cy="362520"/>
+            <a:ext cx="2740320" cy="362160"/>
           </a:xfrm>
           <a:prstGeom prst="rect">
             <a:avLst/>
@@ -5170,7 +5339,7 @@
         <p:spPr>
           <a:xfrm>
             <a:off x="838080" y="365040"/>
-            <a:ext cx="10513080" cy="1323000"/>
+            <a:ext cx="10512720" cy="1322640"/>
           </a:xfrm>
           <a:prstGeom prst="rect">
             <a:avLst/>
@@ -5221,7 +5390,7 @@
         <p:spPr>
           <a:xfrm>
             <a:off x="4038480" y="6356520"/>
-            <a:ext cx="4112280" cy="362520"/>
+            <a:ext cx="4111920" cy="362160"/>
           </a:xfrm>
           <a:prstGeom prst="rect">
             <a:avLst/>
@@ -5300,7 +5469,7 @@
         <p:spPr>
           <a:xfrm>
             <a:off x="8610480" y="6356520"/>
-            <a:ext cx="2740680" cy="362520"/>
+            <a:ext cx="2740320" cy="362160"/>
           </a:xfrm>
           <a:prstGeom prst="rect">
             <a:avLst/>
@@ -5344,7 +5513,7 @@
                 <a:tab algn="l" pos="0"/>
               </a:tabLst>
             </a:pPr>
-            <a:fld id="{E496B8F1-1D02-4A41-B8D2-37038A6474E3}" type="slidenum">
+            <a:fld id="{D5F36BA6-EC4E-46BC-9D3B-9C9FB3FAFFE5}" type="slidenum">
               <a:rPr b="0" lang="en-US" sz="1200" strike="noStrike" u="none">
                 <a:solidFill>
                   <a:schemeClr val="dk1">
@@ -5379,7 +5548,7 @@
         <p:spPr>
           <a:xfrm>
             <a:off x="838080" y="6356520"/>
-            <a:ext cx="2740680" cy="362520"/>
+            <a:ext cx="2740320" cy="362160"/>
           </a:xfrm>
           <a:prstGeom prst="rect">
             <a:avLst/>
@@ -5475,7 +5644,7 @@
         <p:spPr>
           <a:xfrm>
             <a:off x="838080" y="365040"/>
-            <a:ext cx="10513080" cy="1323000"/>
+            <a:ext cx="10512720" cy="1322640"/>
           </a:xfrm>
           <a:prstGeom prst="rect">
             <a:avLst/>
@@ -5526,7 +5695,7 @@
         <p:spPr>
           <a:xfrm>
             <a:off x="4038480" y="6356520"/>
-            <a:ext cx="4112280" cy="362520"/>
+            <a:ext cx="4111920" cy="362160"/>
           </a:xfrm>
           <a:prstGeom prst="rect">
             <a:avLst/>
@@ -5605,7 +5774,7 @@
         <p:spPr>
           <a:xfrm>
             <a:off x="8610480" y="6356520"/>
-            <a:ext cx="2740680" cy="362520"/>
+            <a:ext cx="2740320" cy="362160"/>
           </a:xfrm>
           <a:prstGeom prst="rect">
             <a:avLst/>
@@ -5649,7 +5818,7 @@
                 <a:tab algn="l" pos="0"/>
               </a:tabLst>
             </a:pPr>
-            <a:fld id="{7BD99B81-A259-4CB4-937D-E307DCF6FB92}" type="slidenum">
+            <a:fld id="{250DF95B-6DF2-4EB7-B7ED-39BB07B33B21}" type="slidenum">
               <a:rPr b="0" lang="en-US" sz="1200" strike="noStrike" u="none">
                 <a:solidFill>
                   <a:schemeClr val="dk1">
@@ -5684,7 +5853,7 @@
         <p:spPr>
           <a:xfrm>
             <a:off x="838080" y="6356520"/>
-            <a:ext cx="2740680" cy="362520"/>
+            <a:ext cx="2740320" cy="362160"/>
           </a:xfrm>
           <a:prstGeom prst="rect">
             <a:avLst/>
@@ -5780,7 +5949,7 @@
         <p:spPr>
           <a:xfrm>
             <a:off x="838080" y="365040"/>
-            <a:ext cx="10513080" cy="1323000"/>
+            <a:ext cx="10512720" cy="1322640"/>
           </a:xfrm>
           <a:prstGeom prst="rect">
             <a:avLst/>
@@ -5831,7 +6000,7 @@
         <p:spPr>
           <a:xfrm>
             <a:off x="4038480" y="6356520"/>
-            <a:ext cx="4112280" cy="362520"/>
+            <a:ext cx="4111920" cy="362160"/>
           </a:xfrm>
           <a:prstGeom prst="rect">
             <a:avLst/>
@@ -5910,7 +6079,7 @@
         <p:spPr>
           <a:xfrm>
             <a:off x="8610480" y="6356520"/>
-            <a:ext cx="2740680" cy="362520"/>
+            <a:ext cx="2740320" cy="362160"/>
           </a:xfrm>
           <a:prstGeom prst="rect">
             <a:avLst/>
@@ -5954,7 +6123,7 @@
                 <a:tab algn="l" pos="0"/>
               </a:tabLst>
             </a:pPr>
-            <a:fld id="{5B099DBB-B106-4831-87E5-D5FC7C53F30F}" type="slidenum">
+            <a:fld id="{8F1B58AE-2078-4116-951B-36ABCFCA4F25}" type="slidenum">
               <a:rPr b="0" lang="en-US" sz="1200" strike="noStrike" u="none">
                 <a:solidFill>
                   <a:schemeClr val="dk1">
@@ -5989,7 +6158,7 @@
         <p:spPr>
           <a:xfrm>
             <a:off x="838080" y="6356520"/>
-            <a:ext cx="2740680" cy="362520"/>
+            <a:ext cx="2740320" cy="362160"/>
           </a:xfrm>
           <a:prstGeom prst="rect">
             <a:avLst/>
@@ -6085,7 +6254,7 @@
         <p:spPr>
           <a:xfrm>
             <a:off x="838080" y="365040"/>
-            <a:ext cx="10513080" cy="1323000"/>
+            <a:ext cx="10512720" cy="1322640"/>
           </a:xfrm>
           <a:prstGeom prst="rect">
             <a:avLst/>
@@ -6136,7 +6305,7 @@
         <p:spPr>
           <a:xfrm>
             <a:off x="4038480" y="6356520"/>
-            <a:ext cx="4112280" cy="362520"/>
+            <a:ext cx="4111920" cy="362160"/>
           </a:xfrm>
           <a:prstGeom prst="rect">
             <a:avLst/>
@@ -6215,7 +6384,7 @@
         <p:spPr>
           <a:xfrm>
             <a:off x="8610480" y="6356520"/>
-            <a:ext cx="2740680" cy="362520"/>
+            <a:ext cx="2740320" cy="362160"/>
           </a:xfrm>
           <a:prstGeom prst="rect">
             <a:avLst/>
@@ -6259,7 +6428,7 @@
                 <a:tab algn="l" pos="0"/>
               </a:tabLst>
             </a:pPr>
-            <a:fld id="{8F77957E-816F-4E6C-984E-3C935D9C26AC}" type="slidenum">
+            <a:fld id="{534CB6DE-4F39-40C6-94D7-61BBC203FBB1}" type="slidenum">
               <a:rPr b="0" lang="en-US" sz="1200" strike="noStrike" u="none">
                 <a:solidFill>
                   <a:schemeClr val="dk1">
@@ -6294,7 +6463,7 @@
         <p:spPr>
           <a:xfrm>
             <a:off x="838080" y="6356520"/>
-            <a:ext cx="2740680" cy="362520"/>
+            <a:ext cx="2740320" cy="362160"/>
           </a:xfrm>
           <a:prstGeom prst="rect">
             <a:avLst/>
@@ -6390,7 +6559,7 @@
         <p:spPr>
           <a:xfrm>
             <a:off x="838080" y="365040"/>
-            <a:ext cx="10513080" cy="1323000"/>
+            <a:ext cx="10512720" cy="1322640"/>
           </a:xfrm>
           <a:prstGeom prst="rect">
             <a:avLst/>
@@ -6441,7 +6610,7 @@
         <p:spPr>
           <a:xfrm>
             <a:off x="4038480" y="6356520"/>
-            <a:ext cx="4112280" cy="362520"/>
+            <a:ext cx="4111920" cy="362160"/>
           </a:xfrm>
           <a:prstGeom prst="rect">
             <a:avLst/>
@@ -6520,7 +6689,7 @@
         <p:spPr>
           <a:xfrm>
             <a:off x="8610480" y="6356520"/>
-            <a:ext cx="2740680" cy="362520"/>
+            <a:ext cx="2740320" cy="362160"/>
           </a:xfrm>
           <a:prstGeom prst="rect">
             <a:avLst/>
@@ -6564,7 +6733,7 @@
                 <a:tab algn="l" pos="0"/>
               </a:tabLst>
             </a:pPr>
-            <a:fld id="{FB46E71D-FECE-4C22-B2C3-E624FF1A48CC}" type="slidenum">
+            <a:fld id="{7038D2A3-1714-42E2-A6FF-A002AC3BAEB5}" type="slidenum">
               <a:rPr b="0" lang="en-US" sz="1200" strike="noStrike" u="none">
                 <a:solidFill>
                   <a:schemeClr val="dk1">
@@ -6599,7 +6768,7 @@
         <p:spPr>
           <a:xfrm>
             <a:off x="838080" y="6356520"/>
-            <a:ext cx="2740680" cy="362520"/>
+            <a:ext cx="2740320" cy="362160"/>
           </a:xfrm>
           <a:prstGeom prst="rect">
             <a:avLst/>
@@ -6695,7 +6864,7 @@
         <p:spPr>
           <a:xfrm>
             <a:off x="838080" y="365040"/>
-            <a:ext cx="10513080" cy="1323000"/>
+            <a:ext cx="10512720" cy="1322640"/>
           </a:xfrm>
           <a:prstGeom prst="rect">
             <a:avLst/>
@@ -6746,7 +6915,7 @@
         <p:spPr>
           <a:xfrm>
             <a:off x="4038480" y="6356520"/>
-            <a:ext cx="4112280" cy="362520"/>
+            <a:ext cx="4111920" cy="362160"/>
           </a:xfrm>
           <a:prstGeom prst="rect">
             <a:avLst/>
@@ -6825,7 +6994,7 @@
         <p:spPr>
           <a:xfrm>
             <a:off x="8610480" y="6356520"/>
-            <a:ext cx="2740680" cy="362520"/>
+            <a:ext cx="2740320" cy="362160"/>
           </a:xfrm>
           <a:prstGeom prst="rect">
             <a:avLst/>
@@ -6869,7 +7038,7 @@
                 <a:tab algn="l" pos="0"/>
               </a:tabLst>
             </a:pPr>
-            <a:fld id="{75D68689-56BB-4AFE-B733-354CA1E6BAC1}" type="slidenum">
+            <a:fld id="{984BEA47-2221-43E1-8D25-C24146143026}" type="slidenum">
               <a:rPr b="0" lang="en-US" sz="1200" strike="noStrike" u="none">
                 <a:solidFill>
                   <a:schemeClr val="dk1">
@@ -6904,7 +7073,7 @@
         <p:spPr>
           <a:xfrm>
             <a:off x="838080" y="6356520"/>
-            <a:ext cx="2740680" cy="362520"/>
+            <a:ext cx="2740320" cy="362160"/>
           </a:xfrm>
           <a:prstGeom prst="rect">
             <a:avLst/>
@@ -7000,7 +7169,7 @@
         <p:spPr>
           <a:xfrm>
             <a:off x="838080" y="365040"/>
-            <a:ext cx="10513080" cy="1323000"/>
+            <a:ext cx="10512720" cy="1322640"/>
           </a:xfrm>
           <a:prstGeom prst="rect">
             <a:avLst/>
@@ -7051,7 +7220,7 @@
         <p:spPr>
           <a:xfrm>
             <a:off x="4038480" y="6356520"/>
-            <a:ext cx="4112280" cy="362520"/>
+            <a:ext cx="4111920" cy="362160"/>
           </a:xfrm>
           <a:prstGeom prst="rect">
             <a:avLst/>
@@ -7130,7 +7299,7 @@
         <p:spPr>
           <a:xfrm>
             <a:off x="8610480" y="6356520"/>
-            <a:ext cx="2740680" cy="362520"/>
+            <a:ext cx="2740320" cy="362160"/>
           </a:xfrm>
           <a:prstGeom prst="rect">
             <a:avLst/>
@@ -7174,7 +7343,7 @@
                 <a:tab algn="l" pos="0"/>
               </a:tabLst>
             </a:pPr>
-            <a:fld id="{117F63B6-0328-46E1-B5B2-64E152FB23B2}" type="slidenum">
+            <a:fld id="{BC6F7DB9-28FD-4C3B-9FFF-5AB0EDAD013F}" type="slidenum">
               <a:rPr b="0" lang="en-US" sz="1200" strike="noStrike" u="none">
                 <a:solidFill>
                   <a:schemeClr val="dk1">
@@ -7184,7 +7353,7 @@
                 <a:uFillTx/>
                 <a:latin typeface="Calibri"/>
               </a:rPr>
-              <a:t>&lt;number&gt;</a:t>
+              <a:t>1</a:t>
             </a:fld>
             <a:endParaRPr b="0" lang="ru-RU" sz="1200" strike="noStrike" u="none">
               <a:solidFill>
@@ -7209,7 +7378,7 @@
         <p:spPr>
           <a:xfrm>
             <a:off x="838080" y="6356520"/>
-            <a:ext cx="2740680" cy="362520"/>
+            <a:ext cx="2740320" cy="362160"/>
           </a:xfrm>
           <a:prstGeom prst="rect">
             <a:avLst/>
@@ -7247,7 +7416,7 @@
                 <a:uFillTx/>
                 <a:latin typeface="Times New Roman"/>
               </a:rPr>
-              <a:t>&lt;date/time&gt;</a:t>
+              <a:t> </a:t>
             </a:r>
             <a:endParaRPr b="0" lang="ru-RU" sz="1400" strike="noStrike" u="none">
               <a:solidFill>
@@ -7305,7 +7474,7 @@
         <p:spPr>
           <a:xfrm>
             <a:off x="838080" y="365040"/>
-            <a:ext cx="10513080" cy="1323000"/>
+            <a:ext cx="10512720" cy="1322640"/>
           </a:xfrm>
           <a:prstGeom prst="rect">
             <a:avLst/>
@@ -7356,7 +7525,7 @@
         <p:spPr>
           <a:xfrm>
             <a:off x="4038480" y="6356520"/>
-            <a:ext cx="4112280" cy="362520"/>
+            <a:ext cx="4111920" cy="362160"/>
           </a:xfrm>
           <a:prstGeom prst="rect">
             <a:avLst/>
@@ -7410,7 +7579,7 @@
                 <a:uFillTx/>
                 <a:latin typeface="Calibri"/>
               </a:rPr>
-              <a:t>&lt;footer&gt;</a:t>
+              <a:t> </a:t>
             </a:r>
             <a:endParaRPr b="0" lang="ru-RU" sz="1200" strike="noStrike" u="none">
               <a:solidFill>
@@ -7435,7 +7604,7 @@
         <p:spPr>
           <a:xfrm>
             <a:off x="8610480" y="6356520"/>
-            <a:ext cx="2740680" cy="362520"/>
+            <a:ext cx="2740320" cy="362160"/>
           </a:xfrm>
           <a:prstGeom prst="rect">
             <a:avLst/>
@@ -7479,7 +7648,7 @@
                 <a:tab algn="l" pos="0"/>
               </a:tabLst>
             </a:pPr>
-            <a:fld id="{2F9EA98C-34D3-4FD5-8503-B9ECB5983B3F}" type="slidenum">
+            <a:fld id="{098D367F-489D-409D-B163-03B44F91D2E9}" type="slidenum">
               <a:rPr b="0" lang="en-US" sz="1200" strike="noStrike" u="none">
                 <a:solidFill>
                   <a:schemeClr val="dk1">
@@ -7489,7 +7658,7 @@
                 <a:uFillTx/>
                 <a:latin typeface="Calibri"/>
               </a:rPr>
-              <a:t>&lt;number&gt;</a:t>
+              <a:t>1</a:t>
             </a:fld>
             <a:endParaRPr b="0" lang="ru-RU" sz="1200" strike="noStrike" u="none">
               <a:solidFill>
@@ -7514,7 +7683,7 @@
         <p:spPr>
           <a:xfrm>
             <a:off x="838080" y="6356520"/>
-            <a:ext cx="2740680" cy="362520"/>
+            <a:ext cx="2740320" cy="362160"/>
           </a:xfrm>
           <a:prstGeom prst="rect">
             <a:avLst/>
@@ -7552,7 +7721,7 @@
                 <a:uFillTx/>
                 <a:latin typeface="Times New Roman"/>
               </a:rPr>
-              <a:t>&lt;date/time&gt;</a:t>
+              <a:t> </a:t>
             </a:r>
             <a:endParaRPr b="0" lang="ru-RU" sz="1400" strike="noStrike" u="none">
               <a:solidFill>
@@ -7610,7 +7779,7 @@
         <p:spPr>
           <a:xfrm>
             <a:off x="838080" y="365040"/>
-            <a:ext cx="10513080" cy="1323000"/>
+            <a:ext cx="10512720" cy="1322640"/>
           </a:xfrm>
           <a:prstGeom prst="rect">
             <a:avLst/>
@@ -7661,7 +7830,7 @@
         <p:spPr>
           <a:xfrm>
             <a:off x="4038480" y="6356520"/>
-            <a:ext cx="4112280" cy="362520"/>
+            <a:ext cx="4111920" cy="362160"/>
           </a:xfrm>
           <a:prstGeom prst="rect">
             <a:avLst/>
@@ -7715,7 +7884,7 @@
                 <a:uFillTx/>
                 <a:latin typeface="Calibri"/>
               </a:rPr>
-              <a:t>&lt;footer&gt;</a:t>
+              <a:t> </a:t>
             </a:r>
             <a:endParaRPr b="0" lang="ru-RU" sz="1200" strike="noStrike" u="none">
               <a:solidFill>
@@ -7740,7 +7909,7 @@
         <p:spPr>
           <a:xfrm>
             <a:off x="8610480" y="6356520"/>
-            <a:ext cx="2740680" cy="362520"/>
+            <a:ext cx="2740320" cy="362160"/>
           </a:xfrm>
           <a:prstGeom prst="rect">
             <a:avLst/>
@@ -7784,7 +7953,7 @@
                 <a:tab algn="l" pos="0"/>
               </a:tabLst>
             </a:pPr>
-            <a:fld id="{56002D1A-8890-464D-AC35-31D09FE0EBA4}" type="slidenum">
+            <a:fld id="{A447EAF3-4706-45EF-A025-016F8DBE276E}" type="slidenum">
               <a:rPr b="0" lang="en-US" sz="1200" strike="noStrike" u="none">
                 <a:solidFill>
                   <a:schemeClr val="dk1">
@@ -7794,7 +7963,7 @@
                 <a:uFillTx/>
                 <a:latin typeface="Calibri"/>
               </a:rPr>
-              <a:t>&lt;number&gt;</a:t>
+              <a:t>1</a:t>
             </a:fld>
             <a:endParaRPr b="0" lang="ru-RU" sz="1200" strike="noStrike" u="none">
               <a:solidFill>
@@ -7819,7 +7988,7 @@
         <p:spPr>
           <a:xfrm>
             <a:off x="838080" y="6356520"/>
-            <a:ext cx="2740680" cy="362520"/>
+            <a:ext cx="2740320" cy="362160"/>
           </a:xfrm>
           <a:prstGeom prst="rect">
             <a:avLst/>
@@ -7857,7 +8026,7 @@
                 <a:uFillTx/>
                 <a:latin typeface="Times New Roman"/>
               </a:rPr>
-              <a:t>&lt;date/time&gt;</a:t>
+              <a:t> </a:t>
             </a:r>
             <a:endParaRPr b="0" lang="ru-RU" sz="1400" strike="noStrike" u="none">
               <a:solidFill>
@@ -7915,7 +8084,7 @@
         <p:spPr>
           <a:xfrm>
             <a:off x="838080" y="365040"/>
-            <a:ext cx="10513080" cy="1323000"/>
+            <a:ext cx="10512720" cy="1322640"/>
           </a:xfrm>
           <a:prstGeom prst="rect">
             <a:avLst/>
@@ -7966,7 +8135,7 @@
         <p:spPr>
           <a:xfrm>
             <a:off x="4038480" y="6356520"/>
-            <a:ext cx="4112280" cy="362520"/>
+            <a:ext cx="4111920" cy="362160"/>
           </a:xfrm>
           <a:prstGeom prst="rect">
             <a:avLst/>
@@ -8045,7 +8214,7 @@
         <p:spPr>
           <a:xfrm>
             <a:off x="8610480" y="6356520"/>
-            <a:ext cx="2740680" cy="362520"/>
+            <a:ext cx="2740320" cy="362160"/>
           </a:xfrm>
           <a:prstGeom prst="rect">
             <a:avLst/>
@@ -8089,7 +8258,7 @@
                 <a:tab algn="l" pos="0"/>
               </a:tabLst>
             </a:pPr>
-            <a:fld id="{9FE793A6-9AC8-4551-9CF5-9CB314646AEC}" type="slidenum">
+            <a:fld id="{484C132B-BBF4-4430-98D6-3D2150F63391}" type="slidenum">
               <a:rPr b="0" lang="en-US" sz="1200" strike="noStrike" u="none">
                 <a:solidFill>
                   <a:schemeClr val="dk1">
@@ -8124,7 +8293,7 @@
         <p:spPr>
           <a:xfrm>
             <a:off x="838080" y="6356520"/>
-            <a:ext cx="2740680" cy="362520"/>
+            <a:ext cx="2740320" cy="362160"/>
           </a:xfrm>
           <a:prstGeom prst="rect">
             <a:avLst/>
@@ -8220,7 +8389,7 @@
         <p:spPr>
           <a:xfrm>
             <a:off x="838080" y="365040"/>
-            <a:ext cx="10513080" cy="1323000"/>
+            <a:ext cx="10512720" cy="1322640"/>
           </a:xfrm>
           <a:prstGeom prst="rect">
             <a:avLst/>
@@ -8271,7 +8440,7 @@
         <p:spPr>
           <a:xfrm>
             <a:off x="4038480" y="6356520"/>
-            <a:ext cx="4112280" cy="362520"/>
+            <a:ext cx="4111920" cy="362160"/>
           </a:xfrm>
           <a:prstGeom prst="rect">
             <a:avLst/>
@@ -8325,7 +8494,7 @@
                 <a:uFillTx/>
                 <a:latin typeface="Calibri"/>
               </a:rPr>
-              <a:t>&lt;footer&gt;</a:t>
+              <a:t> </a:t>
             </a:r>
             <a:endParaRPr b="0" lang="ru-RU" sz="1200" strike="noStrike" u="none">
               <a:solidFill>
@@ -8350,7 +8519,7 @@
         <p:spPr>
           <a:xfrm>
             <a:off x="8610480" y="6356520"/>
-            <a:ext cx="2740680" cy="362520"/>
+            <a:ext cx="2740320" cy="362160"/>
           </a:xfrm>
           <a:prstGeom prst="rect">
             <a:avLst/>
@@ -8394,7 +8563,7 @@
                 <a:tab algn="l" pos="0"/>
               </a:tabLst>
             </a:pPr>
-            <a:fld id="{5BB69012-AD4F-4236-BB2F-CF8FA190D546}" type="slidenum">
+            <a:fld id="{A1195A8C-9709-4DAF-A6EC-FFA45B4CAFCF}" type="slidenum">
               <a:rPr b="0" lang="en-US" sz="1200" strike="noStrike" u="none">
                 <a:solidFill>
                   <a:schemeClr val="dk1">
@@ -8404,7 +8573,7 @@
                 <a:uFillTx/>
                 <a:latin typeface="Calibri"/>
               </a:rPr>
-              <a:t>&lt;number&gt;</a:t>
+              <a:t>1</a:t>
             </a:fld>
             <a:endParaRPr b="0" lang="ru-RU" sz="1200" strike="noStrike" u="none">
               <a:solidFill>
@@ -8429,7 +8598,7 @@
         <p:spPr>
           <a:xfrm>
             <a:off x="838080" y="6356520"/>
-            <a:ext cx="2740680" cy="362520"/>
+            <a:ext cx="2740320" cy="362160"/>
           </a:xfrm>
           <a:prstGeom prst="rect">
             <a:avLst/>
@@ -8467,7 +8636,7 @@
                 <a:uFillTx/>
                 <a:latin typeface="Times New Roman"/>
               </a:rPr>
-              <a:t>&lt;date/time&gt;</a:t>
+              <a:t> </a:t>
             </a:r>
             <a:endParaRPr b="0" lang="ru-RU" sz="1400" strike="noStrike" u="none">
               <a:solidFill>
@@ -8525,7 +8694,7 @@
         <p:spPr>
           <a:xfrm>
             <a:off x="838080" y="365040"/>
-            <a:ext cx="10513080" cy="1323000"/>
+            <a:ext cx="10512720" cy="1322640"/>
           </a:xfrm>
           <a:prstGeom prst="rect">
             <a:avLst/>
@@ -8576,7 +8745,7 @@
         <p:spPr>
           <a:xfrm>
             <a:off x="4038480" y="6356520"/>
-            <a:ext cx="4112280" cy="362520"/>
+            <a:ext cx="4111920" cy="362160"/>
           </a:xfrm>
           <a:prstGeom prst="rect">
             <a:avLst/>
@@ -8630,7 +8799,7 @@
                 <a:uFillTx/>
                 <a:latin typeface="Calibri"/>
               </a:rPr>
-              <a:t>&lt;footer&gt;</a:t>
+              <a:t> </a:t>
             </a:r>
             <a:endParaRPr b="0" lang="ru-RU" sz="1200" strike="noStrike" u="none">
               <a:solidFill>
@@ -8655,7 +8824,7 @@
         <p:spPr>
           <a:xfrm>
             <a:off x="8610480" y="6356520"/>
-            <a:ext cx="2740680" cy="362520"/>
+            <a:ext cx="2740320" cy="362160"/>
           </a:xfrm>
           <a:prstGeom prst="rect">
             <a:avLst/>
@@ -8699,7 +8868,7 @@
                 <a:tab algn="l" pos="0"/>
               </a:tabLst>
             </a:pPr>
-            <a:fld id="{4DE75E59-BF19-49A6-B7ED-B0985D60EA53}" type="slidenum">
+            <a:fld id="{F095AB06-E8DA-45F4-BF80-BD1272076E26}" type="slidenum">
               <a:rPr b="0" lang="en-US" sz="1200" strike="noStrike" u="none">
                 <a:solidFill>
                   <a:schemeClr val="dk1">
@@ -8709,7 +8878,7 @@
                 <a:uFillTx/>
                 <a:latin typeface="Calibri"/>
               </a:rPr>
-              <a:t>&lt;number&gt;</a:t>
+              <a:t>1</a:t>
             </a:fld>
             <a:endParaRPr b="0" lang="ru-RU" sz="1200" strike="noStrike" u="none">
               <a:solidFill>
@@ -8734,7 +8903,7 @@
         <p:spPr>
           <a:xfrm>
             <a:off x="838080" y="6356520"/>
-            <a:ext cx="2740680" cy="362520"/>
+            <a:ext cx="2740320" cy="362160"/>
           </a:xfrm>
           <a:prstGeom prst="rect">
             <a:avLst/>
@@ -8772,7 +8941,7 @@
                 <a:uFillTx/>
                 <a:latin typeface="Times New Roman"/>
               </a:rPr>
-              <a:t>&lt;date/time&gt;</a:t>
+              <a:t> </a:t>
             </a:r>
             <a:endParaRPr b="0" lang="ru-RU" sz="1400" strike="noStrike" u="none">
               <a:solidFill>
@@ -8830,7 +8999,7 @@
         <p:spPr>
           <a:xfrm>
             <a:off x="838080" y="365040"/>
-            <a:ext cx="10513080" cy="1323000"/>
+            <a:ext cx="10512720" cy="1322640"/>
           </a:xfrm>
           <a:prstGeom prst="rect">
             <a:avLst/>
@@ -8881,7 +9050,7 @@
         <p:spPr>
           <a:xfrm>
             <a:off x="4038480" y="6356520"/>
-            <a:ext cx="4112280" cy="362520"/>
+            <a:ext cx="4111920" cy="362160"/>
           </a:xfrm>
           <a:prstGeom prst="rect">
             <a:avLst/>
@@ -8960,7 +9129,7 @@
         <p:spPr>
           <a:xfrm>
             <a:off x="8610480" y="6356520"/>
-            <a:ext cx="2740680" cy="362520"/>
+            <a:ext cx="2740320" cy="362160"/>
           </a:xfrm>
           <a:prstGeom prst="rect">
             <a:avLst/>
@@ -9004,7 +9173,7 @@
                 <a:tab algn="l" pos="0"/>
               </a:tabLst>
             </a:pPr>
-            <a:fld id="{CACBDBE1-9BD9-439D-AD06-836DB8F785EA}" type="slidenum">
+            <a:fld id="{DDF65E9A-53E9-43F7-8734-1107EE8AA031}" type="slidenum">
               <a:rPr b="0" lang="en-US" sz="1200" strike="noStrike" u="none">
                 <a:solidFill>
                   <a:schemeClr val="dk1">
@@ -9039,7 +9208,7 @@
         <p:spPr>
           <a:xfrm>
             <a:off x="838080" y="6356520"/>
-            <a:ext cx="2740680" cy="362520"/>
+            <a:ext cx="2740320" cy="362160"/>
           </a:xfrm>
           <a:prstGeom prst="rect">
             <a:avLst/>
@@ -9135,7 +9304,7 @@
         <p:spPr>
           <a:xfrm>
             <a:off x="838080" y="365040"/>
-            <a:ext cx="10513080" cy="1323000"/>
+            <a:ext cx="10512720" cy="1322640"/>
           </a:xfrm>
           <a:prstGeom prst="rect">
             <a:avLst/>
@@ -9186,7 +9355,7 @@
         <p:spPr>
           <a:xfrm>
             <a:off x="4038480" y="6356520"/>
-            <a:ext cx="4112280" cy="362520"/>
+            <a:ext cx="4111920" cy="362160"/>
           </a:xfrm>
           <a:prstGeom prst="rect">
             <a:avLst/>
@@ -9265,7 +9434,7 @@
         <p:spPr>
           <a:xfrm>
             <a:off x="8610480" y="6356520"/>
-            <a:ext cx="2740680" cy="362520"/>
+            <a:ext cx="2740320" cy="362160"/>
           </a:xfrm>
           <a:prstGeom prst="rect">
             <a:avLst/>
@@ -9309,7 +9478,7 @@
                 <a:tab algn="l" pos="0"/>
               </a:tabLst>
             </a:pPr>
-            <a:fld id="{C60EEA13-AE1E-445B-BBAE-8A0E6B8F27A2}" type="slidenum">
+            <a:fld id="{BE047622-B4A0-45A5-848B-E8EF56C68474}" type="slidenum">
               <a:rPr b="0" lang="en-US" sz="1200" strike="noStrike" u="none">
                 <a:solidFill>
                   <a:schemeClr val="dk1">
@@ -9344,7 +9513,7 @@
         <p:spPr>
           <a:xfrm>
             <a:off x="838080" y="6356520"/>
-            <a:ext cx="2740680" cy="362520"/>
+            <a:ext cx="2740320" cy="362160"/>
           </a:xfrm>
           <a:prstGeom prst="rect">
             <a:avLst/>
@@ -9440,7 +9609,7 @@
         <p:spPr>
           <a:xfrm>
             <a:off x="838080" y="365040"/>
-            <a:ext cx="10513080" cy="1323000"/>
+            <a:ext cx="10512720" cy="1322640"/>
           </a:xfrm>
           <a:prstGeom prst="rect">
             <a:avLst/>
@@ -9491,7 +9660,7 @@
         <p:spPr>
           <a:xfrm>
             <a:off x="4038480" y="6356520"/>
-            <a:ext cx="4112280" cy="362520"/>
+            <a:ext cx="4111920" cy="362160"/>
           </a:xfrm>
           <a:prstGeom prst="rect">
             <a:avLst/>
@@ -9570,7 +9739,7 @@
         <p:spPr>
           <a:xfrm>
             <a:off x="8610480" y="6356520"/>
-            <a:ext cx="2740680" cy="362520"/>
+            <a:ext cx="2740320" cy="362160"/>
           </a:xfrm>
           <a:prstGeom prst="rect">
             <a:avLst/>
@@ -9614,7 +9783,7 @@
                 <a:tab algn="l" pos="0"/>
               </a:tabLst>
             </a:pPr>
-            <a:fld id="{F45B14A3-CD70-4CC7-B4FA-7CE750A38B2C}" type="slidenum">
+            <a:fld id="{3CA8B40B-4022-418C-B2EC-BC1C80748381}" type="slidenum">
               <a:rPr b="0" lang="en-US" sz="1200" strike="noStrike" u="none">
                 <a:solidFill>
                   <a:schemeClr val="dk1">
@@ -9649,7 +9818,7 @@
         <p:spPr>
           <a:xfrm>
             <a:off x="838080" y="6356520"/>
-            <a:ext cx="2740680" cy="362520"/>
+            <a:ext cx="2740320" cy="362160"/>
           </a:xfrm>
           <a:prstGeom prst="rect">
             <a:avLst/>
@@ -9745,7 +9914,7 @@
         <p:spPr>
           <a:xfrm>
             <a:off x="838080" y="365040"/>
-            <a:ext cx="10513080" cy="1323000"/>
+            <a:ext cx="10512720" cy="1322640"/>
           </a:xfrm>
           <a:prstGeom prst="rect">
             <a:avLst/>
@@ -9796,7 +9965,7 @@
         <p:spPr>
           <a:xfrm>
             <a:off x="4038480" y="6356520"/>
-            <a:ext cx="4112280" cy="362520"/>
+            <a:ext cx="4111920" cy="362160"/>
           </a:xfrm>
           <a:prstGeom prst="rect">
             <a:avLst/>
@@ -9875,7 +10044,7 @@
         <p:spPr>
           <a:xfrm>
             <a:off x="8610480" y="6356520"/>
-            <a:ext cx="2740680" cy="362520"/>
+            <a:ext cx="2740320" cy="362160"/>
           </a:xfrm>
           <a:prstGeom prst="rect">
             <a:avLst/>
@@ -9919,7 +10088,7 @@
                 <a:tab algn="l" pos="0"/>
               </a:tabLst>
             </a:pPr>
-            <a:fld id="{E7DEFEC8-1279-4472-89B1-CA3E15640B32}" type="slidenum">
+            <a:fld id="{52FD5473-6DA9-4829-8EA6-615ABFB76FE4}" type="slidenum">
               <a:rPr b="0" lang="en-US" sz="1200" strike="noStrike" u="none">
                 <a:solidFill>
                   <a:schemeClr val="dk1">
@@ -9954,7 +10123,7 @@
         <p:spPr>
           <a:xfrm>
             <a:off x="838080" y="6356520"/>
-            <a:ext cx="2740680" cy="362520"/>
+            <a:ext cx="2740320" cy="362160"/>
           </a:xfrm>
           <a:prstGeom prst="rect">
             <a:avLst/>
@@ -10050,7 +10219,7 @@
         <p:spPr>
           <a:xfrm>
             <a:off x="838080" y="365040"/>
-            <a:ext cx="10513080" cy="1323000"/>
+            <a:ext cx="10512720" cy="1322640"/>
           </a:xfrm>
           <a:prstGeom prst="rect">
             <a:avLst/>
@@ -10101,7 +10270,7 @@
         <p:spPr>
           <a:xfrm>
             <a:off x="4038480" y="6356520"/>
-            <a:ext cx="4112280" cy="362520"/>
+            <a:ext cx="4111920" cy="362160"/>
           </a:xfrm>
           <a:prstGeom prst="rect">
             <a:avLst/>
@@ -10180,7 +10349,7 @@
         <p:spPr>
           <a:xfrm>
             <a:off x="8610480" y="6356520"/>
-            <a:ext cx="2740680" cy="362520"/>
+            <a:ext cx="2740320" cy="362160"/>
           </a:xfrm>
           <a:prstGeom prst="rect">
             <a:avLst/>
@@ -10224,7 +10393,7 @@
                 <a:tab algn="l" pos="0"/>
               </a:tabLst>
             </a:pPr>
-            <a:fld id="{15E27C2B-12AE-42AA-BF98-AE7AE263F879}" type="slidenum">
+            <a:fld id="{756E719E-C9B5-4C3E-AEE2-4C70107800DE}" type="slidenum">
               <a:rPr b="0" lang="en-US" sz="1200" strike="noStrike" u="none">
                 <a:solidFill>
                   <a:schemeClr val="dk1">
@@ -10259,7 +10428,7 @@
         <p:spPr>
           <a:xfrm>
             <a:off x="838080" y="6356520"/>
-            <a:ext cx="2740680" cy="362520"/>
+            <a:ext cx="2740320" cy="362160"/>
           </a:xfrm>
           <a:prstGeom prst="rect">
             <a:avLst/>
@@ -10355,7 +10524,7 @@
         <p:spPr>
           <a:xfrm>
             <a:off x="838080" y="365040"/>
-            <a:ext cx="10513080" cy="1323000"/>
+            <a:ext cx="10512720" cy="1322640"/>
           </a:xfrm>
           <a:prstGeom prst="rect">
             <a:avLst/>
@@ -10406,7 +10575,7 @@
         <p:spPr>
           <a:xfrm>
             <a:off x="4038480" y="6356520"/>
-            <a:ext cx="4112280" cy="362520"/>
+            <a:ext cx="4111920" cy="362160"/>
           </a:xfrm>
           <a:prstGeom prst="rect">
             <a:avLst/>
@@ -10485,7 +10654,7 @@
         <p:spPr>
           <a:xfrm>
             <a:off x="8610480" y="6356520"/>
-            <a:ext cx="2740680" cy="362520"/>
+            <a:ext cx="2740320" cy="362160"/>
           </a:xfrm>
           <a:prstGeom prst="rect">
             <a:avLst/>
@@ -10529,7 +10698,7 @@
                 <a:tab algn="l" pos="0"/>
               </a:tabLst>
             </a:pPr>
-            <a:fld id="{249BD99B-6AA1-4E2C-8AF3-013A44667ECF}" type="slidenum">
+            <a:fld id="{7BD9C371-4D13-4B68-A625-D1BD925794CB}" type="slidenum">
               <a:rPr b="0" lang="en-US" sz="1200" strike="noStrike" u="none">
                 <a:solidFill>
                   <a:schemeClr val="dk1">
@@ -10564,7 +10733,7 @@
         <p:spPr>
           <a:xfrm>
             <a:off x="838080" y="6356520"/>
-            <a:ext cx="2740680" cy="362520"/>
+            <a:ext cx="2740320" cy="362160"/>
           </a:xfrm>
           <a:prstGeom prst="rect">
             <a:avLst/>
@@ -10660,7 +10829,7 @@
         <p:spPr>
           <a:xfrm>
             <a:off x="838080" y="365040"/>
-            <a:ext cx="10513080" cy="1323000"/>
+            <a:ext cx="10512720" cy="1322640"/>
           </a:xfrm>
           <a:prstGeom prst="rect">
             <a:avLst/>
@@ -10711,7 +10880,7 @@
         <p:spPr>
           <a:xfrm>
             <a:off x="4038480" y="6356520"/>
-            <a:ext cx="4112280" cy="362520"/>
+            <a:ext cx="4111920" cy="362160"/>
           </a:xfrm>
           <a:prstGeom prst="rect">
             <a:avLst/>
@@ -10790,7 +10959,7 @@
         <p:spPr>
           <a:xfrm>
             <a:off x="8610480" y="6356520"/>
-            <a:ext cx="2740680" cy="362520"/>
+            <a:ext cx="2740320" cy="362160"/>
           </a:xfrm>
           <a:prstGeom prst="rect">
             <a:avLst/>
@@ -10834,7 +11003,7 @@
                 <a:tab algn="l" pos="0"/>
               </a:tabLst>
             </a:pPr>
-            <a:fld id="{155DFC17-9979-494C-B0CD-C2670E3CF74C}" type="slidenum">
+            <a:fld id="{A0DAECF1-68CF-4F66-BC0E-23D8200D52C0}" type="slidenum">
               <a:rPr b="0" lang="en-US" sz="1200" strike="noStrike" u="none">
                 <a:solidFill>
                   <a:schemeClr val="dk1">
@@ -10869,7 +11038,7 @@
         <p:spPr>
           <a:xfrm>
             <a:off x="838080" y="6356520"/>
-            <a:ext cx="2740680" cy="362520"/>
+            <a:ext cx="2740320" cy="362160"/>
           </a:xfrm>
           <a:prstGeom prst="rect">
             <a:avLst/>
@@ -10965,7 +11134,7 @@
         <p:spPr>
           <a:xfrm>
             <a:off x="838080" y="365040"/>
-            <a:ext cx="10513080" cy="1323000"/>
+            <a:ext cx="10512720" cy="1322640"/>
           </a:xfrm>
           <a:prstGeom prst="rect">
             <a:avLst/>
@@ -11016,7 +11185,7 @@
         <p:spPr>
           <a:xfrm>
             <a:off x="4038480" y="6356520"/>
-            <a:ext cx="4112280" cy="362520"/>
+            <a:ext cx="4111920" cy="362160"/>
           </a:xfrm>
           <a:prstGeom prst="rect">
             <a:avLst/>
@@ -11095,7 +11264,7 @@
         <p:spPr>
           <a:xfrm>
             <a:off x="8610480" y="6356520"/>
-            <a:ext cx="2740680" cy="362520"/>
+            <a:ext cx="2740320" cy="362160"/>
           </a:xfrm>
           <a:prstGeom prst="rect">
             <a:avLst/>
@@ -11139,7 +11308,7 @@
                 <a:tab algn="l" pos="0"/>
               </a:tabLst>
             </a:pPr>
-            <a:fld id="{F8113AEF-D4A9-41D3-8C71-F37F067C01AA}" type="slidenum">
+            <a:fld id="{ECB6AACB-F5BD-49ED-9FAF-D68825118789}" type="slidenum">
               <a:rPr b="0" lang="en-US" sz="1200" strike="noStrike" u="none">
                 <a:solidFill>
                   <a:schemeClr val="dk1">
@@ -11174,7 +11343,7 @@
         <p:spPr>
           <a:xfrm>
             <a:off x="838080" y="6356520"/>
-            <a:ext cx="2740680" cy="362520"/>
+            <a:ext cx="2740320" cy="362160"/>
           </a:xfrm>
           <a:prstGeom prst="rect">
             <a:avLst/>
@@ -11270,7 +11439,7 @@
         <p:spPr>
           <a:xfrm>
             <a:off x="838080" y="365040"/>
-            <a:ext cx="10513080" cy="1323000"/>
+            <a:ext cx="10512720" cy="1322640"/>
           </a:xfrm>
           <a:prstGeom prst="rect">
             <a:avLst/>
@@ -11321,7 +11490,7 @@
         <p:spPr>
           <a:xfrm>
             <a:off x="4038480" y="6356520"/>
-            <a:ext cx="4112280" cy="362520"/>
+            <a:ext cx="4111920" cy="362160"/>
           </a:xfrm>
           <a:prstGeom prst="rect">
             <a:avLst/>
@@ -11400,7 +11569,7 @@
         <p:spPr>
           <a:xfrm>
             <a:off x="8610480" y="6356520"/>
-            <a:ext cx="2740680" cy="362520"/>
+            <a:ext cx="2740320" cy="362160"/>
           </a:xfrm>
           <a:prstGeom prst="rect">
             <a:avLst/>
@@ -11444,7 +11613,7 @@
                 <a:tab algn="l" pos="0"/>
               </a:tabLst>
             </a:pPr>
-            <a:fld id="{3146BE0E-3EBF-45BE-9A07-92E44F180CC6}" type="slidenum">
+            <a:fld id="{2D7991A6-DB07-4777-8E93-A3B872B74336}" type="slidenum">
               <a:rPr b="0" lang="en-US" sz="1200" strike="noStrike" u="none">
                 <a:solidFill>
                   <a:schemeClr val="dk1">
@@ -11479,7 +11648,7 @@
         <p:spPr>
           <a:xfrm>
             <a:off x="838080" y="6356520"/>
-            <a:ext cx="2740680" cy="362520"/>
+            <a:ext cx="2740320" cy="362160"/>
           </a:xfrm>
           <a:prstGeom prst="rect">
             <a:avLst/>
@@ -11575,7 +11744,7 @@
         <p:spPr>
           <a:xfrm>
             <a:off x="838080" y="365040"/>
-            <a:ext cx="10513080" cy="1323000"/>
+            <a:ext cx="10512720" cy="1322640"/>
           </a:xfrm>
           <a:prstGeom prst="rect">
             <a:avLst/>
@@ -11626,7 +11795,7 @@
         <p:spPr>
           <a:xfrm>
             <a:off x="4038480" y="6356520"/>
-            <a:ext cx="4112280" cy="362520"/>
+            <a:ext cx="4111920" cy="362160"/>
           </a:xfrm>
           <a:prstGeom prst="rect">
             <a:avLst/>
@@ -11705,7 +11874,7 @@
         <p:spPr>
           <a:xfrm>
             <a:off x="8610480" y="6356520"/>
-            <a:ext cx="2740680" cy="362520"/>
+            <a:ext cx="2740320" cy="362160"/>
           </a:xfrm>
           <a:prstGeom prst="rect">
             <a:avLst/>
@@ -11749,7 +11918,7 @@
                 <a:tab algn="l" pos="0"/>
               </a:tabLst>
             </a:pPr>
-            <a:fld id="{DA906647-434F-4F67-BBA8-92BDFA281261}" type="slidenum">
+            <a:fld id="{F931C498-D209-4537-871F-162DD72F8FD2}" type="slidenum">
               <a:rPr b="0" lang="en-US" sz="1200" strike="noStrike" u="none">
                 <a:solidFill>
                   <a:schemeClr val="dk1">
@@ -11784,7 +11953,7 @@
         <p:spPr>
           <a:xfrm>
             <a:off x="838080" y="6356520"/>
-            <a:ext cx="2740680" cy="362520"/>
+            <a:ext cx="2740320" cy="362160"/>
           </a:xfrm>
           <a:prstGeom prst="rect">
             <a:avLst/>
@@ -11880,7 +12049,7 @@
         <p:spPr>
           <a:xfrm>
             <a:off x="838080" y="365040"/>
-            <a:ext cx="10513080" cy="1323000"/>
+            <a:ext cx="10512720" cy="1322640"/>
           </a:xfrm>
           <a:prstGeom prst="rect">
             <a:avLst/>
@@ -11931,7 +12100,7 @@
         <p:spPr>
           <a:xfrm>
             <a:off x="4038480" y="6356520"/>
-            <a:ext cx="4112280" cy="362520"/>
+            <a:ext cx="4111920" cy="362160"/>
           </a:xfrm>
           <a:prstGeom prst="rect">
             <a:avLst/>
@@ -12010,7 +12179,7 @@
         <p:spPr>
           <a:xfrm>
             <a:off x="8610480" y="6356520"/>
-            <a:ext cx="2740680" cy="362520"/>
+            <a:ext cx="2740320" cy="362160"/>
           </a:xfrm>
           <a:prstGeom prst="rect">
             <a:avLst/>
@@ -12054,7 +12223,7 @@
                 <a:tab algn="l" pos="0"/>
               </a:tabLst>
             </a:pPr>
-            <a:fld id="{95455FDE-8CE7-481A-8A87-562B365BE7B4}" type="slidenum">
+            <a:fld id="{2CD124C9-A0FE-475B-9120-3EA6F0289909}" type="slidenum">
               <a:rPr b="0" lang="en-US" sz="1200" strike="noStrike" u="none">
                 <a:solidFill>
                   <a:schemeClr val="dk1">
@@ -12089,7 +12258,7 @@
         <p:spPr>
           <a:xfrm>
             <a:off x="838080" y="6356520"/>
-            <a:ext cx="2740680" cy="362520"/>
+            <a:ext cx="2740320" cy="362160"/>
           </a:xfrm>
           <a:prstGeom prst="rect">
             <a:avLst/>
@@ -12185,7 +12354,7 @@
         <p:spPr>
           <a:xfrm>
             <a:off x="838080" y="365040"/>
-            <a:ext cx="10513080" cy="1323000"/>
+            <a:ext cx="10512720" cy="1322640"/>
           </a:xfrm>
           <a:prstGeom prst="rect">
             <a:avLst/>
@@ -12236,7 +12405,7 @@
         <p:spPr>
           <a:xfrm>
             <a:off x="4038480" y="6356520"/>
-            <a:ext cx="4112280" cy="362520"/>
+            <a:ext cx="4111920" cy="362160"/>
           </a:xfrm>
           <a:prstGeom prst="rect">
             <a:avLst/>
@@ -12315,7 +12484,7 @@
         <p:spPr>
           <a:xfrm>
             <a:off x="8610480" y="6356520"/>
-            <a:ext cx="2740680" cy="362520"/>
+            <a:ext cx="2740320" cy="362160"/>
           </a:xfrm>
           <a:prstGeom prst="rect">
             <a:avLst/>
@@ -12359,7 +12528,7 @@
                 <a:tab algn="l" pos="0"/>
               </a:tabLst>
             </a:pPr>
-            <a:fld id="{010D9B97-182A-491D-8240-11E66D5D3184}" type="slidenum">
+            <a:fld id="{12F05439-E17A-442E-9CFE-F93CDD7A2424}" type="slidenum">
               <a:rPr b="0" lang="en-US" sz="1200" strike="noStrike" u="none">
                 <a:solidFill>
                   <a:schemeClr val="dk1">
@@ -12394,7 +12563,7 @@
         <p:spPr>
           <a:xfrm>
             <a:off x="838080" y="6356520"/>
-            <a:ext cx="2740680" cy="362520"/>
+            <a:ext cx="2740320" cy="362160"/>
           </a:xfrm>
           <a:prstGeom prst="rect">
             <a:avLst/>
@@ -12490,7 +12659,7 @@
         <p:spPr>
           <a:xfrm>
             <a:off x="838080" y="365040"/>
-            <a:ext cx="10513080" cy="1323000"/>
+            <a:ext cx="10512720" cy="1322640"/>
           </a:xfrm>
           <a:prstGeom prst="rect">
             <a:avLst/>
@@ -12780,7 +12949,7 @@
         <p:spPr>
           <a:xfrm>
             <a:off x="4038480" y="6356520"/>
-            <a:ext cx="4112280" cy="362520"/>
+            <a:ext cx="4111920" cy="362160"/>
           </a:xfrm>
           <a:prstGeom prst="rect">
             <a:avLst/>
@@ -12859,7 +13028,7 @@
         <p:spPr>
           <a:xfrm>
             <a:off x="8610480" y="6356520"/>
-            <a:ext cx="2740680" cy="362520"/>
+            <a:ext cx="2740320" cy="362160"/>
           </a:xfrm>
           <a:prstGeom prst="rect">
             <a:avLst/>
@@ -12903,7 +13072,7 @@
                 <a:tab algn="l" pos="0"/>
               </a:tabLst>
             </a:pPr>
-            <a:fld id="{38BBCDC7-4BAD-433B-AD0C-F9380D9169E2}" type="slidenum">
+            <a:fld id="{E0553787-EA73-4C2F-9F96-FA1A9796BAE4}" type="slidenum">
               <a:rPr b="0" lang="en-US" sz="1200" strike="noStrike" u="none">
                 <a:solidFill>
                   <a:schemeClr val="dk1">
@@ -12938,7 +13107,7 @@
         <p:spPr>
           <a:xfrm>
             <a:off x="838080" y="6356520"/>
-            <a:ext cx="2740680" cy="362520"/>
+            <a:ext cx="2740320" cy="362160"/>
           </a:xfrm>
           <a:prstGeom prst="rect">
             <a:avLst/>
@@ -13034,7 +13203,7 @@
         <p:spPr>
           <a:xfrm>
             <a:off x="838080" y="365040"/>
-            <a:ext cx="10513080" cy="1323000"/>
+            <a:ext cx="10512720" cy="1322640"/>
           </a:xfrm>
           <a:prstGeom prst="rect">
             <a:avLst/>
@@ -13079,13 +13248,252 @@
             <a:spLocks noGrp="1"/>
           </p:cNvSpPr>
           <p:nvPr>
+            <p:ph type="body"/>
+          </p:nvPr>
+        </p:nvSpPr>
+        <p:spPr>
+          <a:xfrm>
+            <a:off x="609480" y="1604520"/>
+            <a:ext cx="10972080" cy="3976920"/>
+          </a:xfrm>
+          <a:prstGeom prst="rect">
+            <a:avLst/>
+          </a:prstGeom>
+          <a:noFill/>
+          <a:ln w="0">
+            <a:noFill/>
+          </a:ln>
+        </p:spPr>
+        <p:txBody>
+          <a:bodyPr lIns="0" rIns="0" tIns="0" bIns="0" anchor="t">
+            <a:normAutofit/>
+          </a:bodyPr>
+          <a:p>
+            <a:pPr marL="432000" indent="-324000">
+              <a:spcBef>
+                <a:spcPts val="1417"/>
+              </a:spcBef>
+              <a:buClr>
+                <a:srgbClr val="000000"/>
+              </a:buClr>
+              <a:buSzPct val="45000"/>
+              <a:buFont typeface="Wingdings" charset="2"/>
+              <a:buChar char=""/>
+            </a:pPr>
+            <a:r>
+              <a:rPr b="0" lang="ru-RU" sz="1800" strike="noStrike" u="none">
+                <a:solidFill>
+                  <a:srgbClr val="000000"/>
+                </a:solidFill>
+                <a:uFillTx/>
+                <a:latin typeface="Arial"/>
+              </a:rPr>
+              <a:t>Click to edit the outline text format</a:t>
+            </a:r>
+            <a:endParaRPr b="0" lang="ru-RU" sz="1800" strike="noStrike" u="none">
+              <a:solidFill>
+                <a:srgbClr val="000000"/>
+              </a:solidFill>
+              <a:uFillTx/>
+              <a:latin typeface="Arial"/>
+            </a:endParaRPr>
+          </a:p>
+          <a:p>
+            <a:pPr lvl="1" marL="864000" indent="-324000">
+              <a:spcBef>
+                <a:spcPts val="1134"/>
+              </a:spcBef>
+              <a:buClr>
+                <a:srgbClr val="000000"/>
+              </a:buClr>
+              <a:buSzPct val="75000"/>
+              <a:buFont typeface="Symbol" charset="2"/>
+              <a:buChar char=""/>
+            </a:pPr>
+            <a:r>
+              <a:rPr b="0" lang="ru-RU" sz="1800" strike="noStrike" u="none">
+                <a:solidFill>
+                  <a:srgbClr val="000000"/>
+                </a:solidFill>
+                <a:uFillTx/>
+                <a:latin typeface="Arial"/>
+              </a:rPr>
+              <a:t>Second Outline Level</a:t>
+            </a:r>
+            <a:endParaRPr b="0" lang="ru-RU" sz="1800" strike="noStrike" u="none">
+              <a:solidFill>
+                <a:srgbClr val="000000"/>
+              </a:solidFill>
+              <a:uFillTx/>
+              <a:latin typeface="Arial"/>
+            </a:endParaRPr>
+          </a:p>
+          <a:p>
+            <a:pPr lvl="2" marL="1296000" indent="-288000">
+              <a:spcBef>
+                <a:spcPts val="850"/>
+              </a:spcBef>
+              <a:buClr>
+                <a:srgbClr val="000000"/>
+              </a:buClr>
+              <a:buSzPct val="45000"/>
+              <a:buFont typeface="Wingdings" charset="2"/>
+              <a:buChar char=""/>
+            </a:pPr>
+            <a:r>
+              <a:rPr b="0" lang="ru-RU" sz="1800" strike="noStrike" u="none">
+                <a:solidFill>
+                  <a:srgbClr val="000000"/>
+                </a:solidFill>
+                <a:uFillTx/>
+                <a:latin typeface="Arial"/>
+              </a:rPr>
+              <a:t>Third Outline Level</a:t>
+            </a:r>
+            <a:endParaRPr b="0" lang="ru-RU" sz="1800" strike="noStrike" u="none">
+              <a:solidFill>
+                <a:srgbClr val="000000"/>
+              </a:solidFill>
+              <a:uFillTx/>
+              <a:latin typeface="Arial"/>
+            </a:endParaRPr>
+          </a:p>
+          <a:p>
+            <a:pPr lvl="3" marL="1728000" indent="-216000">
+              <a:spcBef>
+                <a:spcPts val="567"/>
+              </a:spcBef>
+              <a:buClr>
+                <a:srgbClr val="000000"/>
+              </a:buClr>
+              <a:buSzPct val="75000"/>
+              <a:buFont typeface="Symbol" charset="2"/>
+              <a:buChar char=""/>
+            </a:pPr>
+            <a:r>
+              <a:rPr b="0" lang="ru-RU" sz="1800" strike="noStrike" u="none">
+                <a:solidFill>
+                  <a:srgbClr val="000000"/>
+                </a:solidFill>
+                <a:uFillTx/>
+                <a:latin typeface="Arial"/>
+              </a:rPr>
+              <a:t>Fourth Outline Level</a:t>
+            </a:r>
+            <a:endParaRPr b="0" lang="ru-RU" sz="1800" strike="noStrike" u="none">
+              <a:solidFill>
+                <a:srgbClr val="000000"/>
+              </a:solidFill>
+              <a:uFillTx/>
+              <a:latin typeface="Arial"/>
+            </a:endParaRPr>
+          </a:p>
+          <a:p>
+            <a:pPr lvl="4" marL="2160000" indent="-216000">
+              <a:spcBef>
+                <a:spcPts val="283"/>
+              </a:spcBef>
+              <a:buClr>
+                <a:srgbClr val="000000"/>
+              </a:buClr>
+              <a:buSzPct val="45000"/>
+              <a:buFont typeface="Wingdings" charset="2"/>
+              <a:buChar char=""/>
+            </a:pPr>
+            <a:r>
+              <a:rPr b="0" lang="ru-RU" sz="1800" strike="noStrike" u="none">
+                <a:solidFill>
+                  <a:srgbClr val="000000"/>
+                </a:solidFill>
+                <a:uFillTx/>
+                <a:latin typeface="Arial"/>
+              </a:rPr>
+              <a:t>Fifth Outline Level</a:t>
+            </a:r>
+            <a:endParaRPr b="0" lang="ru-RU" sz="1800" strike="noStrike" u="none">
+              <a:solidFill>
+                <a:srgbClr val="000000"/>
+              </a:solidFill>
+              <a:uFillTx/>
+              <a:latin typeface="Arial"/>
+            </a:endParaRPr>
+          </a:p>
+          <a:p>
+            <a:pPr lvl="5" marL="2592000" indent="-216000">
+              <a:spcBef>
+                <a:spcPts val="283"/>
+              </a:spcBef>
+              <a:buClr>
+                <a:srgbClr val="000000"/>
+              </a:buClr>
+              <a:buSzPct val="45000"/>
+              <a:buFont typeface="Wingdings" charset="2"/>
+              <a:buChar char=""/>
+            </a:pPr>
+            <a:r>
+              <a:rPr b="0" lang="ru-RU" sz="1800" strike="noStrike" u="none">
+                <a:solidFill>
+                  <a:srgbClr val="000000"/>
+                </a:solidFill>
+                <a:uFillTx/>
+                <a:latin typeface="Arial"/>
+              </a:rPr>
+              <a:t>Sixth Outline Level</a:t>
+            </a:r>
+            <a:endParaRPr b="0" lang="ru-RU" sz="1800" strike="noStrike" u="none">
+              <a:solidFill>
+                <a:srgbClr val="000000"/>
+              </a:solidFill>
+              <a:uFillTx/>
+              <a:latin typeface="Arial"/>
+            </a:endParaRPr>
+          </a:p>
+          <a:p>
+            <a:pPr lvl="6" marL="3024000" indent="-216000">
+              <a:spcBef>
+                <a:spcPts val="283"/>
+              </a:spcBef>
+              <a:buClr>
+                <a:srgbClr val="000000"/>
+              </a:buClr>
+              <a:buSzPct val="45000"/>
+              <a:buFont typeface="Wingdings" charset="2"/>
+              <a:buChar char=""/>
+            </a:pPr>
+            <a:r>
+              <a:rPr b="0" lang="ru-RU" sz="1800" strike="noStrike" u="none">
+                <a:solidFill>
+                  <a:srgbClr val="000000"/>
+                </a:solidFill>
+                <a:uFillTx/>
+                <a:latin typeface="Arial"/>
+              </a:rPr>
+              <a:t>Seventh Outline Level</a:t>
+            </a:r>
+            <a:endParaRPr b="0" lang="ru-RU" sz="1800" strike="noStrike" u="none">
+              <a:solidFill>
+                <a:srgbClr val="000000"/>
+              </a:solidFill>
+              <a:uFillTx/>
+              <a:latin typeface="Arial"/>
+            </a:endParaRPr>
+          </a:p>
+        </p:txBody>
+      </p:sp>
+      <p:sp>
+        <p:nvSpPr>
+          <p:cNvPr id="171" name="PlaceHolder 3"/>
+          <p:cNvSpPr>
+            <a:spLocks noGrp="1"/>
+          </p:cNvSpPr>
+          <p:nvPr>
             <p:ph type="ftr" idx="100"/>
           </p:nvPr>
         </p:nvSpPr>
         <p:spPr>
           <a:xfrm>
             <a:off x="4038480" y="6356520"/>
-            <a:ext cx="4112280" cy="362520"/>
+            <a:ext cx="4111920" cy="362160"/>
           </a:xfrm>
           <a:prstGeom prst="rect">
             <a:avLst/>
@@ -13153,7 +13561,7 @@
       </p:sp>
       <p:sp>
         <p:nvSpPr>
-          <p:cNvPr id="171" name="PlaceHolder 3"/>
+          <p:cNvPr id="172" name="PlaceHolder 4"/>
           <p:cNvSpPr>
             <a:spLocks noGrp="1"/>
           </p:cNvSpPr>
@@ -13164,7 +13572,7 @@
         <p:spPr>
           <a:xfrm>
             <a:off x="8610480" y="6356520"/>
-            <a:ext cx="2740680" cy="362520"/>
+            <a:ext cx="2740320" cy="362160"/>
           </a:xfrm>
           <a:prstGeom prst="rect">
             <a:avLst/>
@@ -13208,7 +13616,7 @@
                 <a:tab algn="l" pos="0"/>
               </a:tabLst>
             </a:pPr>
-            <a:fld id="{4E1716A2-29BD-4219-BD3E-2C53771E2977}" type="slidenum">
+            <a:fld id="{52BD220B-2F9D-45FD-82F7-3A4E45ECADE1}" type="slidenum">
               <a:rPr b="0" lang="en-US" sz="1200" strike="noStrike" u="none">
                 <a:solidFill>
                   <a:schemeClr val="dk1">
@@ -13232,7 +13640,7 @@
       </p:sp>
       <p:sp>
         <p:nvSpPr>
-          <p:cNvPr id="172" name="PlaceHolder 4"/>
+          <p:cNvPr id="173" name="PlaceHolder 5"/>
           <p:cNvSpPr>
             <a:spLocks noGrp="1"/>
           </p:cNvSpPr>
@@ -13243,7 +13651,7 @@
         <p:spPr>
           <a:xfrm>
             <a:off x="838080" y="6356520"/>
-            <a:ext cx="2740680" cy="362520"/>
+            <a:ext cx="2740320" cy="362160"/>
           </a:xfrm>
           <a:prstGeom prst="rect">
             <a:avLst/>
@@ -13293,9 +13701,314 @@
           </a:p>
         </p:txBody>
       </p:sp>
-      <p:sp>
-        <p:nvSpPr>
-          <p:cNvPr id="173" name="PlaceHolder 5"/>
+    </p:spTree>
+  </p:cSld>
+  <p:clrMap bg1="lt1" tx1="dk1" bg2="lt2" tx2="dk2" accent1="accent1" accent2="accent2" accent3="accent3" accent4="accent4" accent5="accent5" accent6="accent6" hlink="hlink" folHlink="folHlink"/>
+  <p:sldLayoutIdLst>
+    <p:sldLayoutId id="2147483715" r:id="rId2"/>
+  </p:sldLayoutIdLst>
+</p:sldMaster>
+</file>
+
+<file path=ppt/slideMasters/slideMaster35.xml><?xml version="1.0" encoding="utf-8"?>
+<p:sldMaster xmlns:a="http://schemas.openxmlformats.org/drawingml/2006/main" xmlns:p="http://schemas.openxmlformats.org/presentationml/2006/main" xmlns:r="http://schemas.openxmlformats.org/officeDocument/2006/relationships" xmlns:p14="http://schemas.microsoft.com/office/powerpoint/2010/main" xmlns:p15="http://schemas.microsoft.com/office/powerpoint/2012/main" xmlns:mc="http://schemas.openxmlformats.org/markup-compatibility/2006">
+  <p:cSld>
+    <p:bg>
+      <p:bgPr>
+        <a:solidFill>
+          <a:srgbClr val="ffffff"/>
+        </a:solidFill>
+      </p:bgPr>
+    </p:bg>
+    <p:spTree>
+      <p:nvGrpSpPr>
+        <p:cNvPr id="1" name=""/>
+        <p:cNvGrpSpPr/>
+        <p:nvPr/>
+      </p:nvGrpSpPr>
+      <p:grpSpPr>
+        <a:xfrm>
+          <a:off x="0" y="0"/>
+          <a:ext cx="0" cy="0"/>
+          <a:chOff x="0" y="0"/>
+          <a:chExt cx="0" cy="0"/>
+        </a:xfrm>
+      </p:grpSpPr>
+      <p:sp>
+        <p:nvSpPr>
+          <p:cNvPr id="176" name="PlaceHolder 1"/>
+          <p:cNvSpPr>
+            <a:spLocks noGrp="1"/>
+          </p:cNvSpPr>
+          <p:nvPr>
+            <p:ph type="title"/>
+          </p:nvPr>
+        </p:nvSpPr>
+        <p:spPr>
+          <a:xfrm>
+            <a:off x="838080" y="365040"/>
+            <a:ext cx="10512720" cy="1322640"/>
+          </a:xfrm>
+          <a:prstGeom prst="rect">
+            <a:avLst/>
+          </a:prstGeom>
+          <a:noFill/>
+          <a:ln w="0">
+            <a:noFill/>
+          </a:ln>
+        </p:spPr>
+        <p:txBody>
+          <a:bodyPr lIns="0" rIns="0" tIns="0" bIns="0" anchor="ctr">
+            <a:noAutofit/>
+          </a:bodyPr>
+          <a:p>
+            <a:pPr indent="0">
+              <a:buNone/>
+            </a:pPr>
+            <a:r>
+              <a:rPr b="0" lang="ru-RU" sz="1800" strike="noStrike" u="none">
+                <a:solidFill>
+                  <a:srgbClr val="000000"/>
+                </a:solidFill>
+                <a:uFillTx/>
+                <a:latin typeface="Arial"/>
+              </a:rPr>
+              <a:t>Click to edit the title text format</a:t>
+            </a:r>
+            <a:endParaRPr b="0" lang="ru-RU" sz="1800" strike="noStrike" u="none">
+              <a:solidFill>
+                <a:srgbClr val="000000"/>
+              </a:solidFill>
+              <a:uFillTx/>
+              <a:latin typeface="Arial"/>
+            </a:endParaRPr>
+          </a:p>
+        </p:txBody>
+      </p:sp>
+      <p:sp>
+        <p:nvSpPr>
+          <p:cNvPr id="177" name="PlaceHolder 2"/>
+          <p:cNvSpPr>
+            <a:spLocks noGrp="1"/>
+          </p:cNvSpPr>
+          <p:nvPr>
+            <p:ph type="ftr" idx="103"/>
+          </p:nvPr>
+        </p:nvSpPr>
+        <p:spPr>
+          <a:xfrm>
+            <a:off x="4038480" y="6356520"/>
+            <a:ext cx="4111920" cy="362160"/>
+          </a:xfrm>
+          <a:prstGeom prst="rect">
+            <a:avLst/>
+          </a:prstGeom>
+          <a:noFill/>
+          <a:ln w="0">
+            <a:noFill/>
+          </a:ln>
+        </p:spPr>
+        <p:txBody>
+          <a:bodyPr lIns="91440" rIns="91440" tIns="45720" bIns="45720" anchor="ctr">
+            <a:noAutofit/>
+          </a:bodyPr>
+          <a:lstStyle>
+            <a:lvl1pPr indent="0" algn="ctr" defTabSz="914400">
+              <a:lnSpc>
+                <a:spcPct val="100000"/>
+              </a:lnSpc>
+              <a:buNone/>
+              <a:tabLst>
+                <a:tab algn="l" pos="0"/>
+              </a:tabLst>
+              <a:defRPr b="0" lang="en-US" sz="1200" strike="noStrike" u="none">
+                <a:solidFill>
+                  <a:schemeClr val="dk1">
+                    <a:tint val="75000"/>
+                  </a:schemeClr>
+                </a:solidFill>
+                <a:uFillTx/>
+                <a:latin typeface="Calibri"/>
+              </a:defRPr>
+            </a:lvl1pPr>
+          </a:lstStyle>
+          <a:p>
+            <a:pPr indent="0" algn="ctr" defTabSz="914400">
+              <a:lnSpc>
+                <a:spcPct val="100000"/>
+              </a:lnSpc>
+              <a:buNone/>
+              <a:tabLst>
+                <a:tab algn="l" pos="0"/>
+              </a:tabLst>
+            </a:pPr>
+            <a:r>
+              <a:rPr b="0" lang="en-US" sz="1200" strike="noStrike" u="none">
+                <a:solidFill>
+                  <a:schemeClr val="dk1">
+                    <a:tint val="75000"/>
+                  </a:schemeClr>
+                </a:solidFill>
+                <a:uFillTx/>
+                <a:latin typeface="Calibri"/>
+              </a:rPr>
+              <a:t>&lt;footer&gt;</a:t>
+            </a:r>
+            <a:endParaRPr b="0" lang="ru-RU" sz="1200" strike="noStrike" u="none">
+              <a:solidFill>
+                <a:srgbClr val="000000"/>
+              </a:solidFill>
+              <a:uFillTx/>
+              <a:latin typeface="Times New Roman"/>
+            </a:endParaRPr>
+          </a:p>
+        </p:txBody>
+      </p:sp>
+      <p:sp>
+        <p:nvSpPr>
+          <p:cNvPr id="178" name="PlaceHolder 3"/>
+          <p:cNvSpPr>
+            <a:spLocks noGrp="1"/>
+          </p:cNvSpPr>
+          <p:nvPr>
+            <p:ph type="sldNum" idx="104"/>
+          </p:nvPr>
+        </p:nvSpPr>
+        <p:spPr>
+          <a:xfrm>
+            <a:off x="8610480" y="6356520"/>
+            <a:ext cx="2740320" cy="362160"/>
+          </a:xfrm>
+          <a:prstGeom prst="rect">
+            <a:avLst/>
+          </a:prstGeom>
+          <a:noFill/>
+          <a:ln w="0">
+            <a:noFill/>
+          </a:ln>
+        </p:spPr>
+        <p:txBody>
+          <a:bodyPr lIns="91440" rIns="91440" tIns="45720" bIns="45720" anchor="ctr">
+            <a:noAutofit/>
+          </a:bodyPr>
+          <a:lstStyle>
+            <a:lvl1pPr indent="0" algn="r" defTabSz="914400">
+              <a:lnSpc>
+                <a:spcPct val="100000"/>
+              </a:lnSpc>
+              <a:buNone/>
+              <a:tabLst>
+                <a:tab algn="l" pos="0"/>
+              </a:tabLst>
+              <a:defRPr b="0" lang="en-US" sz="1200" strike="noStrike" u="none">
+                <a:solidFill>
+                  <a:schemeClr val="dk1">
+                    <a:tint val="75000"/>
+                  </a:schemeClr>
+                </a:solidFill>
+                <a:uFillTx/>
+                <a:latin typeface="Calibri"/>
+              </a:defRPr>
+            </a:lvl1pPr>
+          </a:lstStyle>
+          <a:p>
+            <a:pPr indent="0" algn="r" defTabSz="914400">
+              <a:lnSpc>
+                <a:spcPct val="100000"/>
+              </a:lnSpc>
+              <a:buNone/>
+              <a:tabLst>
+                <a:tab algn="l" pos="0"/>
+              </a:tabLst>
+            </a:pPr>
+            <a:fld id="{56614502-7880-4786-B78E-23DDFD299C93}" type="slidenum">
+              <a:rPr b="0" lang="en-US" sz="1200" strike="noStrike" u="none">
+                <a:solidFill>
+                  <a:schemeClr val="dk1">
+                    <a:tint val="75000"/>
+                  </a:schemeClr>
+                </a:solidFill>
+                <a:uFillTx/>
+                <a:latin typeface="Calibri"/>
+              </a:rPr>
+              <a:t>&lt;number&gt;</a:t>
+            </a:fld>
+            <a:endParaRPr b="0" lang="ru-RU" sz="1200" strike="noStrike" u="none">
+              <a:solidFill>
+                <a:srgbClr val="000000"/>
+              </a:solidFill>
+              <a:uFillTx/>
+              <a:latin typeface="Times New Roman"/>
+            </a:endParaRPr>
+          </a:p>
+        </p:txBody>
+      </p:sp>
+      <p:sp>
+        <p:nvSpPr>
+          <p:cNvPr id="179" name="PlaceHolder 4"/>
+          <p:cNvSpPr>
+            <a:spLocks noGrp="1"/>
+          </p:cNvSpPr>
+          <p:nvPr>
+            <p:ph type="dt" idx="105"/>
+          </p:nvPr>
+        </p:nvSpPr>
+        <p:spPr>
+          <a:xfrm>
+            <a:off x="838080" y="6356520"/>
+            <a:ext cx="2740320" cy="362160"/>
+          </a:xfrm>
+          <a:prstGeom prst="rect">
+            <a:avLst/>
+          </a:prstGeom>
+          <a:noFill/>
+          <a:ln w="0">
+            <a:noFill/>
+          </a:ln>
+        </p:spPr>
+        <p:txBody>
+          <a:bodyPr lIns="91440" rIns="91440" tIns="45720" bIns="45720" anchor="ctr">
+            <a:noAutofit/>
+          </a:bodyPr>
+          <a:lstStyle>
+            <a:lvl1pPr indent="0">
+              <a:buNone/>
+              <a:defRPr b="0" lang="ru-RU" sz="1400" strike="noStrike" u="none">
+                <a:solidFill>
+                  <a:srgbClr val="000000"/>
+                </a:solidFill>
+                <a:uFillTx/>
+                <a:latin typeface="Times New Roman"/>
+              </a:defRPr>
+            </a:lvl1pPr>
+          </a:lstStyle>
+          <a:p>
+            <a:pPr indent="0">
+              <a:buNone/>
+            </a:pPr>
+            <a:r>
+              <a:rPr b="0" lang="ru-RU" sz="1400" strike="noStrike" u="none">
+                <a:solidFill>
+                  <a:srgbClr val="000000"/>
+                </a:solidFill>
+                <a:uFillTx/>
+                <a:latin typeface="Times New Roman"/>
+              </a:rPr>
+              <a:t>&lt;date/time&gt;</a:t>
+            </a:r>
+            <a:endParaRPr b="0" lang="ru-RU" sz="1400" strike="noStrike" u="none">
+              <a:solidFill>
+                <a:srgbClr val="000000"/>
+              </a:solidFill>
+              <a:uFillTx/>
+              <a:latin typeface="Times New Roman"/>
+            </a:endParaRPr>
+          </a:p>
+        </p:txBody>
+      </p:sp>
+      <p:sp>
+        <p:nvSpPr>
+          <p:cNvPr id="180" name="PlaceHolder 5"/>
           <p:cNvSpPr>
             <a:spLocks noGrp="1"/>
           </p:cNvSpPr>
@@ -13536,8 +14249,8 @@
   </p:cSld>
   <p:clrMap bg1="lt1" tx1="dk1" bg2="lt2" tx2="dk2" accent1="accent1" accent2="accent2" accent3="accent3" accent4="accent4" accent5="accent5" accent6="accent6" hlink="hlink" folHlink="folHlink"/>
   <p:sldLayoutIdLst>
-    <p:sldLayoutId id="2147483715" r:id="rId2"/>
-    <p:sldLayoutId id="2147483716" r:id="rId3"/>
+    <p:sldLayoutId id="2147483717" r:id="rId2"/>
+    <p:sldLayoutId id="2147483718" r:id="rId3"/>
   </p:sldLayoutIdLst>
 </p:sldMaster>
 </file>
@@ -13579,7 +14292,7 @@
         <p:spPr>
           <a:xfrm>
             <a:off x="838080" y="365040"/>
-            <a:ext cx="10513080" cy="1323000"/>
+            <a:ext cx="10512720" cy="1322640"/>
           </a:xfrm>
           <a:prstGeom prst="rect">
             <a:avLst/>
@@ -13630,7 +14343,7 @@
         <p:spPr>
           <a:xfrm>
             <a:off x="4038480" y="6356520"/>
-            <a:ext cx="4112280" cy="362520"/>
+            <a:ext cx="4111920" cy="362160"/>
           </a:xfrm>
           <a:prstGeom prst="rect">
             <a:avLst/>
@@ -13709,7 +14422,7 @@
         <p:spPr>
           <a:xfrm>
             <a:off x="8610480" y="6356520"/>
-            <a:ext cx="2740680" cy="362520"/>
+            <a:ext cx="2740320" cy="362160"/>
           </a:xfrm>
           <a:prstGeom prst="rect">
             <a:avLst/>
@@ -13753,7 +14466,7 @@
                 <a:tab algn="l" pos="0"/>
               </a:tabLst>
             </a:pPr>
-            <a:fld id="{529E86AD-61AE-46A9-A54A-5C383082561F}" type="slidenum">
+            <a:fld id="{F571894D-4788-4987-B4B1-608269587BC8}" type="slidenum">
               <a:rPr b="0" lang="en-US" sz="1200" strike="noStrike" u="none">
                 <a:solidFill>
                   <a:schemeClr val="dk1">
@@ -13788,7 +14501,7 @@
         <p:spPr>
           <a:xfrm>
             <a:off x="838080" y="6356520"/>
-            <a:ext cx="2740680" cy="362520"/>
+            <a:ext cx="2740320" cy="362160"/>
           </a:xfrm>
           <a:prstGeom prst="rect">
             <a:avLst/>
@@ -13884,7 +14597,7 @@
         <p:spPr>
           <a:xfrm>
             <a:off x="838080" y="365040"/>
-            <a:ext cx="10513080" cy="1323000"/>
+            <a:ext cx="10512720" cy="1322640"/>
           </a:xfrm>
           <a:prstGeom prst="rect">
             <a:avLst/>
@@ -14174,7 +14887,7 @@
         <p:spPr>
           <a:xfrm>
             <a:off x="4038480" y="6356520"/>
-            <a:ext cx="4112280" cy="362520"/>
+            <a:ext cx="4111920" cy="362160"/>
           </a:xfrm>
           <a:prstGeom prst="rect">
             <a:avLst/>
@@ -14253,7 +14966,7 @@
         <p:spPr>
           <a:xfrm>
             <a:off x="8610480" y="6356520"/>
-            <a:ext cx="2740680" cy="362520"/>
+            <a:ext cx="2740320" cy="362160"/>
           </a:xfrm>
           <a:prstGeom prst="rect">
             <a:avLst/>
@@ -14297,7 +15010,7 @@
                 <a:tab algn="l" pos="0"/>
               </a:tabLst>
             </a:pPr>
-            <a:fld id="{BC3997E6-E0F4-4434-8EDB-0E4445E79037}" type="slidenum">
+            <a:fld id="{5DB36E44-F00D-4FBD-AFEE-C3D483A25454}" type="slidenum">
               <a:rPr b="0" lang="en-US" sz="1200" strike="noStrike" u="none">
                 <a:solidFill>
                   <a:schemeClr val="dk1">
@@ -14332,7 +15045,7 @@
         <p:spPr>
           <a:xfrm>
             <a:off x="838080" y="6356520"/>
-            <a:ext cx="2740680" cy="362520"/>
+            <a:ext cx="2740320" cy="362160"/>
           </a:xfrm>
           <a:prstGeom prst="rect">
             <a:avLst/>
@@ -14428,7 +15141,7 @@
         <p:spPr>
           <a:xfrm>
             <a:off x="838080" y="365040"/>
-            <a:ext cx="10513080" cy="1323000"/>
+            <a:ext cx="10512720" cy="1322640"/>
           </a:xfrm>
           <a:prstGeom prst="rect">
             <a:avLst/>
@@ -14479,7 +15192,7 @@
         <p:spPr>
           <a:xfrm>
             <a:off x="4038480" y="6356520"/>
-            <a:ext cx="4112280" cy="362520"/>
+            <a:ext cx="4111920" cy="362160"/>
           </a:xfrm>
           <a:prstGeom prst="rect">
             <a:avLst/>
@@ -14558,7 +15271,7 @@
         <p:spPr>
           <a:xfrm>
             <a:off x="8610480" y="6356520"/>
-            <a:ext cx="2740680" cy="362520"/>
+            <a:ext cx="2740320" cy="362160"/>
           </a:xfrm>
           <a:prstGeom prst="rect">
             <a:avLst/>
@@ -14602,7 +15315,7 @@
                 <a:tab algn="l" pos="0"/>
               </a:tabLst>
             </a:pPr>
-            <a:fld id="{A6F1DD3E-CF0D-4243-A4BB-98AFA7C46D6C}" type="slidenum">
+            <a:fld id="{DD47922D-7F25-49BD-A20C-84FB907DD518}" type="slidenum">
               <a:rPr b="0" lang="en-US" sz="1200" strike="noStrike" u="none">
                 <a:solidFill>
                   <a:schemeClr val="dk1">
@@ -14637,7 +15350,7 @@
         <p:spPr>
           <a:xfrm>
             <a:off x="838080" y="6356520"/>
-            <a:ext cx="2740680" cy="362520"/>
+            <a:ext cx="2740320" cy="362160"/>
           </a:xfrm>
           <a:prstGeom prst="rect">
             <a:avLst/>
@@ -14733,7 +15446,7 @@
         <p:spPr>
           <a:xfrm>
             <a:off x="838080" y="365040"/>
-            <a:ext cx="10513080" cy="1323000"/>
+            <a:ext cx="10512720" cy="1322640"/>
           </a:xfrm>
           <a:prstGeom prst="rect">
             <a:avLst/>
@@ -14784,7 +15497,7 @@
         <p:spPr>
           <a:xfrm>
             <a:off x="4038480" y="6356520"/>
-            <a:ext cx="4112280" cy="362520"/>
+            <a:ext cx="4111920" cy="362160"/>
           </a:xfrm>
           <a:prstGeom prst="rect">
             <a:avLst/>
@@ -14863,7 +15576,7 @@
         <p:spPr>
           <a:xfrm>
             <a:off x="8610480" y="6356520"/>
-            <a:ext cx="2740680" cy="362520"/>
+            <a:ext cx="2740320" cy="362160"/>
           </a:xfrm>
           <a:prstGeom prst="rect">
             <a:avLst/>
@@ -14907,7 +15620,7 @@
                 <a:tab algn="l" pos="0"/>
               </a:tabLst>
             </a:pPr>
-            <a:fld id="{5F8136DA-3D5E-4F82-A784-9689915CBB6B}" type="slidenum">
+            <a:fld id="{86DD85B6-BB71-4461-A0E8-1062B15CAA50}" type="slidenum">
               <a:rPr b="0" lang="en-US" sz="1200" strike="noStrike" u="none">
                 <a:solidFill>
                   <a:schemeClr val="dk1">
@@ -14942,7 +15655,7 @@
         <p:spPr>
           <a:xfrm>
             <a:off x="838080" y="6356520"/>
-            <a:ext cx="2740680" cy="362520"/>
+            <a:ext cx="2740320" cy="362160"/>
           </a:xfrm>
           <a:prstGeom prst="rect">
             <a:avLst/>
@@ -15038,7 +15751,7 @@
         <p:spPr>
           <a:xfrm>
             <a:off x="838080" y="365040"/>
-            <a:ext cx="10513080" cy="1323000"/>
+            <a:ext cx="10512720" cy="1322640"/>
           </a:xfrm>
           <a:prstGeom prst="rect">
             <a:avLst/>
@@ -15089,7 +15802,7 @@
         <p:spPr>
           <a:xfrm>
             <a:off x="4038480" y="6356520"/>
-            <a:ext cx="4112280" cy="362520"/>
+            <a:ext cx="4111920" cy="362160"/>
           </a:xfrm>
           <a:prstGeom prst="rect">
             <a:avLst/>
@@ -15168,7 +15881,7 @@
         <p:spPr>
           <a:xfrm>
             <a:off x="8610480" y="6356520"/>
-            <a:ext cx="2740680" cy="362520"/>
+            <a:ext cx="2740320" cy="362160"/>
           </a:xfrm>
           <a:prstGeom prst="rect">
             <a:avLst/>
@@ -15212,7 +15925,7 @@
                 <a:tab algn="l" pos="0"/>
               </a:tabLst>
             </a:pPr>
-            <a:fld id="{2735A8D3-FCD4-497D-8893-0DC802F54E02}" type="slidenum">
+            <a:fld id="{4298DA5D-D6F9-4E38-AB04-9822A5499985}" type="slidenum">
               <a:rPr b="0" lang="en-US" sz="1200" strike="noStrike" u="none">
                 <a:solidFill>
                   <a:schemeClr val="dk1">
@@ -15247,7 +15960,7 @@
         <p:spPr>
           <a:xfrm>
             <a:off x="838080" y="6356520"/>
-            <a:ext cx="2740680" cy="362520"/>
+            <a:ext cx="2740320" cy="362160"/>
           </a:xfrm>
           <a:prstGeom prst="rect">
             <a:avLst/>
@@ -15343,7 +16056,7 @@
         <p:spPr>
           <a:xfrm>
             <a:off x="838080" y="365040"/>
-            <a:ext cx="10513080" cy="1323000"/>
+            <a:ext cx="10512720" cy="1322640"/>
           </a:xfrm>
           <a:prstGeom prst="rect">
             <a:avLst/>
@@ -15394,7 +16107,7 @@
         <p:spPr>
           <a:xfrm>
             <a:off x="4038480" y="6356520"/>
-            <a:ext cx="4112280" cy="362520"/>
+            <a:ext cx="4111920" cy="362160"/>
           </a:xfrm>
           <a:prstGeom prst="rect">
             <a:avLst/>
@@ -15473,7 +16186,7 @@
         <p:spPr>
           <a:xfrm>
             <a:off x="8610480" y="6356520"/>
-            <a:ext cx="2740680" cy="362520"/>
+            <a:ext cx="2740320" cy="362160"/>
           </a:xfrm>
           <a:prstGeom prst="rect">
             <a:avLst/>
@@ -15517,7 +16230,7 @@
                 <a:tab algn="l" pos="0"/>
               </a:tabLst>
             </a:pPr>
-            <a:fld id="{E3962134-EE12-4891-BEC6-2E9B2708F5CD}" type="slidenum">
+            <a:fld id="{306D7944-92D9-4429-A92D-420C2D66E89D}" type="slidenum">
               <a:rPr b="0" lang="en-US" sz="1200" strike="noStrike" u="none">
                 <a:solidFill>
                   <a:schemeClr val="dk1">
@@ -15552,7 +16265,7 @@
         <p:spPr>
           <a:xfrm>
             <a:off x="838080" y="6356520"/>
-            <a:ext cx="2740680" cy="362520"/>
+            <a:ext cx="2740320" cy="362160"/>
           </a:xfrm>
           <a:prstGeom prst="rect">
             <a:avLst/>
@@ -15637,14 +16350,14 @@
       </p:grpSpPr>
       <p:sp>
         <p:nvSpPr>
-          <p:cNvPr id="177" name="Прямоугольник 1"/>
+          <p:cNvPr id="184" name="Прямоугольник 1"/>
           <p:cNvSpPr/>
           <p:nvPr/>
         </p:nvSpPr>
         <p:spPr>
           <a:xfrm>
-            <a:off x="-39240" y="-203040"/>
-            <a:ext cx="1287000" cy="7138080"/>
+            <a:off x="-451080" y="-203040"/>
+            <a:ext cx="1698480" cy="7137720"/>
           </a:xfrm>
           <a:prstGeom prst="rect">
             <a:avLst/>
@@ -15688,7 +16401,7 @@
       </p:sp>
       <p:sp>
         <p:nvSpPr>
-          <p:cNvPr id="178" name="Rectangle 11">
+          <p:cNvPr id="185" name="Rectangle 11">
             <a:extLst>
               <a:ext uri="{C183D7F6-B498-43B3-948B-1728B52AA6E4}">
                 <adec:decorative xmlns:adec="http://schemas.microsoft.com/office/drawing/2017/decorative" val="1"/>
@@ -15701,7 +16414,7 @@
         <p:spPr>
           <a:xfrm>
             <a:off x="1440" y="0"/>
-            <a:ext cx="12186360" cy="6855480"/>
+            <a:ext cx="12186000" cy="6855120"/>
           </a:xfrm>
           <a:prstGeom prst="rect">
             <a:avLst/>
@@ -15740,7 +16453,7 @@
       </p:sp>
       <p:pic>
         <p:nvPicPr>
-          <p:cNvPr id="179" name="Рисунок 6" descr=""/>
+          <p:cNvPr id="186" name="Рисунок 6" descr=""/>
           <p:cNvPicPr/>
           <p:nvPr/>
         </p:nvPicPr>
@@ -15752,7 +16465,7 @@
         <p:spPr>
           <a:xfrm>
             <a:off x="698760" y="1440"/>
-            <a:ext cx="12189600" cy="6854040"/>
+            <a:ext cx="12189240" cy="6853680"/>
           </a:xfrm>
           <a:prstGeom prst="rect">
             <a:avLst/>
@@ -15766,14 +16479,14 @@
       </p:pic>
       <p:sp>
         <p:nvSpPr>
-          <p:cNvPr id="180" name="Скругленный прямоугольник 7"/>
+          <p:cNvPr id="187" name="Скругленный прямоугольник 7"/>
           <p:cNvSpPr/>
           <p:nvPr/>
         </p:nvSpPr>
         <p:spPr>
           <a:xfrm>
             <a:off x="698760" y="626400"/>
-            <a:ext cx="10791720" cy="1043640"/>
+            <a:ext cx="10791360" cy="1043280"/>
           </a:xfrm>
           <a:prstGeom prst="roundRect">
             <a:avLst>
@@ -15817,7 +16530,7 @@
       </p:sp>
       <p:pic>
         <p:nvPicPr>
-          <p:cNvPr id="181" name="Рисунок 9" descr="Изображение выглядит как текст&#10;&#10;Автоматически созданное описание"/>
+          <p:cNvPr id="188" name="Рисунок 9" descr="Изображение выглядит как текст&#10;&#10;Автоматически созданное описание"/>
           <p:cNvPicPr/>
           <p:nvPr/>
         </p:nvPicPr>
@@ -15828,7 +16541,7 @@
         <p:spPr>
           <a:xfrm>
             <a:off x="1021320" y="894240"/>
-            <a:ext cx="1808640" cy="507600"/>
+            <a:ext cx="1808280" cy="507240"/>
           </a:xfrm>
           <a:prstGeom prst="rect">
             <a:avLst/>
@@ -15840,14 +16553,14 @@
       </p:pic>
       <p:sp>
         <p:nvSpPr>
-          <p:cNvPr id="182" name="TextBox 17"/>
+          <p:cNvPr id="189" name="TextBox 17"/>
           <p:cNvSpPr/>
           <p:nvPr/>
         </p:nvSpPr>
         <p:spPr>
           <a:xfrm>
             <a:off x="698760" y="2652840"/>
-            <a:ext cx="9271080" cy="759960"/>
+            <a:ext cx="9270720" cy="759960"/>
           </a:xfrm>
           <a:prstGeom prst="rect">
             <a:avLst/>
@@ -15902,14 +16615,14 @@
       </p:sp>
       <p:sp>
         <p:nvSpPr>
-          <p:cNvPr id="183" name="TextBox 18"/>
+          <p:cNvPr id="190" name="TextBox 18"/>
           <p:cNvSpPr/>
           <p:nvPr/>
         </p:nvSpPr>
         <p:spPr>
           <a:xfrm>
             <a:off x="565920" y="5563440"/>
-            <a:ext cx="9200880" cy="699480"/>
+            <a:ext cx="9200520" cy="699480"/>
           </a:xfrm>
           <a:prstGeom prst="rect">
             <a:avLst/>
@@ -15983,14 +16696,14 @@
       </p:sp>
       <p:sp>
         <p:nvSpPr>
-          <p:cNvPr id="184" name="TextBox 19"/>
+          <p:cNvPr id="191" name="TextBox 19"/>
           <p:cNvSpPr/>
           <p:nvPr/>
         </p:nvSpPr>
         <p:spPr>
           <a:xfrm rot="16200000">
-            <a:off x="10746000" y="953280"/>
-            <a:ext cx="1043640" cy="394560"/>
+            <a:off x="10746360" y="953640"/>
+            <a:ext cx="1043280" cy="394560"/>
           </a:xfrm>
           <a:prstGeom prst="rect">
             <a:avLst/>
@@ -16039,14 +16752,14 @@
       </p:sp>
       <p:sp>
         <p:nvSpPr>
-          <p:cNvPr id="185" name="AutoShape 2"/>
+          <p:cNvPr id="192" name="AutoShape 2"/>
           <p:cNvSpPr/>
           <p:nvPr/>
         </p:nvSpPr>
         <p:spPr>
           <a:xfrm>
             <a:off x="155520" y="-144360"/>
-            <a:ext cx="302400" cy="302400"/>
+            <a:ext cx="302040" cy="302040"/>
           </a:xfrm>
           <a:prstGeom prst="rect">
             <a:avLst/>
@@ -16085,14 +16798,14 @@
       </p:sp>
       <p:sp>
         <p:nvSpPr>
-          <p:cNvPr id="186" name="AutoShape 4"/>
+          <p:cNvPr id="193" name="AutoShape 4"/>
           <p:cNvSpPr/>
           <p:nvPr/>
         </p:nvSpPr>
         <p:spPr>
           <a:xfrm>
             <a:off x="307800" y="7920"/>
-            <a:ext cx="302400" cy="302400"/>
+            <a:ext cx="302040" cy="302040"/>
           </a:xfrm>
           <a:prstGeom prst="rect">
             <a:avLst/>
@@ -16161,7 +16874,7 @@
       </p:grpSpPr>
       <p:pic>
         <p:nvPicPr>
-          <p:cNvPr id="187" name="Рисунок 23" descr=""/>
+          <p:cNvPr id="194" name="Рисунок 23" descr=""/>
           <p:cNvPicPr/>
           <p:nvPr/>
         </p:nvPicPr>
@@ -16172,7 +16885,7 @@
         <p:spPr>
           <a:xfrm>
             <a:off x="11185200" y="1212840"/>
-            <a:ext cx="651240" cy="826560"/>
+            <a:ext cx="650880" cy="826200"/>
           </a:xfrm>
           <a:prstGeom prst="rect">
             <a:avLst/>
@@ -16184,14 +16897,14 @@
       </p:pic>
       <p:sp>
         <p:nvSpPr>
-          <p:cNvPr id="188" name="Скругленный прямоугольник 24"/>
+          <p:cNvPr id="195" name="Скругленный прямоугольник 24"/>
           <p:cNvSpPr/>
           <p:nvPr/>
         </p:nvSpPr>
         <p:spPr>
           <a:xfrm>
             <a:off x="295560" y="225360"/>
-            <a:ext cx="11598120" cy="764640"/>
+            <a:ext cx="11597760" cy="764280"/>
           </a:xfrm>
           <a:prstGeom prst="roundRect">
             <a:avLst>
@@ -16237,14 +16950,14 @@
       </p:sp>
       <p:sp>
         <p:nvSpPr>
-          <p:cNvPr id="189" name="TextBox 25"/>
+          <p:cNvPr id="196" name="TextBox 25"/>
           <p:cNvSpPr/>
           <p:nvPr/>
         </p:nvSpPr>
         <p:spPr>
           <a:xfrm>
             <a:off x="375480" y="376920"/>
-            <a:ext cx="1597320" cy="455400"/>
+            <a:ext cx="1596960" cy="455400"/>
           </a:xfrm>
           <a:prstGeom prst="rect">
             <a:avLst/>
@@ -16307,14 +17020,14 @@
       </p:sp>
       <p:sp>
         <p:nvSpPr>
-          <p:cNvPr id="190" name="TextBox 26"/>
+          <p:cNvPr id="197" name="TextBox 26"/>
           <p:cNvSpPr/>
           <p:nvPr/>
         </p:nvSpPr>
         <p:spPr>
           <a:xfrm>
             <a:off x="1974960" y="376920"/>
-            <a:ext cx="2249280" cy="272520"/>
+            <a:ext cx="2248920" cy="272520"/>
           </a:xfrm>
           <a:prstGeom prst="rect">
             <a:avLst/>
@@ -16369,14 +17082,14 @@
       </p:sp>
       <p:sp>
         <p:nvSpPr>
-          <p:cNvPr id="191" name="TextBox 27"/>
+          <p:cNvPr id="198" name="TextBox 27"/>
           <p:cNvSpPr/>
           <p:nvPr/>
         </p:nvSpPr>
         <p:spPr>
           <a:xfrm rot="16200000">
-            <a:off x="11179080" y="5516280"/>
-            <a:ext cx="1103040" cy="272520"/>
+            <a:off x="11179440" y="5516640"/>
+            <a:ext cx="1102680" cy="272520"/>
           </a:xfrm>
           <a:prstGeom prst="rect">
             <a:avLst/>
@@ -16425,14 +17138,14 @@
       </p:sp>
       <p:sp>
         <p:nvSpPr>
-          <p:cNvPr id="192" name="TextBox 28"/>
+          <p:cNvPr id="199" name="TextBox 28"/>
           <p:cNvSpPr/>
           <p:nvPr/>
         </p:nvSpPr>
         <p:spPr>
           <a:xfrm>
             <a:off x="11512080" y="6314400"/>
-            <a:ext cx="419760" cy="272520"/>
+            <a:ext cx="419400" cy="272520"/>
           </a:xfrm>
           <a:prstGeom prst="rect">
             <a:avLst/>
@@ -16481,14 +17194,14 @@
       </p:sp>
       <p:cxnSp>
         <p:nvCxnSpPr>
-          <p:cNvPr id="193" name="Прямая соединительная линия 29"/>
+          <p:cNvPr id="200" name="Прямая соединительная линия 29"/>
           <p:cNvCxnSpPr/>
           <p:nvPr/>
         </p:nvCxnSpPr>
         <p:spPr>
           <a:xfrm>
             <a:off x="11579040" y="6240600"/>
-            <a:ext cx="290520" cy="2520"/>
+            <a:ext cx="290880" cy="2880"/>
           </a:xfrm>
           <a:prstGeom prst="straightConnector1">
             <a:avLst/>
@@ -16503,14 +17216,14 @@
       </p:cxnSp>
       <p:sp>
         <p:nvSpPr>
-          <p:cNvPr id="194" name="TextBox 31"/>
+          <p:cNvPr id="201" name="TextBox 31"/>
           <p:cNvSpPr/>
           <p:nvPr/>
         </p:nvSpPr>
         <p:spPr>
           <a:xfrm>
             <a:off x="2249280" y="1393200"/>
-            <a:ext cx="2938680" cy="455400"/>
+            <a:ext cx="2938320" cy="455400"/>
           </a:xfrm>
           <a:prstGeom prst="rect">
             <a:avLst/>
@@ -16559,14 +17272,14 @@
       </p:sp>
       <p:cxnSp>
         <p:nvCxnSpPr>
-          <p:cNvPr id="195" name="Прямая соединительная линия 32"/>
+          <p:cNvPr id="202" name="Прямая соединительная линия 32"/>
           <p:cNvCxnSpPr/>
           <p:nvPr/>
         </p:nvCxnSpPr>
         <p:spPr>
           <a:xfrm>
             <a:off x="4190760" y="607680"/>
-            <a:ext cx="2186640" cy="2520"/>
+            <a:ext cx="2187000" cy="2880"/>
           </a:xfrm>
           <a:prstGeom prst="straightConnector1">
             <a:avLst/>
@@ -16581,14 +17294,14 @@
       </p:cxnSp>
       <p:cxnSp>
         <p:nvCxnSpPr>
-          <p:cNvPr id="196" name="Прямая соединительная линия 33"/>
+          <p:cNvPr id="203" name="Прямая соединительная линия 33"/>
           <p:cNvCxnSpPr/>
           <p:nvPr/>
         </p:nvCxnSpPr>
         <p:spPr>
           <a:xfrm>
             <a:off x="6374880" y="466200"/>
-            <a:ext cx="2520" cy="290520"/>
+            <a:ext cx="2880" cy="290880"/>
           </a:xfrm>
           <a:prstGeom prst="straightConnector1">
             <a:avLst/>
@@ -16603,14 +17316,14 @@
       </p:cxnSp>
       <p:cxnSp>
         <p:nvCxnSpPr>
-          <p:cNvPr id="197" name="Прямая соединительная линия 34"/>
+          <p:cNvPr id="204" name="Прямая соединительная линия 34"/>
           <p:cNvCxnSpPr/>
           <p:nvPr/>
         </p:nvCxnSpPr>
         <p:spPr>
           <a:xfrm>
             <a:off x="9295560" y="466200"/>
-            <a:ext cx="2520" cy="290520"/>
+            <a:ext cx="2880" cy="290880"/>
           </a:xfrm>
           <a:prstGeom prst="straightConnector1">
             <a:avLst/>
@@ -16625,7 +17338,7 @@
       </p:cxnSp>
       <p:pic>
         <p:nvPicPr>
-          <p:cNvPr id="198" name="Рисунок 35" descr="Изображение выглядит как текст&#10;&#10;Автоматически созданное описание"/>
+          <p:cNvPr id="205" name="Рисунок 35" descr="Изображение выглядит как текст&#10;&#10;Автоматически созданное описание"/>
           <p:cNvPicPr/>
           <p:nvPr/>
         </p:nvPicPr>
@@ -16636,7 +17349,7 @@
         <p:spPr>
           <a:xfrm>
             <a:off x="7077960" y="389520"/>
-            <a:ext cx="1605240" cy="450360"/>
+            <a:ext cx="1604880" cy="450000"/>
           </a:xfrm>
           <a:prstGeom prst="rect">
             <a:avLst/>
@@ -16648,14 +17361,14 @@
       </p:pic>
       <p:cxnSp>
         <p:nvCxnSpPr>
-          <p:cNvPr id="199" name="Прямая соединительная линия 36"/>
+          <p:cNvPr id="206" name="Прямая соединительная линия 36"/>
           <p:cNvCxnSpPr/>
           <p:nvPr/>
         </p:nvCxnSpPr>
         <p:spPr>
           <a:xfrm>
             <a:off x="1676160" y="991440"/>
-            <a:ext cx="2520" cy="5247360"/>
+            <a:ext cx="2880" cy="5247720"/>
           </a:xfrm>
           <a:prstGeom prst="straightConnector1">
             <a:avLst/>
@@ -16670,14 +17383,14 @@
       </p:cxnSp>
       <p:sp>
         <p:nvSpPr>
-          <p:cNvPr id="200" name="AutoShape 2"/>
+          <p:cNvPr id="207" name="AutoShape 2"/>
           <p:cNvSpPr/>
           <p:nvPr/>
         </p:nvSpPr>
         <p:spPr>
           <a:xfrm>
             <a:off x="155520" y="-144360"/>
-            <a:ext cx="302400" cy="302400"/>
+            <a:ext cx="302040" cy="302040"/>
           </a:xfrm>
           <a:prstGeom prst="rect">
             <a:avLst/>
@@ -16716,14 +17429,14 @@
       </p:sp>
       <p:sp>
         <p:nvSpPr>
-          <p:cNvPr id="201" name="AutoShape 4"/>
+          <p:cNvPr id="208" name="AutoShape 4"/>
           <p:cNvSpPr/>
           <p:nvPr/>
         </p:nvSpPr>
         <p:spPr>
           <a:xfrm>
             <a:off x="307800" y="7920"/>
-            <a:ext cx="302400" cy="302400"/>
+            <a:ext cx="302040" cy="302040"/>
           </a:xfrm>
           <a:prstGeom prst="rect">
             <a:avLst/>
@@ -16762,7 +17475,7 @@
       </p:sp>
       <p:pic>
         <p:nvPicPr>
-          <p:cNvPr id="202" name="Picture 5" descr=""/>
+          <p:cNvPr id="209" name="Picture 5" descr=""/>
           <p:cNvPicPr/>
           <p:nvPr/>
         </p:nvPicPr>
@@ -16773,7 +17486,7 @@
         <p:spPr>
           <a:xfrm>
             <a:off x="9625680" y="236160"/>
-            <a:ext cx="2029320" cy="743040"/>
+            <a:ext cx="2028960" cy="742680"/>
           </a:xfrm>
           <a:prstGeom prst="rect">
             <a:avLst/>
@@ -16785,14 +17498,14 @@
       </p:pic>
       <p:cxnSp>
         <p:nvCxnSpPr>
-          <p:cNvPr id="203" name="Прямая соединительная линия 1"/>
+          <p:cNvPr id="210" name="Прямая соединительная линия 1"/>
           <p:cNvCxnSpPr/>
           <p:nvPr/>
         </p:nvCxnSpPr>
         <p:spPr>
           <a:xfrm>
             <a:off x="1676160" y="991800"/>
-            <a:ext cx="2520" cy="5247360"/>
+            <a:ext cx="2880" cy="5247720"/>
           </a:xfrm>
           <a:prstGeom prst="straightConnector1">
             <a:avLst/>
@@ -16807,14 +17520,14 @@
       </p:cxnSp>
       <p:cxnSp>
         <p:nvCxnSpPr>
-          <p:cNvPr id="204" name="Прямая соединительная линия 2"/>
+          <p:cNvPr id="211" name="Прямая соединительная линия 2"/>
           <p:cNvCxnSpPr/>
           <p:nvPr/>
         </p:nvCxnSpPr>
         <p:spPr>
           <a:xfrm flipH="1">
             <a:off x="1676880" y="6357600"/>
-            <a:ext cx="2520" cy="203040"/>
+            <a:ext cx="2880" cy="203400"/>
           </a:xfrm>
           <a:prstGeom prst="straightConnector1">
             <a:avLst/>
@@ -16829,14 +17542,14 @@
       </p:cxnSp>
       <p:sp>
         <p:nvSpPr>
-          <p:cNvPr id="205" name=""/>
+          <p:cNvPr id="212" name=""/>
           <p:cNvSpPr/>
           <p:nvPr/>
         </p:nvSpPr>
         <p:spPr>
           <a:xfrm>
             <a:off x="3020400" y="2167560"/>
-            <a:ext cx="6019200" cy="315000"/>
+            <a:ext cx="6018840" cy="314640"/>
           </a:xfrm>
           <a:prstGeom prst="rect">
             <a:avLst/>
@@ -16875,14 +17588,14 @@
       </p:sp>
       <p:sp>
         <p:nvSpPr>
-          <p:cNvPr id="206" name=""/>
+          <p:cNvPr id="213" name=""/>
           <p:cNvSpPr/>
           <p:nvPr/>
         </p:nvSpPr>
         <p:spPr>
           <a:xfrm>
             <a:off x="2285640" y="1954800"/>
-            <a:ext cx="8794440" cy="1344240"/>
+            <a:ext cx="8794080" cy="1343880"/>
           </a:xfrm>
           <a:prstGeom prst="rect">
             <a:avLst/>
@@ -17111,7 +17824,7 @@
       </p:grpSpPr>
       <p:pic>
         <p:nvPicPr>
-          <p:cNvPr id="207" name="Рисунок 23" descr=""/>
+          <p:cNvPr id="214" name="Рисунок 23" descr=""/>
           <p:cNvPicPr/>
           <p:nvPr/>
         </p:nvPicPr>
@@ -17122,7 +17835,7 @@
         <p:spPr>
           <a:xfrm>
             <a:off x="11185200" y="1212840"/>
-            <a:ext cx="651240" cy="826560"/>
+            <a:ext cx="650880" cy="826200"/>
           </a:xfrm>
           <a:prstGeom prst="rect">
             <a:avLst/>
@@ -17134,14 +17847,14 @@
       </p:pic>
       <p:sp>
         <p:nvSpPr>
-          <p:cNvPr id="208" name="Скругленный прямоугольник 24"/>
+          <p:cNvPr id="215" name="Скругленный прямоугольник 24"/>
           <p:cNvSpPr/>
           <p:nvPr/>
         </p:nvSpPr>
         <p:spPr>
           <a:xfrm>
             <a:off x="295560" y="225360"/>
-            <a:ext cx="11598120" cy="764640"/>
+            <a:ext cx="11597760" cy="764280"/>
           </a:xfrm>
           <a:prstGeom prst="roundRect">
             <a:avLst>
@@ -17187,14 +17900,14 @@
       </p:sp>
       <p:sp>
         <p:nvSpPr>
-          <p:cNvPr id="209" name="TextBox 26"/>
+          <p:cNvPr id="216" name="TextBox 26"/>
           <p:cNvSpPr/>
           <p:nvPr/>
         </p:nvSpPr>
         <p:spPr>
           <a:xfrm>
             <a:off x="1865160" y="465480"/>
-            <a:ext cx="2414520" cy="288720"/>
+            <a:ext cx="2414160" cy="288000"/>
           </a:xfrm>
           <a:prstGeom prst="rect">
             <a:avLst/>
@@ -17249,14 +17962,14 @@
       </p:sp>
       <p:sp>
         <p:nvSpPr>
-          <p:cNvPr id="210" name="TextBox 27"/>
+          <p:cNvPr id="217" name="TextBox 27"/>
           <p:cNvSpPr/>
           <p:nvPr/>
         </p:nvSpPr>
         <p:spPr>
           <a:xfrm rot="16200000">
-            <a:off x="11179080" y="5516280"/>
-            <a:ext cx="1103040" cy="272520"/>
+            <a:off x="11179440" y="5516640"/>
+            <a:ext cx="1102680" cy="272520"/>
           </a:xfrm>
           <a:prstGeom prst="rect">
             <a:avLst/>
@@ -17327,14 +18040,14 @@
       </p:sp>
       <p:sp>
         <p:nvSpPr>
-          <p:cNvPr id="211" name="TextBox 28"/>
+          <p:cNvPr id="218" name="TextBox 28"/>
           <p:cNvSpPr/>
           <p:nvPr/>
         </p:nvSpPr>
         <p:spPr>
           <a:xfrm>
             <a:off x="11512080" y="6314400"/>
-            <a:ext cx="419760" cy="272520"/>
+            <a:ext cx="419400" cy="272520"/>
           </a:xfrm>
           <a:prstGeom prst="rect">
             <a:avLst/>
@@ -17383,14 +18096,14 @@
       </p:sp>
       <p:cxnSp>
         <p:nvCxnSpPr>
-          <p:cNvPr id="212" name="Прямая соединительная линия 29"/>
+          <p:cNvPr id="219" name="Прямая соединительная линия 29"/>
           <p:cNvCxnSpPr/>
           <p:nvPr/>
         </p:nvCxnSpPr>
         <p:spPr>
           <a:xfrm>
             <a:off x="11579040" y="6240600"/>
-            <a:ext cx="290520" cy="2520"/>
+            <a:ext cx="290880" cy="2880"/>
           </a:xfrm>
           <a:prstGeom prst="straightConnector1">
             <a:avLst/>
@@ -17405,14 +18118,14 @@
       </p:cxnSp>
       <p:sp>
         <p:nvSpPr>
-          <p:cNvPr id="213" name="TextBox 30"/>
+          <p:cNvPr id="220" name="TextBox 30"/>
           <p:cNvSpPr/>
           <p:nvPr/>
         </p:nvSpPr>
         <p:spPr>
           <a:xfrm>
             <a:off x="7160400" y="1963440"/>
-            <a:ext cx="3764880" cy="4335480"/>
+            <a:ext cx="3764520" cy="4335480"/>
           </a:xfrm>
           <a:prstGeom prst="rect">
             <a:avLst/>
@@ -17573,14 +18286,14 @@
       </p:sp>
       <p:cxnSp>
         <p:nvCxnSpPr>
-          <p:cNvPr id="214" name="Прямая соединительная линия 32"/>
+          <p:cNvPr id="221" name="Прямая соединительная линия 32"/>
           <p:cNvCxnSpPr/>
           <p:nvPr/>
         </p:nvCxnSpPr>
         <p:spPr>
           <a:xfrm>
             <a:off x="4190760" y="607680"/>
-            <a:ext cx="2186640" cy="2520"/>
+            <a:ext cx="2187000" cy="2880"/>
           </a:xfrm>
           <a:prstGeom prst="straightConnector1">
             <a:avLst/>
@@ -17595,14 +18308,14 @@
       </p:cxnSp>
       <p:cxnSp>
         <p:nvCxnSpPr>
-          <p:cNvPr id="215" name="Прямая соединительная линия 33"/>
+          <p:cNvPr id="222" name="Прямая соединительная линия 33"/>
           <p:cNvCxnSpPr/>
           <p:nvPr/>
         </p:nvCxnSpPr>
         <p:spPr>
           <a:xfrm>
             <a:off x="6374880" y="466200"/>
-            <a:ext cx="2520" cy="290520"/>
+            <a:ext cx="2880" cy="290880"/>
           </a:xfrm>
           <a:prstGeom prst="straightConnector1">
             <a:avLst/>
@@ -17617,14 +18330,14 @@
       </p:cxnSp>
       <p:cxnSp>
         <p:nvCxnSpPr>
-          <p:cNvPr id="216" name="Прямая соединительная линия 34"/>
+          <p:cNvPr id="223" name="Прямая соединительная линия 34"/>
           <p:cNvCxnSpPr/>
           <p:nvPr/>
         </p:nvCxnSpPr>
         <p:spPr>
           <a:xfrm>
             <a:off x="9295560" y="466200"/>
-            <a:ext cx="2520" cy="290520"/>
+            <a:ext cx="2880" cy="290880"/>
           </a:xfrm>
           <a:prstGeom prst="straightConnector1">
             <a:avLst/>
@@ -17639,7 +18352,7 @@
       </p:cxnSp>
       <p:pic>
         <p:nvPicPr>
-          <p:cNvPr id="217" name="Рисунок 35" descr="Изображение выглядит как текст&#10;&#10;Автоматически созданное описание"/>
+          <p:cNvPr id="224" name="Рисунок 35" descr="Изображение выглядит как текст&#10;&#10;Автоматически созданное описание"/>
           <p:cNvPicPr/>
           <p:nvPr/>
         </p:nvPicPr>
@@ -17650,7 +18363,7 @@
         <p:spPr>
           <a:xfrm>
             <a:off x="7077960" y="389520"/>
-            <a:ext cx="1605240" cy="450360"/>
+            <a:ext cx="1604880" cy="450000"/>
           </a:xfrm>
           <a:prstGeom prst="rect">
             <a:avLst/>
@@ -17662,14 +18375,14 @@
       </p:pic>
       <p:cxnSp>
         <p:nvCxnSpPr>
-          <p:cNvPr id="218" name="Прямая соединительная линия 36"/>
+          <p:cNvPr id="225" name="Прямая соединительная линия 36"/>
           <p:cNvCxnSpPr/>
           <p:nvPr/>
         </p:nvCxnSpPr>
         <p:spPr>
           <a:xfrm>
             <a:off x="7147440" y="990720"/>
-            <a:ext cx="2520" cy="5247360"/>
+            <a:ext cx="2880" cy="5247720"/>
           </a:xfrm>
           <a:prstGeom prst="straightConnector1">
             <a:avLst/>
@@ -17684,14 +18397,14 @@
       </p:cxnSp>
       <p:sp>
         <p:nvSpPr>
-          <p:cNvPr id="219" name="AutoShape 2"/>
+          <p:cNvPr id="226" name="AutoShape 2"/>
           <p:cNvSpPr/>
           <p:nvPr/>
         </p:nvSpPr>
         <p:spPr>
           <a:xfrm>
             <a:off x="155520" y="-144360"/>
-            <a:ext cx="302400" cy="302400"/>
+            <a:ext cx="302040" cy="302040"/>
           </a:xfrm>
           <a:prstGeom prst="rect">
             <a:avLst/>
@@ -17730,14 +18443,14 @@
       </p:sp>
       <p:sp>
         <p:nvSpPr>
-          <p:cNvPr id="220" name="AutoShape 4"/>
+          <p:cNvPr id="227" name="AutoShape 4"/>
           <p:cNvSpPr/>
           <p:nvPr/>
         </p:nvSpPr>
         <p:spPr>
           <a:xfrm>
             <a:off x="307800" y="7920"/>
-            <a:ext cx="302400" cy="302400"/>
+            <a:ext cx="302040" cy="302040"/>
           </a:xfrm>
           <a:prstGeom prst="rect">
             <a:avLst/>
@@ -17776,7 +18489,7 @@
       </p:sp>
       <p:pic>
         <p:nvPicPr>
-          <p:cNvPr id="221" name="Picture 5" descr=""/>
+          <p:cNvPr id="228" name="Picture 5" descr=""/>
           <p:cNvPicPr/>
           <p:nvPr/>
         </p:nvPicPr>
@@ -17787,7 +18500,7 @@
         <p:spPr>
           <a:xfrm>
             <a:off x="9625680" y="236160"/>
-            <a:ext cx="2029320" cy="743040"/>
+            <a:ext cx="2028960" cy="742680"/>
           </a:xfrm>
           <a:prstGeom prst="rect">
             <a:avLst/>
@@ -17799,14 +18512,14 @@
       </p:pic>
       <p:sp>
         <p:nvSpPr>
-          <p:cNvPr id="222" name="TextBox 18"/>
+          <p:cNvPr id="229" name="TextBox 18"/>
           <p:cNvSpPr/>
           <p:nvPr/>
         </p:nvSpPr>
         <p:spPr>
           <a:xfrm>
             <a:off x="307800" y="5904000"/>
-            <a:ext cx="5990400" cy="303120"/>
+            <a:ext cx="5990040" cy="303120"/>
           </a:xfrm>
           <a:prstGeom prst="rect">
             <a:avLst/>
@@ -17855,14 +18568,14 @@
       </p:sp>
       <p:sp>
         <p:nvSpPr>
-          <p:cNvPr id="223" name=""/>
+          <p:cNvPr id="230" name=""/>
           <p:cNvSpPr/>
           <p:nvPr/>
         </p:nvSpPr>
         <p:spPr>
           <a:xfrm>
             <a:off x="451440" y="1440720"/>
-            <a:ext cx="5434920" cy="2398680"/>
+            <a:ext cx="5434560" cy="2398320"/>
           </a:xfrm>
           <a:prstGeom prst="rect">
             <a:avLst/>
@@ -17901,6 +18614,7 @@
                 </a:solidFill>
                 <a:uFillTx/>
                 <a:latin typeface="Arial"/>
+                <a:ea typeface="DejaVu Sans"/>
               </a:rPr>
               <a:t>Вирусы умеют быть скромными — их геномы варьируются от 3 до 1200 тыс. пар нуклеотидов (п.н.). Например, бактериофаг MS2 справляется всего с 3,5 тыс. п.н., а гигантский вирус амёб гордо несёт 1200 тыс. п.н. </a:t>
             </a:r>
@@ -17931,6 +18645,7 @@
                 </a:solidFill>
                 <a:uFillTx/>
                 <a:latin typeface="Arial"/>
+                <a:ea typeface="DejaVu Sans"/>
               </a:rPr>
               <a:t>Интересно, что размер вирусного генома вовсе не связан с размером клетки-хозяина. Это снова доказывает: </a:t>
             </a:r>
@@ -17941,6 +18656,7 @@
                 </a:solidFill>
                 <a:uFillTx/>
                 <a:latin typeface="Arial"/>
+                <a:ea typeface="DejaVu Sans"/>
               </a:rPr>
               <a:t>главное — не размеры</a:t>
             </a:r>
@@ -17951,6 +18667,7 @@
                 </a:solidFill>
                 <a:uFillTx/>
                 <a:latin typeface="Arial"/>
+                <a:ea typeface="DejaVu Sans"/>
               </a:rPr>
               <a:t>, а умение грамотно использовать ресурсы.</a:t>
             </a:r>
@@ -17966,7 +18683,7 @@
       </p:sp>
       <p:pic>
         <p:nvPicPr>
-          <p:cNvPr id="224" name="" descr=""/>
+          <p:cNvPr id="231" name="" descr=""/>
           <p:cNvPicPr/>
           <p:nvPr/>
         </p:nvPicPr>
@@ -17983,7 +18700,7 @@
         <p:spPr>
           <a:xfrm>
             <a:off x="271080" y="3970440"/>
-            <a:ext cx="3576240" cy="1868040"/>
+            <a:ext cx="3575880" cy="1867680"/>
           </a:xfrm>
           <a:prstGeom prst="rect">
             <a:avLst/>
@@ -17995,14 +18712,14 @@
       </p:pic>
       <p:sp>
         <p:nvSpPr>
-          <p:cNvPr id="225" name="TextBox 1"/>
+          <p:cNvPr id="232" name="TextBox 1"/>
           <p:cNvSpPr/>
           <p:nvPr/>
         </p:nvSpPr>
         <p:spPr>
           <a:xfrm>
             <a:off x="375480" y="376920"/>
-            <a:ext cx="1597320" cy="455400"/>
+            <a:ext cx="1596960" cy="455400"/>
           </a:xfrm>
           <a:prstGeom prst="rect">
             <a:avLst/>
@@ -18095,7 +18812,7 @@
       </p:grpSpPr>
       <p:pic>
         <p:nvPicPr>
-          <p:cNvPr id="226" name="Рисунок 23" descr=""/>
+          <p:cNvPr id="233" name="Рисунок 23" descr=""/>
           <p:cNvPicPr/>
           <p:nvPr/>
         </p:nvPicPr>
@@ -18106,7 +18823,7 @@
         <p:spPr>
           <a:xfrm>
             <a:off x="11185200" y="1212840"/>
-            <a:ext cx="651240" cy="826560"/>
+            <a:ext cx="650880" cy="826200"/>
           </a:xfrm>
           <a:prstGeom prst="rect">
             <a:avLst/>
@@ -18118,14 +18835,14 @@
       </p:pic>
       <p:sp>
         <p:nvSpPr>
-          <p:cNvPr id="227" name="Скругленный прямоугольник 24"/>
+          <p:cNvPr id="234" name="Скругленный прямоугольник 24"/>
           <p:cNvSpPr/>
           <p:nvPr/>
         </p:nvSpPr>
         <p:spPr>
           <a:xfrm>
             <a:off x="295560" y="225360"/>
-            <a:ext cx="11598120" cy="764640"/>
+            <a:ext cx="11597760" cy="764280"/>
           </a:xfrm>
           <a:prstGeom prst="roundRect">
             <a:avLst>
@@ -18171,14 +18888,14 @@
       </p:sp>
       <p:sp>
         <p:nvSpPr>
-          <p:cNvPr id="228" name="TextBox 26"/>
+          <p:cNvPr id="235" name="TextBox 26"/>
           <p:cNvSpPr/>
           <p:nvPr/>
         </p:nvSpPr>
         <p:spPr>
           <a:xfrm>
             <a:off x="1731960" y="476640"/>
-            <a:ext cx="2414520" cy="272520"/>
+            <a:ext cx="2414160" cy="272520"/>
           </a:xfrm>
           <a:prstGeom prst="rect">
             <a:avLst/>
@@ -18230,14 +18947,14 @@
       </p:sp>
       <p:sp>
         <p:nvSpPr>
-          <p:cNvPr id="229" name="TextBox 27"/>
+          <p:cNvPr id="236" name="TextBox 27"/>
           <p:cNvSpPr/>
           <p:nvPr/>
         </p:nvSpPr>
         <p:spPr>
           <a:xfrm rot="16200000">
-            <a:off x="11179080" y="5516280"/>
-            <a:ext cx="1103040" cy="272520"/>
+            <a:off x="11179440" y="5516640"/>
+            <a:ext cx="1102680" cy="272520"/>
           </a:xfrm>
           <a:prstGeom prst="rect">
             <a:avLst/>
@@ -18308,14 +19025,14 @@
       </p:sp>
       <p:sp>
         <p:nvSpPr>
-          <p:cNvPr id="230" name="TextBox 28"/>
+          <p:cNvPr id="237" name="TextBox 28"/>
           <p:cNvSpPr/>
           <p:nvPr/>
         </p:nvSpPr>
         <p:spPr>
           <a:xfrm>
             <a:off x="11512080" y="6314400"/>
-            <a:ext cx="419760" cy="272520"/>
+            <a:ext cx="419400" cy="272520"/>
           </a:xfrm>
           <a:prstGeom prst="rect">
             <a:avLst/>
@@ -18364,14 +19081,14 @@
       </p:sp>
       <p:cxnSp>
         <p:nvCxnSpPr>
-          <p:cNvPr id="231" name="Прямая соединительная линия 29"/>
+          <p:cNvPr id="238" name="Прямая соединительная линия 29"/>
           <p:cNvCxnSpPr/>
           <p:nvPr/>
         </p:nvCxnSpPr>
         <p:spPr>
           <a:xfrm>
             <a:off x="11579040" y="6240600"/>
-            <a:ext cx="290520" cy="2520"/>
+            <a:ext cx="290880" cy="2880"/>
           </a:xfrm>
           <a:prstGeom prst="straightConnector1">
             <a:avLst/>
@@ -18386,14 +19103,14 @@
       </p:cxnSp>
       <p:sp>
         <p:nvSpPr>
-          <p:cNvPr id="232" name="TextBox 31"/>
+          <p:cNvPr id="239" name="TextBox 31"/>
           <p:cNvSpPr/>
           <p:nvPr/>
         </p:nvSpPr>
         <p:spPr>
           <a:xfrm>
             <a:off x="7077960" y="1227600"/>
-            <a:ext cx="3768480" cy="394560"/>
+            <a:ext cx="3768120" cy="394560"/>
           </a:xfrm>
           <a:prstGeom prst="rect">
             <a:avLst/>
@@ -18448,14 +19165,14 @@
       </p:sp>
       <p:cxnSp>
         <p:nvCxnSpPr>
-          <p:cNvPr id="233" name="Прямая соединительная линия 32"/>
+          <p:cNvPr id="240" name="Прямая соединительная линия 32"/>
           <p:cNvCxnSpPr/>
           <p:nvPr/>
         </p:nvCxnSpPr>
         <p:spPr>
           <a:xfrm>
             <a:off x="4190760" y="607680"/>
-            <a:ext cx="2186640" cy="2520"/>
+            <a:ext cx="2187000" cy="2880"/>
           </a:xfrm>
           <a:prstGeom prst="straightConnector1">
             <a:avLst/>
@@ -18470,14 +19187,14 @@
       </p:cxnSp>
       <p:cxnSp>
         <p:nvCxnSpPr>
-          <p:cNvPr id="234" name="Прямая соединительная линия 33"/>
+          <p:cNvPr id="241" name="Прямая соединительная линия 33"/>
           <p:cNvCxnSpPr/>
           <p:nvPr/>
         </p:nvCxnSpPr>
         <p:spPr>
           <a:xfrm>
             <a:off x="6374880" y="466200"/>
-            <a:ext cx="2520" cy="290520"/>
+            <a:ext cx="2880" cy="290880"/>
           </a:xfrm>
           <a:prstGeom prst="straightConnector1">
             <a:avLst/>
@@ -18492,14 +19209,14 @@
       </p:cxnSp>
       <p:cxnSp>
         <p:nvCxnSpPr>
-          <p:cNvPr id="235" name="Прямая соединительная линия 34"/>
+          <p:cNvPr id="242" name="Прямая соединительная линия 34"/>
           <p:cNvCxnSpPr/>
           <p:nvPr/>
         </p:nvCxnSpPr>
         <p:spPr>
           <a:xfrm>
             <a:off x="9295560" y="466200"/>
-            <a:ext cx="2520" cy="290520"/>
+            <a:ext cx="2880" cy="290880"/>
           </a:xfrm>
           <a:prstGeom prst="straightConnector1">
             <a:avLst/>
@@ -18514,7 +19231,7 @@
       </p:cxnSp>
       <p:pic>
         <p:nvPicPr>
-          <p:cNvPr id="236" name="Рисунок 35" descr="Изображение выглядит как текст&#10;&#10;Автоматически созданное описание"/>
+          <p:cNvPr id="243" name="Рисунок 35" descr="Изображение выглядит как текст&#10;&#10;Автоматически созданное описание"/>
           <p:cNvPicPr/>
           <p:nvPr/>
         </p:nvPicPr>
@@ -18525,7 +19242,7 @@
         <p:spPr>
           <a:xfrm>
             <a:off x="7077960" y="389520"/>
-            <a:ext cx="1605240" cy="450360"/>
+            <a:ext cx="1604880" cy="450000"/>
           </a:xfrm>
           <a:prstGeom prst="rect">
             <a:avLst/>
@@ -18537,14 +19254,14 @@
       </p:pic>
       <p:cxnSp>
         <p:nvCxnSpPr>
-          <p:cNvPr id="237" name="Прямая соединительная линия 36"/>
+          <p:cNvPr id="244" name="Прямая соединительная линия 36"/>
           <p:cNvCxnSpPr/>
           <p:nvPr/>
         </p:nvCxnSpPr>
         <p:spPr>
           <a:xfrm>
             <a:off x="5826600" y="995400"/>
-            <a:ext cx="2520" cy="5247720"/>
+            <a:ext cx="2880" cy="5248080"/>
           </a:xfrm>
           <a:prstGeom prst="straightConnector1">
             <a:avLst/>
@@ -18559,14 +19276,14 @@
       </p:cxnSp>
       <p:sp>
         <p:nvSpPr>
-          <p:cNvPr id="238" name="AutoShape 2"/>
+          <p:cNvPr id="245" name="AutoShape 2"/>
           <p:cNvSpPr/>
           <p:nvPr/>
         </p:nvSpPr>
         <p:spPr>
           <a:xfrm>
             <a:off x="155520" y="-144360"/>
-            <a:ext cx="302400" cy="302400"/>
+            <a:ext cx="302040" cy="302040"/>
           </a:xfrm>
           <a:prstGeom prst="rect">
             <a:avLst/>
@@ -18605,14 +19322,14 @@
       </p:sp>
       <p:sp>
         <p:nvSpPr>
-          <p:cNvPr id="239" name="AutoShape 4"/>
+          <p:cNvPr id="246" name="AutoShape 4"/>
           <p:cNvSpPr/>
           <p:nvPr/>
         </p:nvSpPr>
         <p:spPr>
           <a:xfrm>
             <a:off x="307800" y="7920"/>
-            <a:ext cx="302400" cy="302400"/>
+            <a:ext cx="302040" cy="302040"/>
           </a:xfrm>
           <a:prstGeom prst="rect">
             <a:avLst/>
@@ -18651,7 +19368,7 @@
       </p:sp>
       <p:pic>
         <p:nvPicPr>
-          <p:cNvPr id="240" name="Picture 5" descr=""/>
+          <p:cNvPr id="247" name="Picture 5" descr=""/>
           <p:cNvPicPr/>
           <p:nvPr/>
         </p:nvPicPr>
@@ -18662,7 +19379,7 @@
         <p:spPr>
           <a:xfrm>
             <a:off x="9625680" y="236160"/>
-            <a:ext cx="2029320" cy="743040"/>
+            <a:ext cx="2028960" cy="742680"/>
           </a:xfrm>
           <a:prstGeom prst="rect">
             <a:avLst/>
@@ -18674,14 +19391,14 @@
       </p:pic>
       <p:sp>
         <p:nvSpPr>
-          <p:cNvPr id="241" name="TextBox 18"/>
+          <p:cNvPr id="248" name="TextBox 18"/>
           <p:cNvSpPr/>
           <p:nvPr/>
         </p:nvSpPr>
         <p:spPr>
           <a:xfrm>
             <a:off x="483120" y="5547600"/>
-            <a:ext cx="4391280" cy="303120"/>
+            <a:ext cx="4390920" cy="303120"/>
           </a:xfrm>
           <a:prstGeom prst="rect">
             <a:avLst/>
@@ -18730,14 +19447,14 @@
       </p:sp>
       <p:sp>
         <p:nvSpPr>
-          <p:cNvPr id="242" name="Прямоугольник 1"/>
+          <p:cNvPr id="249" name="Прямоугольник 1"/>
           <p:cNvSpPr/>
           <p:nvPr/>
         </p:nvSpPr>
         <p:spPr>
           <a:xfrm>
             <a:off x="514800" y="1389960"/>
-            <a:ext cx="5037480" cy="1797480"/>
+            <a:ext cx="5037120" cy="1797480"/>
           </a:xfrm>
           <a:prstGeom prst="rect">
             <a:avLst/>
@@ -18792,7 +19509,7 @@
       </p:sp>
       <p:pic>
         <p:nvPicPr>
-          <p:cNvPr id="243" name="" descr=""/>
+          <p:cNvPr id="250" name="" descr=""/>
           <p:cNvPicPr/>
           <p:nvPr/>
         </p:nvPicPr>
@@ -18803,7 +19520,7 @@
         <p:spPr>
           <a:xfrm>
             <a:off x="527040" y="3300120"/>
-            <a:ext cx="4421160" cy="2370960"/>
+            <a:ext cx="4420800" cy="2370600"/>
           </a:xfrm>
           <a:prstGeom prst="rect">
             <a:avLst/>
@@ -18815,14 +19532,14 @@
       </p:pic>
       <p:sp>
         <p:nvSpPr>
-          <p:cNvPr id="244" name=""/>
+          <p:cNvPr id="251" name=""/>
           <p:cNvSpPr/>
           <p:nvPr/>
         </p:nvSpPr>
         <p:spPr>
           <a:xfrm>
             <a:off x="6318360" y="1929960"/>
-            <a:ext cx="5077080" cy="3216960"/>
+            <a:ext cx="5076720" cy="3216600"/>
           </a:xfrm>
           <a:prstGeom prst="rect">
             <a:avLst/>
@@ -18855,6 +19572,7 @@
                 </a:solidFill>
                 <a:uFillTx/>
                 <a:latin typeface="Arial"/>
+                <a:ea typeface="DejaVu Sans"/>
               </a:rPr>
               <a:t>Почему?</a:t>
             </a:r>
@@ -18879,6 +19597,7 @@
                 </a:solidFill>
                 <a:uFillTx/>
                 <a:latin typeface="Arial"/>
+                <a:ea typeface="DejaVu Sans"/>
               </a:rPr>
               <a:t>Это позволяет упаковать максимум информации в ограниченный размер капсида. Перекрывающиеся рамки считывания дают возможность использовать одну и ту же нуклеотидную последовательность для кодирования разных белков.</a:t>
             </a:r>
@@ -18903,6 +19622,7 @@
                 </a:solidFill>
                 <a:uFillTx/>
                 <a:latin typeface="Arial"/>
+                <a:ea typeface="DejaVu Sans"/>
               </a:rPr>
               <a:t>Экология:</a:t>
             </a:r>
@@ -18927,6 +19647,7 @@
                 </a:solidFill>
                 <a:uFillTx/>
                 <a:latin typeface="Arial"/>
+                <a:ea typeface="DejaVu Sans"/>
               </a:rPr>
               <a:t>Вирусы, инфицирующие плотные клеточные популяции (например, гепатит B), вынуждены экономить пространство, так как их капсиды оптимизированы для стабильности и компактности.</a:t>
             </a:r>
@@ -18956,14 +19677,14 @@
       </p:sp>
       <p:sp>
         <p:nvSpPr>
-          <p:cNvPr id="245" name="TextBox 2"/>
+          <p:cNvPr id="252" name="TextBox 2"/>
           <p:cNvSpPr/>
           <p:nvPr/>
         </p:nvSpPr>
         <p:spPr>
           <a:xfrm>
             <a:off x="375480" y="376920"/>
-            <a:ext cx="1597320" cy="455400"/>
+            <a:ext cx="1596960" cy="455400"/>
           </a:xfrm>
           <a:prstGeom prst="rect">
             <a:avLst/>
@@ -19056,7 +19777,7 @@
       </p:grpSpPr>
       <p:pic>
         <p:nvPicPr>
-          <p:cNvPr id="246" name="Рисунок 23" descr=""/>
+          <p:cNvPr id="253" name="Рисунок 23" descr=""/>
           <p:cNvPicPr/>
           <p:nvPr/>
         </p:nvPicPr>
@@ -19067,7 +19788,7 @@
         <p:spPr>
           <a:xfrm>
             <a:off x="11185200" y="1212840"/>
-            <a:ext cx="651240" cy="826560"/>
+            <a:ext cx="650880" cy="826200"/>
           </a:xfrm>
           <a:prstGeom prst="rect">
             <a:avLst/>
@@ -19079,14 +19800,14 @@
       </p:pic>
       <p:sp>
         <p:nvSpPr>
-          <p:cNvPr id="247" name="Скругленный прямоугольник 24"/>
+          <p:cNvPr id="254" name="Скругленный прямоугольник 24"/>
           <p:cNvSpPr/>
           <p:nvPr/>
         </p:nvSpPr>
         <p:spPr>
           <a:xfrm>
             <a:off x="295560" y="225360"/>
-            <a:ext cx="11598120" cy="764640"/>
+            <a:ext cx="11597760" cy="764280"/>
           </a:xfrm>
           <a:prstGeom prst="roundRect">
             <a:avLst>
@@ -19132,14 +19853,14 @@
       </p:sp>
       <p:sp>
         <p:nvSpPr>
-          <p:cNvPr id="248" name="TextBox 26"/>
+          <p:cNvPr id="255" name="TextBox 26"/>
           <p:cNvSpPr/>
           <p:nvPr/>
         </p:nvSpPr>
         <p:spPr>
           <a:xfrm>
             <a:off x="1809720" y="376920"/>
-            <a:ext cx="2414520" cy="455400"/>
+            <a:ext cx="2414160" cy="455400"/>
           </a:xfrm>
           <a:prstGeom prst="rect">
             <a:avLst/>
@@ -19191,14 +19912,14 @@
       </p:sp>
       <p:sp>
         <p:nvSpPr>
-          <p:cNvPr id="249" name="TextBox 27"/>
+          <p:cNvPr id="256" name="TextBox 27"/>
           <p:cNvSpPr/>
           <p:nvPr/>
         </p:nvSpPr>
         <p:spPr>
           <a:xfrm rot="16200000">
-            <a:off x="11179080" y="5516280"/>
-            <a:ext cx="1103040" cy="272520"/>
+            <a:off x="11179440" y="5516640"/>
+            <a:ext cx="1102680" cy="272520"/>
           </a:xfrm>
           <a:prstGeom prst="rect">
             <a:avLst/>
@@ -19269,14 +19990,14 @@
       </p:sp>
       <p:sp>
         <p:nvSpPr>
-          <p:cNvPr id="250" name="TextBox 28"/>
+          <p:cNvPr id="257" name="TextBox 28"/>
           <p:cNvSpPr/>
           <p:nvPr/>
         </p:nvSpPr>
         <p:spPr>
           <a:xfrm>
             <a:off x="11512080" y="6314400"/>
-            <a:ext cx="419760" cy="272520"/>
+            <a:ext cx="419400" cy="272520"/>
           </a:xfrm>
           <a:prstGeom prst="rect">
             <a:avLst/>
@@ -19325,14 +20046,14 @@
       </p:sp>
       <p:cxnSp>
         <p:nvCxnSpPr>
-          <p:cNvPr id="251" name="Прямая соединительная линия 29"/>
+          <p:cNvPr id="258" name="Прямая соединительная линия 29"/>
           <p:cNvCxnSpPr/>
           <p:nvPr/>
         </p:nvCxnSpPr>
         <p:spPr>
           <a:xfrm>
             <a:off x="11579040" y="6240600"/>
-            <a:ext cx="290520" cy="2520"/>
+            <a:ext cx="290880" cy="2880"/>
           </a:xfrm>
           <a:prstGeom prst="straightConnector1">
             <a:avLst/>
@@ -19347,14 +20068,14 @@
       </p:cxnSp>
       <p:cxnSp>
         <p:nvCxnSpPr>
-          <p:cNvPr id="252" name="Прямая соединительная линия 32"/>
+          <p:cNvPr id="259" name="Прямая соединительная линия 32"/>
           <p:cNvCxnSpPr/>
           <p:nvPr/>
         </p:nvCxnSpPr>
         <p:spPr>
           <a:xfrm>
             <a:off x="4190760" y="607680"/>
-            <a:ext cx="2186640" cy="2520"/>
+            <a:ext cx="2187000" cy="2880"/>
           </a:xfrm>
           <a:prstGeom prst="straightConnector1">
             <a:avLst/>
@@ -19369,14 +20090,14 @@
       </p:cxnSp>
       <p:cxnSp>
         <p:nvCxnSpPr>
-          <p:cNvPr id="253" name="Прямая соединительная линия 33"/>
+          <p:cNvPr id="260" name="Прямая соединительная линия 33"/>
           <p:cNvCxnSpPr/>
           <p:nvPr/>
         </p:nvCxnSpPr>
         <p:spPr>
           <a:xfrm>
             <a:off x="6374880" y="466200"/>
-            <a:ext cx="2520" cy="290520"/>
+            <a:ext cx="2880" cy="290880"/>
           </a:xfrm>
           <a:prstGeom prst="straightConnector1">
             <a:avLst/>
@@ -19391,14 +20112,14 @@
       </p:cxnSp>
       <p:cxnSp>
         <p:nvCxnSpPr>
-          <p:cNvPr id="254" name="Прямая соединительная линия 34"/>
+          <p:cNvPr id="261" name="Прямая соединительная линия 34"/>
           <p:cNvCxnSpPr/>
           <p:nvPr/>
         </p:nvCxnSpPr>
         <p:spPr>
           <a:xfrm>
             <a:off x="9295560" y="466200"/>
-            <a:ext cx="2520" cy="290520"/>
+            <a:ext cx="2880" cy="290880"/>
           </a:xfrm>
           <a:prstGeom prst="straightConnector1">
             <a:avLst/>
@@ -19413,7 +20134,7 @@
       </p:cxnSp>
       <p:pic>
         <p:nvPicPr>
-          <p:cNvPr id="255" name="Рисунок 35" descr="Изображение выглядит как текст&#10;&#10;Автоматически созданное описание"/>
+          <p:cNvPr id="262" name="Рисунок 35" descr="Изображение выглядит как текст&#10;&#10;Автоматически созданное описание"/>
           <p:cNvPicPr/>
           <p:nvPr/>
         </p:nvPicPr>
@@ -19424,7 +20145,7 @@
         <p:spPr>
           <a:xfrm>
             <a:off x="7077960" y="389520"/>
-            <a:ext cx="1605240" cy="450360"/>
+            <a:ext cx="1604880" cy="450000"/>
           </a:xfrm>
           <a:prstGeom prst="rect">
             <a:avLst/>
@@ -19436,14 +20157,14 @@
       </p:pic>
       <p:cxnSp>
         <p:nvCxnSpPr>
-          <p:cNvPr id="256" name="Прямая соединительная линия 36"/>
+          <p:cNvPr id="263" name="Прямая соединительная линия 36"/>
           <p:cNvCxnSpPr/>
           <p:nvPr/>
         </p:nvCxnSpPr>
         <p:spPr>
           <a:xfrm>
             <a:off x="4347720" y="957600"/>
-            <a:ext cx="2520" cy="5247360"/>
+            <a:ext cx="2880" cy="5247720"/>
           </a:xfrm>
           <a:prstGeom prst="straightConnector1">
             <a:avLst/>
@@ -19458,14 +20179,14 @@
       </p:cxnSp>
       <p:sp>
         <p:nvSpPr>
-          <p:cNvPr id="257" name="AutoShape 2"/>
+          <p:cNvPr id="264" name="AutoShape 2"/>
           <p:cNvSpPr/>
           <p:nvPr/>
         </p:nvSpPr>
         <p:spPr>
           <a:xfrm>
             <a:off x="155520" y="-144360"/>
-            <a:ext cx="302400" cy="302400"/>
+            <a:ext cx="302040" cy="302040"/>
           </a:xfrm>
           <a:prstGeom prst="rect">
             <a:avLst/>
@@ -19504,14 +20225,14 @@
       </p:sp>
       <p:sp>
         <p:nvSpPr>
-          <p:cNvPr id="258" name="AutoShape 4"/>
+          <p:cNvPr id="265" name="AutoShape 4"/>
           <p:cNvSpPr/>
           <p:nvPr/>
         </p:nvSpPr>
         <p:spPr>
           <a:xfrm>
             <a:off x="307800" y="7920"/>
-            <a:ext cx="302400" cy="302400"/>
+            <a:ext cx="302040" cy="302040"/>
           </a:xfrm>
           <a:prstGeom prst="rect">
             <a:avLst/>
@@ -19550,7 +20271,7 @@
       </p:sp>
       <p:pic>
         <p:nvPicPr>
-          <p:cNvPr id="259" name="Picture 5" descr=""/>
+          <p:cNvPr id="266" name="Picture 5" descr=""/>
           <p:cNvPicPr/>
           <p:nvPr/>
         </p:nvPicPr>
@@ -19561,7 +20282,7 @@
         <p:spPr>
           <a:xfrm>
             <a:off x="9625680" y="236160"/>
-            <a:ext cx="2029320" cy="743040"/>
+            <a:ext cx="2028960" cy="742680"/>
           </a:xfrm>
           <a:prstGeom prst="rect">
             <a:avLst/>
@@ -19573,14 +20294,14 @@
       </p:pic>
       <p:sp>
         <p:nvSpPr>
-          <p:cNvPr id="260" name=""/>
+          <p:cNvPr id="267" name=""/>
           <p:cNvSpPr/>
           <p:nvPr/>
         </p:nvSpPr>
         <p:spPr>
           <a:xfrm>
             <a:off x="6263280" y="1744200"/>
-            <a:ext cx="4847760" cy="1133640"/>
+            <a:ext cx="4847400" cy="1133280"/>
           </a:xfrm>
           <a:prstGeom prst="rect">
             <a:avLst/>
@@ -19619,14 +20340,14 @@
       </p:sp>
       <p:sp>
         <p:nvSpPr>
-          <p:cNvPr id="261" name=""/>
+          <p:cNvPr id="268" name=""/>
           <p:cNvSpPr/>
           <p:nvPr/>
         </p:nvSpPr>
         <p:spPr>
           <a:xfrm>
             <a:off x="8323200" y="2126520"/>
-            <a:ext cx="3466440" cy="4080600"/>
+            <a:ext cx="3466080" cy="4080240"/>
           </a:xfrm>
           <a:prstGeom prst="rect">
             <a:avLst/>
@@ -19766,14 +20487,14 @@
       </p:sp>
       <p:sp>
         <p:nvSpPr>
-          <p:cNvPr id="262" name=""/>
+          <p:cNvPr id="269" name=""/>
           <p:cNvSpPr/>
           <p:nvPr/>
         </p:nvSpPr>
         <p:spPr>
           <a:xfrm>
             <a:off x="481320" y="5814720"/>
-            <a:ext cx="4086720" cy="573480"/>
+            <a:ext cx="4086360" cy="573120"/>
           </a:xfrm>
           <a:prstGeom prst="rect">
             <a:avLst/>
@@ -19822,14 +20543,14 @@
       </p:sp>
       <p:sp>
         <p:nvSpPr>
-          <p:cNvPr id="263" name=""/>
+          <p:cNvPr id="270" name=""/>
           <p:cNvSpPr/>
           <p:nvPr/>
         </p:nvSpPr>
         <p:spPr>
           <a:xfrm>
             <a:off x="404640" y="1307880"/>
-            <a:ext cx="3598560" cy="1875240"/>
+            <a:ext cx="3598200" cy="1874880"/>
           </a:xfrm>
           <a:prstGeom prst="rect">
             <a:avLst/>
@@ -19862,6 +20583,7 @@
                 </a:solidFill>
                 <a:uFillTx/>
                 <a:latin typeface="Arial"/>
+                <a:ea typeface="DejaVu Sans"/>
               </a:rPr>
               <a:t>Геномы некоторых вирусов, как мозаика, распределены между несколькими молекулами. Если эти молекулы находятся в одном капсиде, геном называют </a:t>
             </a:r>
@@ -19872,6 +20594,7 @@
                 </a:solidFill>
                 <a:uFillTx/>
                 <a:latin typeface="Arial"/>
+                <a:ea typeface="DejaVu Sans"/>
               </a:rPr>
               <a:t>сегментированным</a:t>
             </a:r>
@@ -19882,6 +20605,7 @@
                 </a:solidFill>
                 <a:uFillTx/>
                 <a:latin typeface="Arial"/>
+                <a:ea typeface="DejaVu Sans"/>
               </a:rPr>
               <a:t>. Если же они распределены по разным вирионам, это</a:t>
             </a:r>
@@ -19892,6 +20616,7 @@
                 </a:solidFill>
                 <a:uFillTx/>
                 <a:latin typeface="Arial"/>
+                <a:ea typeface="DejaVu Sans"/>
               </a:rPr>
               <a:t> партитный геном</a:t>
             </a:r>
@@ -19902,6 +20627,7 @@
                 </a:solidFill>
                 <a:uFillTx/>
                 <a:latin typeface="Arial"/>
+                <a:ea typeface="DejaVu Sans"/>
               </a:rPr>
               <a:t>. Здесь важен полный набор: без всех сегментов инфекция невозможна.</a:t>
             </a:r>
@@ -19917,14 +20643,14 @@
       </p:sp>
       <p:sp>
         <p:nvSpPr>
-          <p:cNvPr id="264" name=""/>
+          <p:cNvPr id="271" name=""/>
           <p:cNvSpPr/>
           <p:nvPr/>
         </p:nvSpPr>
         <p:spPr>
           <a:xfrm>
             <a:off x="4800600" y="2062800"/>
-            <a:ext cx="3393360" cy="4244400"/>
+            <a:ext cx="3393000" cy="4244040"/>
           </a:xfrm>
           <a:prstGeom prst="rect">
             <a:avLst/>
@@ -19957,6 +20683,7 @@
                 </a:solidFill>
                 <a:uFillTx/>
                 <a:latin typeface="Arial"/>
+                <a:ea typeface="DejaVu Sans"/>
               </a:rPr>
               <a:t>Почему?</a:t>
             </a:r>
@@ -19984,6 +20711,7 @@
                 </a:solidFill>
                 <a:uFillTx/>
                 <a:latin typeface="Arial"/>
+                <a:ea typeface="DejaVu Sans"/>
               </a:rPr>
               <a:t>Разделение генома между разными вирионами снижает вероятность полной потери вируса в неблагоприятных условиях. Инфекция становится возможной только при совместном действии всех вирионов.</a:t>
             </a:r>
@@ -20011,6 +20739,7 @@
                 </a:solidFill>
                 <a:uFillTx/>
                 <a:latin typeface="Arial"/>
+                <a:ea typeface="DejaVu Sans"/>
               </a:rPr>
               <a:t>Экология:</a:t>
             </a:r>
@@ -20038,6 +20767,7 @@
                 </a:solidFill>
                 <a:uFillTx/>
                 <a:latin typeface="Arial"/>
+                <a:ea typeface="DejaVu Sans"/>
               </a:rPr>
               <a:t>Вирусы грибов или растений используют партитность для передачи генов через специфические механизмы, такие как плазмогамия или насекомые-векторы. Это снижает конкуренцию между вирусами и гарантирует передачу полного генома.</a:t>
             </a:r>
@@ -20067,7 +20797,7 @@
       </p:sp>
       <p:pic>
         <p:nvPicPr>
-          <p:cNvPr id="265" name="" descr=""/>
+          <p:cNvPr id="272" name="" descr=""/>
           <p:cNvPicPr/>
           <p:nvPr/>
         </p:nvPicPr>
@@ -20084,7 +20814,7 @@
         <p:spPr>
           <a:xfrm>
             <a:off x="495360" y="3433680"/>
-            <a:ext cx="3585600" cy="2114280"/>
+            <a:ext cx="3585240" cy="2113920"/>
           </a:xfrm>
           <a:prstGeom prst="rect">
             <a:avLst/>
@@ -20096,14 +20826,14 @@
       </p:pic>
       <p:sp>
         <p:nvSpPr>
-          <p:cNvPr id="266" name="TextBox 3"/>
+          <p:cNvPr id="273" name="TextBox 3"/>
           <p:cNvSpPr/>
           <p:nvPr/>
         </p:nvSpPr>
         <p:spPr>
           <a:xfrm>
             <a:off x="375480" y="376920"/>
-            <a:ext cx="1597320" cy="455400"/>
+            <a:ext cx="1596960" cy="455400"/>
           </a:xfrm>
           <a:prstGeom prst="rect">
             <a:avLst/>
@@ -20196,7 +20926,7 @@
       </p:grpSpPr>
       <p:pic>
         <p:nvPicPr>
-          <p:cNvPr id="267" name="Рисунок 23" descr=""/>
+          <p:cNvPr id="274" name="Рисунок 23" descr=""/>
           <p:cNvPicPr/>
           <p:nvPr/>
         </p:nvPicPr>
@@ -20207,7 +20937,7 @@
         <p:spPr>
           <a:xfrm>
             <a:off x="11185200" y="1212840"/>
-            <a:ext cx="651240" cy="826560"/>
+            <a:ext cx="650880" cy="826200"/>
           </a:xfrm>
           <a:prstGeom prst="rect">
             <a:avLst/>
@@ -20219,14 +20949,14 @@
       </p:pic>
       <p:sp>
         <p:nvSpPr>
-          <p:cNvPr id="268" name="Скругленный прямоугольник 24"/>
+          <p:cNvPr id="275" name="Скругленный прямоугольник 24"/>
           <p:cNvSpPr/>
           <p:nvPr/>
         </p:nvSpPr>
         <p:spPr>
           <a:xfrm>
             <a:off x="295560" y="225360"/>
-            <a:ext cx="11598120" cy="764640"/>
+            <a:ext cx="11597760" cy="764280"/>
           </a:xfrm>
           <a:prstGeom prst="roundRect">
             <a:avLst>
@@ -20272,14 +21002,14 @@
       </p:sp>
       <p:sp>
         <p:nvSpPr>
-          <p:cNvPr id="269" name="TextBox 26"/>
+          <p:cNvPr id="276" name="TextBox 26"/>
           <p:cNvSpPr/>
           <p:nvPr/>
         </p:nvSpPr>
         <p:spPr>
           <a:xfrm>
             <a:off x="1724400" y="360000"/>
-            <a:ext cx="2414520" cy="272520"/>
+            <a:ext cx="2414160" cy="272520"/>
           </a:xfrm>
           <a:prstGeom prst="rect">
             <a:avLst/>
@@ -20331,14 +21061,14 @@
       </p:sp>
       <p:sp>
         <p:nvSpPr>
-          <p:cNvPr id="270" name="TextBox 27"/>
+          <p:cNvPr id="277" name="TextBox 27"/>
           <p:cNvSpPr/>
           <p:nvPr/>
         </p:nvSpPr>
         <p:spPr>
           <a:xfrm rot="16200000">
-            <a:off x="11179080" y="5516280"/>
-            <a:ext cx="1103040" cy="272520"/>
+            <a:off x="11179440" y="5516640"/>
+            <a:ext cx="1102680" cy="272520"/>
           </a:xfrm>
           <a:prstGeom prst="rect">
             <a:avLst/>
@@ -20409,14 +21139,14 @@
       </p:sp>
       <p:sp>
         <p:nvSpPr>
-          <p:cNvPr id="271" name="TextBox 28"/>
+          <p:cNvPr id="278" name="TextBox 28"/>
           <p:cNvSpPr/>
           <p:nvPr/>
         </p:nvSpPr>
         <p:spPr>
           <a:xfrm>
             <a:off x="11512080" y="6314400"/>
-            <a:ext cx="419760" cy="272520"/>
+            <a:ext cx="419400" cy="272520"/>
           </a:xfrm>
           <a:prstGeom prst="rect">
             <a:avLst/>
@@ -20465,14 +21195,14 @@
       </p:sp>
       <p:cxnSp>
         <p:nvCxnSpPr>
-          <p:cNvPr id="272" name="Прямая соединительная линия 29"/>
+          <p:cNvPr id="279" name="Прямая соединительная линия 29"/>
           <p:cNvCxnSpPr/>
           <p:nvPr/>
         </p:nvCxnSpPr>
         <p:spPr>
           <a:xfrm>
             <a:off x="11579040" y="6240600"/>
-            <a:ext cx="290520" cy="2520"/>
+            <a:ext cx="290880" cy="2880"/>
           </a:xfrm>
           <a:prstGeom prst="straightConnector1">
             <a:avLst/>
@@ -20487,14 +21217,14 @@
       </p:cxnSp>
       <p:sp>
         <p:nvSpPr>
-          <p:cNvPr id="273" name="TextBox 31"/>
+          <p:cNvPr id="280" name="TextBox 31"/>
           <p:cNvSpPr/>
           <p:nvPr/>
         </p:nvSpPr>
         <p:spPr>
           <a:xfrm>
             <a:off x="6480000" y="1227600"/>
-            <a:ext cx="4366440" cy="394560"/>
+            <a:ext cx="4366080" cy="394560"/>
           </a:xfrm>
           <a:prstGeom prst="rect">
             <a:avLst/>
@@ -20549,14 +21279,14 @@
       </p:sp>
       <p:cxnSp>
         <p:nvCxnSpPr>
-          <p:cNvPr id="274" name="Прямая соединительная линия 32"/>
+          <p:cNvPr id="281" name="Прямая соединительная линия 32"/>
           <p:cNvCxnSpPr/>
           <p:nvPr/>
         </p:nvCxnSpPr>
         <p:spPr>
           <a:xfrm>
             <a:off x="4190760" y="607680"/>
-            <a:ext cx="2186640" cy="2520"/>
+            <a:ext cx="2187000" cy="2880"/>
           </a:xfrm>
           <a:prstGeom prst="straightConnector1">
             <a:avLst/>
@@ -20571,14 +21301,14 @@
       </p:cxnSp>
       <p:cxnSp>
         <p:nvCxnSpPr>
-          <p:cNvPr id="275" name="Прямая соединительная линия 33"/>
+          <p:cNvPr id="282" name="Прямая соединительная линия 33"/>
           <p:cNvCxnSpPr/>
           <p:nvPr/>
         </p:nvCxnSpPr>
         <p:spPr>
           <a:xfrm>
             <a:off x="6374880" y="466200"/>
-            <a:ext cx="2520" cy="290520"/>
+            <a:ext cx="2880" cy="290880"/>
           </a:xfrm>
           <a:prstGeom prst="straightConnector1">
             <a:avLst/>
@@ -20593,14 +21323,14 @@
       </p:cxnSp>
       <p:cxnSp>
         <p:nvCxnSpPr>
-          <p:cNvPr id="276" name="Прямая соединительная линия 34"/>
+          <p:cNvPr id="283" name="Прямая соединительная линия 34"/>
           <p:cNvCxnSpPr/>
           <p:nvPr/>
         </p:nvCxnSpPr>
         <p:spPr>
           <a:xfrm>
             <a:off x="9295560" y="466200"/>
-            <a:ext cx="2520" cy="290520"/>
+            <a:ext cx="2880" cy="290880"/>
           </a:xfrm>
           <a:prstGeom prst="straightConnector1">
             <a:avLst/>
@@ -20615,7 +21345,7 @@
       </p:cxnSp>
       <p:pic>
         <p:nvPicPr>
-          <p:cNvPr id="277" name="Рисунок 35" descr="Изображение выглядит как текст&#10;&#10;Автоматически созданное описание"/>
+          <p:cNvPr id="284" name="Рисунок 35" descr="Изображение выглядит как текст&#10;&#10;Автоматически созданное описание"/>
           <p:cNvPicPr/>
           <p:nvPr/>
         </p:nvPicPr>
@@ -20626,7 +21356,7 @@
         <p:spPr>
           <a:xfrm>
             <a:off x="7077960" y="389520"/>
-            <a:ext cx="1605240" cy="450360"/>
+            <a:ext cx="1604880" cy="450000"/>
           </a:xfrm>
           <a:prstGeom prst="rect">
             <a:avLst/>
@@ -20638,14 +21368,14 @@
       </p:pic>
       <p:cxnSp>
         <p:nvCxnSpPr>
-          <p:cNvPr id="278" name="Прямая соединительная линия 36"/>
+          <p:cNvPr id="285" name="Прямая соединительная линия 36"/>
           <p:cNvCxnSpPr/>
           <p:nvPr/>
         </p:nvCxnSpPr>
         <p:spPr>
           <a:xfrm>
             <a:off x="6053400" y="991800"/>
-            <a:ext cx="2520" cy="5247360"/>
+            <a:ext cx="2880" cy="5247720"/>
           </a:xfrm>
           <a:prstGeom prst="straightConnector1">
             <a:avLst/>
@@ -20660,14 +21390,14 @@
       </p:cxnSp>
       <p:sp>
         <p:nvSpPr>
-          <p:cNvPr id="279" name="AutoShape 2"/>
+          <p:cNvPr id="286" name="AutoShape 2"/>
           <p:cNvSpPr/>
           <p:nvPr/>
         </p:nvSpPr>
         <p:spPr>
           <a:xfrm>
             <a:off x="155520" y="-144360"/>
-            <a:ext cx="302400" cy="302400"/>
+            <a:ext cx="302040" cy="302040"/>
           </a:xfrm>
           <a:prstGeom prst="rect">
             <a:avLst/>
@@ -20706,14 +21436,14 @@
       </p:sp>
       <p:sp>
         <p:nvSpPr>
-          <p:cNvPr id="280" name="AutoShape 4"/>
+          <p:cNvPr id="287" name="AutoShape 4"/>
           <p:cNvSpPr/>
           <p:nvPr/>
         </p:nvSpPr>
         <p:spPr>
           <a:xfrm>
             <a:off x="307800" y="7920"/>
-            <a:ext cx="302400" cy="302400"/>
+            <a:ext cx="302040" cy="302040"/>
           </a:xfrm>
           <a:prstGeom prst="rect">
             <a:avLst/>
@@ -20752,7 +21482,7 @@
       </p:sp>
       <p:pic>
         <p:nvPicPr>
-          <p:cNvPr id="281" name="Picture 5" descr=""/>
+          <p:cNvPr id="288" name="Picture 5" descr=""/>
           <p:cNvPicPr/>
           <p:nvPr/>
         </p:nvPicPr>
@@ -20763,7 +21493,7 @@
         <p:spPr>
           <a:xfrm>
             <a:off x="9625680" y="236160"/>
-            <a:ext cx="2029320" cy="743040"/>
+            <a:ext cx="2028960" cy="742680"/>
           </a:xfrm>
           <a:prstGeom prst="rect">
             <a:avLst/>
@@ -20775,14 +21505,14 @@
       </p:pic>
       <p:sp>
         <p:nvSpPr>
-          <p:cNvPr id="282" name=""/>
+          <p:cNvPr id="289" name=""/>
           <p:cNvSpPr/>
           <p:nvPr/>
         </p:nvSpPr>
         <p:spPr>
           <a:xfrm>
             <a:off x="6224760" y="1767600"/>
-            <a:ext cx="5367960" cy="8251200"/>
+            <a:ext cx="5367600" cy="8250840"/>
           </a:xfrm>
           <a:prstGeom prst="rect">
             <a:avLst/>
@@ -20821,14 +21551,14 @@
       </p:sp>
       <p:sp>
         <p:nvSpPr>
-          <p:cNvPr id="283" name="Прямоугольник 4"/>
+          <p:cNvPr id="290" name="Прямоугольник 4"/>
           <p:cNvSpPr/>
           <p:nvPr/>
         </p:nvSpPr>
         <p:spPr>
           <a:xfrm>
             <a:off x="6119280" y="1733400"/>
-            <a:ext cx="5037480" cy="4215600"/>
+            <a:ext cx="5037120" cy="4215600"/>
           </a:xfrm>
           <a:prstGeom prst="rect">
             <a:avLst/>
@@ -20996,14 +21726,14 @@
       </p:sp>
       <p:sp>
         <p:nvSpPr>
-          <p:cNvPr id="284" name=""/>
+          <p:cNvPr id="291" name=""/>
           <p:cNvSpPr/>
           <p:nvPr/>
         </p:nvSpPr>
         <p:spPr>
           <a:xfrm>
             <a:off x="459360" y="5018400"/>
-            <a:ext cx="4775400" cy="1379880"/>
+            <a:ext cx="4775040" cy="1379520"/>
           </a:xfrm>
           <a:prstGeom prst="rect">
             <a:avLst/>
@@ -21157,7 +21887,7 @@
       </p:sp>
       <p:pic>
         <p:nvPicPr>
-          <p:cNvPr id="285" name="" descr=""/>
+          <p:cNvPr id="292" name="" descr=""/>
           <p:cNvPicPr/>
           <p:nvPr/>
         </p:nvPicPr>
@@ -21168,7 +21898,7 @@
         <p:spPr>
           <a:xfrm>
             <a:off x="491040" y="1325880"/>
-            <a:ext cx="4663800" cy="3636000"/>
+            <a:ext cx="4663440" cy="3635640"/>
           </a:xfrm>
           <a:prstGeom prst="rect">
             <a:avLst/>
@@ -21180,14 +21910,14 @@
       </p:pic>
       <p:sp>
         <p:nvSpPr>
-          <p:cNvPr id="286" name="TextBox 4"/>
+          <p:cNvPr id="293" name="TextBox 4"/>
           <p:cNvSpPr/>
           <p:nvPr/>
         </p:nvSpPr>
         <p:spPr>
           <a:xfrm>
             <a:off x="375480" y="376920"/>
-            <a:ext cx="1597320" cy="455400"/>
+            <a:ext cx="1596960" cy="455400"/>
           </a:xfrm>
           <a:prstGeom prst="rect">
             <a:avLst/>
@@ -21280,14 +22010,14 @@
       </p:grpSpPr>
       <p:sp>
         <p:nvSpPr>
-          <p:cNvPr id="287" name="Скругленный прямоугольник 2"/>
+          <p:cNvPr id="294" name="Скругленный прямоугольник 2"/>
           <p:cNvSpPr/>
           <p:nvPr/>
         </p:nvSpPr>
         <p:spPr>
           <a:xfrm>
             <a:off x="663120" y="1015920"/>
-            <a:ext cx="10863360" cy="4988520"/>
+            <a:ext cx="10863000" cy="4988160"/>
           </a:xfrm>
           <a:prstGeom prst="roundRect">
             <a:avLst>
@@ -21333,7 +22063,7 @@
       </p:sp>
       <p:pic>
         <p:nvPicPr>
-          <p:cNvPr id="288" name="Рисунок 3" descr="Изображение выглядит как текст&#10;&#10;Автоматически созданное описание"/>
+          <p:cNvPr id="295" name="Рисунок 3" descr="Изображение выглядит как текст&#10;&#10;Автоматически созданное описание"/>
           <p:cNvPicPr/>
           <p:nvPr/>
         </p:nvPicPr>
@@ -21344,7 +22074,7 @@
         <p:spPr>
           <a:xfrm>
             <a:off x="5292360" y="1396800"/>
-            <a:ext cx="1605240" cy="450360"/>
+            <a:ext cx="1604880" cy="450000"/>
           </a:xfrm>
           <a:prstGeom prst="rect">
             <a:avLst/>
@@ -21356,14 +22086,14 @@
       </p:pic>
       <p:sp>
         <p:nvSpPr>
-          <p:cNvPr id="289" name="TextBox 9"/>
+          <p:cNvPr id="296" name="TextBox 9"/>
           <p:cNvSpPr/>
           <p:nvPr/>
         </p:nvSpPr>
         <p:spPr>
           <a:xfrm>
             <a:off x="2054880" y="5426640"/>
-            <a:ext cx="8079480" cy="516240"/>
+            <a:ext cx="8079120" cy="516240"/>
           </a:xfrm>
           <a:prstGeom prst="rect">
             <a:avLst/>
@@ -21426,14 +22156,14 @@
       </p:sp>
       <p:sp>
         <p:nvSpPr>
-          <p:cNvPr id="290" name="AutoShape 2"/>
+          <p:cNvPr id="297" name="AutoShape 2"/>
           <p:cNvSpPr/>
           <p:nvPr/>
         </p:nvSpPr>
         <p:spPr>
           <a:xfrm>
             <a:off x="155520" y="-144360"/>
-            <a:ext cx="302400" cy="302400"/>
+            <a:ext cx="302040" cy="302040"/>
           </a:xfrm>
           <a:prstGeom prst="rect">
             <a:avLst/>
@@ -21472,7 +22202,7 @@
       </p:sp>
       <p:pic>
         <p:nvPicPr>
-          <p:cNvPr id="291" name="" descr=""/>
+          <p:cNvPr id="298" name="" descr=""/>
           <p:cNvPicPr/>
           <p:nvPr/>
         </p:nvPicPr>
@@ -21482,8 +22212,31 @@
         </p:blipFill>
         <p:spPr>
           <a:xfrm>
-            <a:off x="3749040" y="2206440"/>
-            <a:ext cx="4761720" cy="2475720"/>
+            <a:off x="970200" y="1517400"/>
+            <a:ext cx="4040280" cy="4105080"/>
+          </a:xfrm>
+          <a:prstGeom prst="rect">
+            <a:avLst/>
+          </a:prstGeom>
+          <a:ln w="0">
+            <a:noFill/>
+          </a:ln>
+        </p:spPr>
+      </p:pic>
+      <p:pic>
+        <p:nvPicPr>
+          <p:cNvPr id="299" name="" descr=""/>
+          <p:cNvPicPr/>
+          <p:nvPr/>
+        </p:nvPicPr>
+        <p:blipFill>
+          <a:blip r:embed="rId3"/>
+          <a:stretch/>
+        </p:blipFill>
+        <p:spPr>
+          <a:xfrm>
+            <a:off x="6927480" y="1175040"/>
+            <a:ext cx="4331880" cy="4124160"/>
           </a:xfrm>
           <a:prstGeom prst="rect">
             <a:avLst/>
@@ -24474,6 +25227,112 @@
 </a:theme>
 </file>
 
+<file path=ppt/theme/theme35.xml><?xml version="1.0" encoding="utf-8"?>
+<a:theme xmlns:a="http://schemas.openxmlformats.org/drawingml/2006/main" xmlns:r="http://schemas.openxmlformats.org/officeDocument/2006/relationships" name="Тема Office">
+  <a:themeElements>
+    <a:clrScheme name="Пользовательские 1">
+      <a:dk1>
+        <a:srgbClr val="000000"/>
+      </a:dk1>
+      <a:lt1>
+        <a:srgbClr val="ffffff"/>
+      </a:lt1>
+      <a:dk2>
+        <a:srgbClr val="173b90"/>
+      </a:dk2>
+      <a:lt2>
+        <a:srgbClr val="e7e6e6"/>
+      </a:lt2>
+      <a:accent1>
+        <a:srgbClr val="173b90"/>
+      </a:accent1>
+      <a:accent2>
+        <a:srgbClr val="ef3b10"/>
+      </a:accent2>
+      <a:accent3>
+        <a:srgbClr val="009c93"/>
+      </a:accent3>
+      <a:accent4>
+        <a:srgbClr val="f5d40a"/>
+      </a:accent4>
+      <a:accent5>
+        <a:srgbClr val="01acdf"/>
+      </a:accent5>
+      <a:accent6>
+        <a:srgbClr val="6c882c"/>
+      </a:accent6>
+      <a:hlink>
+        <a:srgbClr val="ed7d04"/>
+      </a:hlink>
+      <a:folHlink>
+        <a:srgbClr val="502465"/>
+      </a:folHlink>
+    </a:clrScheme>
+    <a:fontScheme name="Office">
+      <a:majorFont>
+        <a:latin typeface="Arial" pitchFamily="0" charset="1"/>
+        <a:ea typeface="DejaVu Sans" pitchFamily="0" charset="1"/>
+        <a:cs typeface="DejaVu Sans" pitchFamily="0" charset="1"/>
+      </a:majorFont>
+      <a:minorFont>
+        <a:latin typeface="Arial" pitchFamily="0" charset="1"/>
+        <a:ea typeface="DejaVu Sans" pitchFamily="0" charset="1"/>
+        <a:cs typeface="DejaVu Sans" pitchFamily="0" charset="1"/>
+      </a:minorFont>
+    </a:fontScheme>
+    <a:fmtScheme>
+      <a:fillStyleLst>
+        <a:solidFill>
+          <a:schemeClr val="phClr"/>
+        </a:solidFill>
+        <a:solidFill>
+          <a:schemeClr val="phClr"/>
+        </a:solidFill>
+        <a:solidFill>
+          <a:schemeClr val="phClr"/>
+        </a:solidFill>
+      </a:fillStyleLst>
+      <a:lnStyleLst>
+        <a:ln w="6350" cap="flat" cmpd="sng" algn="ctr">
+          <a:prstDash val="solid"/>
+          <a:miter/>
+        </a:ln>
+        <a:ln w="6350" cap="flat" cmpd="sng" algn="ctr">
+          <a:prstDash val="solid"/>
+          <a:miter/>
+        </a:ln>
+        <a:ln w="6350" cap="flat" cmpd="sng" algn="ctr">
+          <a:prstDash val="solid"/>
+          <a:miter/>
+        </a:ln>
+      </a:lnStyleLst>
+      <a:effectStyleLst>
+        <a:effectStyle>
+          <a:effectLst/>
+        </a:effectStyle>
+        <a:effectStyle>
+          <a:effectLst/>
+        </a:effectStyle>
+        <a:effectStyle>
+          <a:effectLst/>
+        </a:effectStyle>
+      </a:effectStyleLst>
+      <a:bgFillStyleLst>
+        <a:solidFill>
+          <a:schemeClr val="phClr"/>
+        </a:solidFill>
+        <a:solidFill>
+          <a:schemeClr val="phClr"/>
+        </a:solidFill>
+        <a:solidFill>
+          <a:schemeClr val="phClr"/>
+        </a:solidFill>
+      </a:bgFillStyleLst>
+    </a:fmtScheme>
+  </a:themeElements>
+</a:theme>
+</file>
+
 <file path=ppt/theme/theme4.xml><?xml version="1.0" encoding="utf-8"?>
 <a:theme xmlns:a="http://schemas.openxmlformats.org/drawingml/2006/main" xmlns:r="http://schemas.openxmlformats.org/officeDocument/2006/relationships" name="Тема Office">
   <a:themeElements>
